--- a/PROYECTO08/PRESENTACION.pptx
+++ b/PROYECTO08/PRESENTACION.pptx
@@ -5,7 +5,7 @@
     <p:sldMasterId id="2147483648" r:id="rId1"/>
   </p:sldMasterIdLst>
   <p:notesMasterIdLst>
-    <p:notesMasterId r:id="rId14"/>
+    <p:notesMasterId r:id="rId35"/>
   </p:notesMasterIdLst>
   <p:sldIdLst>
     <p:sldId id="256" r:id="rId2"/>
@@ -18,8 +18,29 @@
     <p:sldId id="267" r:id="rId9"/>
     <p:sldId id="261" r:id="rId10"/>
     <p:sldId id="268" r:id="rId11"/>
-    <p:sldId id="264" r:id="rId12"/>
-    <p:sldId id="259" r:id="rId13"/>
+    <p:sldId id="270" r:id="rId12"/>
+    <p:sldId id="269" r:id="rId13"/>
+    <p:sldId id="271" r:id="rId14"/>
+    <p:sldId id="272" r:id="rId15"/>
+    <p:sldId id="273" r:id="rId16"/>
+    <p:sldId id="264" r:id="rId17"/>
+    <p:sldId id="275" r:id="rId18"/>
+    <p:sldId id="276" r:id="rId19"/>
+    <p:sldId id="277" r:id="rId20"/>
+    <p:sldId id="278" r:id="rId21"/>
+    <p:sldId id="279" r:id="rId22"/>
+    <p:sldId id="281" r:id="rId23"/>
+    <p:sldId id="280" r:id="rId24"/>
+    <p:sldId id="282" r:id="rId25"/>
+    <p:sldId id="283" r:id="rId26"/>
+    <p:sldId id="284" r:id="rId27"/>
+    <p:sldId id="285" r:id="rId28"/>
+    <p:sldId id="286" r:id="rId29"/>
+    <p:sldId id="287" r:id="rId30"/>
+    <p:sldId id="288" r:id="rId31"/>
+    <p:sldId id="289" r:id="rId32"/>
+    <p:sldId id="290" r:id="rId33"/>
+    <p:sldId id="259" r:id="rId34"/>
   </p:sldIdLst>
   <p:sldSz cx="9144000" cy="5143500" type="screen16x9"/>
   <p:notesSz cx="6858000" cy="9144000"/>
@@ -219,7 +240,7 @@
           <a:p>
             <a:fld id="{821652C1-54FA-CD46-90EF-082DF126EC89}" type="datetimeFigureOut">
               <a:rPr lang="es-ES" smtClean="0"/>
-              <a:t>12/08/2019</a:t>
+              <a:t>04/09/2019</a:t>
             </a:fld>
             <a:endParaRPr lang="es-ES"/>
           </a:p>
@@ -633,7 +654,7 @@
             </a:r>
             <a:r>
               <a:rPr lang="es-ES" baseline="0" dirty="0"/>
-              <a:t> esta diapositiva al final de su presentación</a:t>
+              <a:t> esta diapositiva como introducción de una nueva sección de la presentación o para destacar una frase clave.</a:t>
             </a:r>
           </a:p>
           <a:p>
@@ -642,12 +663,58 @@
               <a:buChar char="-"/>
             </a:pPr>
             <a:r>
+              <a:rPr lang="es-ES" baseline="0" dirty="0"/>
+              <a:t>Al tener una foto de fondo los textos deben ser concisos.</a:t>
+            </a:r>
+          </a:p>
+          <a:p>
+            <a:pPr marL="171450" indent="-171450">
+              <a:buFontTx/>
+              <a:buChar char="-"/>
+            </a:pPr>
+            <a:r>
+              <a:rPr lang="es-ES" baseline="0" dirty="0"/>
+              <a:t>Los textos debe ir en blanco utilizando la tipografía Arial con un tamaño mínimo de 16 puntos.</a:t>
+            </a:r>
+          </a:p>
+          <a:p>
+            <a:pPr marL="171450" indent="-171450">
+              <a:buFontTx/>
+              <a:buChar char="-"/>
+            </a:pPr>
+            <a:r>
+              <a:rPr lang="es-ES" baseline="0" dirty="0"/>
+              <a:t>Esta diapositiva es completamente editable, usted puede borrar la imagen de fondo e insertar una nueva fotografía. Asegúrese que al momento de hacerlo, no borre el logo del SENA que aparece en la parte superior izquierda, ni tampoco borre el recuadro negro con transparencia del lado derecho ya que este es indispensable para garantizar lectura del texto sobre la imagen. Así mismo recuerde que al insertar la nueva fotografía debe darle en la opción: </a:t>
+            </a:r>
+            <a:r>
+              <a:rPr lang="es-ES" baseline="0" dirty="0" err="1"/>
+              <a:t>click</a:t>
+            </a:r>
+            <a:r>
+              <a:rPr lang="es-ES" baseline="0" dirty="0"/>
+              <a:t> </a:t>
+            </a:r>
+            <a:r>
               <a:rPr lang="es-ES" baseline="0"/>
-              <a:t>Esta </a:t>
-            </a:r>
-            <a:r>
-              <a:rPr lang="es-ES" baseline="0" dirty="0"/>
-              <a:t>diapositiva no debe modificarse</a:t>
+              <a:t>derecho </a:t>
+            </a:r>
+            <a:r>
+              <a:rPr lang="es-ES" baseline="0">
+                <a:sym typeface="Wingdings"/>
+              </a:rPr>
+              <a:t> </a:t>
+            </a:r>
+            <a:r>
+              <a:rPr lang="es-ES" baseline="0" dirty="0">
+                <a:sym typeface="Wingdings"/>
+              </a:rPr>
+              <a:t>enviar </a:t>
+            </a:r>
+            <a:r>
+              <a:rPr lang="es-ES" baseline="0">
+                <a:sym typeface="Wingdings"/>
+              </a:rPr>
+              <a:t>al fondo.</a:t>
             </a:r>
             <a:endParaRPr lang="es-ES" dirty="0"/>
           </a:p>
@@ -670,7 +737,7 @@
           <a:p>
             <a:fld id="{88D09B62-7964-8A4C-9636-36CB120B29AE}" type="slidenum">
               <a:rPr lang="es-ES" smtClean="0"/>
-              <a:t>12</a:t>
+              <a:t>17</a:t>
             </a:fld>
             <a:endParaRPr lang="es-ES"/>
           </a:p>
@@ -679,7 +746,1270 @@
     </p:spTree>
     <p:extLst>
       <p:ext uri="{BB962C8B-B14F-4D97-AF65-F5344CB8AC3E}">
-        <p14:creationId xmlns:p14="http://schemas.microsoft.com/office/powerpoint/2010/main" val="3649474935"/>
+        <p14:creationId xmlns:p14="http://schemas.microsoft.com/office/powerpoint/2010/main" val="2310050080"/>
+      </p:ext>
+    </p:extLst>
+  </p:cSld>
+  <p:clrMapOvr>
+    <a:masterClrMapping/>
+  </p:clrMapOvr>
+</p:notes>
+</file>
+
+<file path=ppt/notesSlides/notesSlide11.xml><?xml version="1.0" encoding="utf-8"?>
+<p:notes xmlns:a="http://schemas.openxmlformats.org/drawingml/2006/main" xmlns:r="http://schemas.openxmlformats.org/officeDocument/2006/relationships" xmlns:p="http://schemas.openxmlformats.org/presentationml/2006/main">
+  <p:cSld>
+    <p:spTree>
+      <p:nvGrpSpPr>
+        <p:cNvPr id="1" name=""/>
+        <p:cNvGrpSpPr/>
+        <p:nvPr/>
+      </p:nvGrpSpPr>
+      <p:grpSpPr>
+        <a:xfrm>
+          <a:off x="0" y="0"/>
+          <a:ext cx="0" cy="0"/>
+          <a:chOff x="0" y="0"/>
+          <a:chExt cx="0" cy="0"/>
+        </a:xfrm>
+      </p:grpSpPr>
+      <p:sp>
+        <p:nvSpPr>
+          <p:cNvPr id="2" name="Marcador de imagen de diapositiva 1"/>
+          <p:cNvSpPr>
+            <a:spLocks noGrp="1" noRot="1" noChangeAspect="1"/>
+          </p:cNvSpPr>
+          <p:nvPr>
+            <p:ph type="sldImg"/>
+          </p:nvPr>
+        </p:nvSpPr>
+        <p:spPr/>
+      </p:sp>
+      <p:sp>
+        <p:nvSpPr>
+          <p:cNvPr id="3" name="Marcador de notas 2"/>
+          <p:cNvSpPr>
+            <a:spLocks noGrp="1"/>
+          </p:cNvSpPr>
+          <p:nvPr>
+            <p:ph type="body" idx="1"/>
+          </p:nvPr>
+        </p:nvSpPr>
+        <p:spPr/>
+        <p:txBody>
+          <a:bodyPr/>
+          <a:lstStyle/>
+          <a:p>
+            <a:pPr marL="171450" indent="-171450">
+              <a:buFontTx/>
+              <a:buChar char="-"/>
+            </a:pPr>
+            <a:r>
+              <a:rPr lang="es-ES" dirty="0"/>
+              <a:t>Utilice</a:t>
+            </a:r>
+            <a:r>
+              <a:rPr lang="es-ES" baseline="0" dirty="0"/>
+              <a:t> esta diapositiva como introducción de una nueva sección de la presentación o para destacar una frase clave.</a:t>
+            </a:r>
+          </a:p>
+          <a:p>
+            <a:pPr marL="171450" indent="-171450">
+              <a:buFontTx/>
+              <a:buChar char="-"/>
+            </a:pPr>
+            <a:r>
+              <a:rPr lang="es-ES" baseline="0" dirty="0"/>
+              <a:t>Al tener una foto de fondo los textos deben ser concisos.</a:t>
+            </a:r>
+          </a:p>
+          <a:p>
+            <a:pPr marL="171450" indent="-171450">
+              <a:buFontTx/>
+              <a:buChar char="-"/>
+            </a:pPr>
+            <a:r>
+              <a:rPr lang="es-ES" baseline="0" dirty="0"/>
+              <a:t>Los textos debe ir en blanco utilizando la tipografía Arial con un tamaño mínimo de 16 puntos.</a:t>
+            </a:r>
+          </a:p>
+          <a:p>
+            <a:pPr marL="171450" indent="-171450">
+              <a:buFontTx/>
+              <a:buChar char="-"/>
+            </a:pPr>
+            <a:r>
+              <a:rPr lang="es-ES" baseline="0" dirty="0"/>
+              <a:t>Esta diapositiva es completamente editable, usted puede borrar la imagen de fondo e insertar una nueva fotografía. Asegúrese que al momento de hacerlo, no borre el logo del SENA que aparece en la parte superior izquierda, ni tampoco borre el recuadro negro con transparencia del lado derecho ya que este es indispensable para garantizar lectura del texto sobre la imagen. Así mismo recuerde que al insertar la nueva fotografía debe darle en la opción: </a:t>
+            </a:r>
+            <a:r>
+              <a:rPr lang="es-ES" baseline="0" dirty="0" err="1"/>
+              <a:t>click</a:t>
+            </a:r>
+            <a:r>
+              <a:rPr lang="es-ES" baseline="0" dirty="0"/>
+              <a:t> </a:t>
+            </a:r>
+            <a:r>
+              <a:rPr lang="es-ES" baseline="0"/>
+              <a:t>derecho </a:t>
+            </a:r>
+            <a:r>
+              <a:rPr lang="es-ES" baseline="0">
+                <a:sym typeface="Wingdings"/>
+              </a:rPr>
+              <a:t> </a:t>
+            </a:r>
+            <a:r>
+              <a:rPr lang="es-ES" baseline="0" dirty="0">
+                <a:sym typeface="Wingdings"/>
+              </a:rPr>
+              <a:t>enviar </a:t>
+            </a:r>
+            <a:r>
+              <a:rPr lang="es-ES" baseline="0">
+                <a:sym typeface="Wingdings"/>
+              </a:rPr>
+              <a:t>al fondo.</a:t>
+            </a:r>
+            <a:endParaRPr lang="es-ES" dirty="0"/>
+          </a:p>
+        </p:txBody>
+      </p:sp>
+      <p:sp>
+        <p:nvSpPr>
+          <p:cNvPr id="4" name="Marcador de número de diapositiva 3"/>
+          <p:cNvSpPr>
+            <a:spLocks noGrp="1"/>
+          </p:cNvSpPr>
+          <p:nvPr>
+            <p:ph type="sldNum" sz="quarter" idx="10"/>
+          </p:nvPr>
+        </p:nvSpPr>
+        <p:spPr/>
+        <p:txBody>
+          <a:bodyPr/>
+          <a:lstStyle/>
+          <a:p>
+            <a:fld id="{88D09B62-7964-8A4C-9636-36CB120B29AE}" type="slidenum">
+              <a:rPr lang="es-ES" smtClean="0"/>
+              <a:t>18</a:t>
+            </a:fld>
+            <a:endParaRPr lang="es-ES"/>
+          </a:p>
+        </p:txBody>
+      </p:sp>
+    </p:spTree>
+    <p:extLst>
+      <p:ext uri="{BB962C8B-B14F-4D97-AF65-F5344CB8AC3E}">
+        <p14:creationId xmlns:p14="http://schemas.microsoft.com/office/powerpoint/2010/main" val="1031738925"/>
+      </p:ext>
+    </p:extLst>
+  </p:cSld>
+  <p:clrMapOvr>
+    <a:masterClrMapping/>
+  </p:clrMapOvr>
+</p:notes>
+</file>
+
+<file path=ppt/notesSlides/notesSlide12.xml><?xml version="1.0" encoding="utf-8"?>
+<p:notes xmlns:a="http://schemas.openxmlformats.org/drawingml/2006/main" xmlns:r="http://schemas.openxmlformats.org/officeDocument/2006/relationships" xmlns:p="http://schemas.openxmlformats.org/presentationml/2006/main">
+  <p:cSld>
+    <p:spTree>
+      <p:nvGrpSpPr>
+        <p:cNvPr id="1" name=""/>
+        <p:cNvGrpSpPr/>
+        <p:nvPr/>
+      </p:nvGrpSpPr>
+      <p:grpSpPr>
+        <a:xfrm>
+          <a:off x="0" y="0"/>
+          <a:ext cx="0" cy="0"/>
+          <a:chOff x="0" y="0"/>
+          <a:chExt cx="0" cy="0"/>
+        </a:xfrm>
+      </p:grpSpPr>
+      <p:sp>
+        <p:nvSpPr>
+          <p:cNvPr id="2" name="Marcador de imagen de diapositiva 1"/>
+          <p:cNvSpPr>
+            <a:spLocks noGrp="1" noRot="1" noChangeAspect="1"/>
+          </p:cNvSpPr>
+          <p:nvPr>
+            <p:ph type="sldImg"/>
+          </p:nvPr>
+        </p:nvSpPr>
+        <p:spPr/>
+      </p:sp>
+      <p:sp>
+        <p:nvSpPr>
+          <p:cNvPr id="3" name="Marcador de notas 2"/>
+          <p:cNvSpPr>
+            <a:spLocks noGrp="1"/>
+          </p:cNvSpPr>
+          <p:nvPr>
+            <p:ph type="body" idx="1"/>
+          </p:nvPr>
+        </p:nvSpPr>
+        <p:spPr/>
+        <p:txBody>
+          <a:bodyPr/>
+          <a:lstStyle/>
+          <a:p>
+            <a:pPr marL="171450" indent="-171450">
+              <a:buFontTx/>
+              <a:buChar char="-"/>
+            </a:pPr>
+            <a:r>
+              <a:rPr lang="es-ES" dirty="0"/>
+              <a:t>Utilice</a:t>
+            </a:r>
+            <a:r>
+              <a:rPr lang="es-ES" baseline="0" dirty="0"/>
+              <a:t> esta diapositiva como introducción de una nueva sección de la presentación o para destacar una frase clave.</a:t>
+            </a:r>
+          </a:p>
+          <a:p>
+            <a:pPr marL="171450" indent="-171450">
+              <a:buFontTx/>
+              <a:buChar char="-"/>
+            </a:pPr>
+            <a:r>
+              <a:rPr lang="es-ES" baseline="0" dirty="0"/>
+              <a:t>Al tener una foto de fondo los textos deben ser concisos.</a:t>
+            </a:r>
+          </a:p>
+          <a:p>
+            <a:pPr marL="171450" indent="-171450">
+              <a:buFontTx/>
+              <a:buChar char="-"/>
+            </a:pPr>
+            <a:r>
+              <a:rPr lang="es-ES" baseline="0" dirty="0"/>
+              <a:t>Los textos debe ir en blanco utilizando la tipografía Arial con un tamaño mínimo de 16 puntos.</a:t>
+            </a:r>
+          </a:p>
+          <a:p>
+            <a:pPr marL="171450" indent="-171450">
+              <a:buFontTx/>
+              <a:buChar char="-"/>
+            </a:pPr>
+            <a:r>
+              <a:rPr lang="es-ES" baseline="0" dirty="0"/>
+              <a:t>Esta diapositiva es completamente editable, usted puede borrar la imagen de fondo e insertar una nueva fotografía. Asegúrese que al momento de hacerlo, no borre el logo del SENA que aparece en la parte superior izquierda, ni tampoco borre el recuadro negro con transparencia del lado derecho ya que este es indispensable para garantizar lectura del texto sobre la imagen. Así mismo recuerde que al insertar la nueva fotografía debe darle en la opción: </a:t>
+            </a:r>
+            <a:r>
+              <a:rPr lang="es-ES" baseline="0" dirty="0" err="1"/>
+              <a:t>click</a:t>
+            </a:r>
+            <a:r>
+              <a:rPr lang="es-ES" baseline="0" dirty="0"/>
+              <a:t> </a:t>
+            </a:r>
+            <a:r>
+              <a:rPr lang="es-ES" baseline="0"/>
+              <a:t>derecho </a:t>
+            </a:r>
+            <a:r>
+              <a:rPr lang="es-ES" baseline="0">
+                <a:sym typeface="Wingdings"/>
+              </a:rPr>
+              <a:t> </a:t>
+            </a:r>
+            <a:r>
+              <a:rPr lang="es-ES" baseline="0" dirty="0">
+                <a:sym typeface="Wingdings"/>
+              </a:rPr>
+              <a:t>enviar </a:t>
+            </a:r>
+            <a:r>
+              <a:rPr lang="es-ES" baseline="0">
+                <a:sym typeface="Wingdings"/>
+              </a:rPr>
+              <a:t>al fondo.</a:t>
+            </a:r>
+            <a:endParaRPr lang="es-ES" dirty="0"/>
+          </a:p>
+        </p:txBody>
+      </p:sp>
+      <p:sp>
+        <p:nvSpPr>
+          <p:cNvPr id="4" name="Marcador de número de diapositiva 3"/>
+          <p:cNvSpPr>
+            <a:spLocks noGrp="1"/>
+          </p:cNvSpPr>
+          <p:nvPr>
+            <p:ph type="sldNum" sz="quarter" idx="10"/>
+          </p:nvPr>
+        </p:nvSpPr>
+        <p:spPr/>
+        <p:txBody>
+          <a:bodyPr/>
+          <a:lstStyle/>
+          <a:p>
+            <a:fld id="{88D09B62-7964-8A4C-9636-36CB120B29AE}" type="slidenum">
+              <a:rPr lang="es-ES" smtClean="0"/>
+              <a:t>19</a:t>
+            </a:fld>
+            <a:endParaRPr lang="es-ES"/>
+          </a:p>
+        </p:txBody>
+      </p:sp>
+    </p:spTree>
+    <p:extLst>
+      <p:ext uri="{BB962C8B-B14F-4D97-AF65-F5344CB8AC3E}">
+        <p14:creationId xmlns:p14="http://schemas.microsoft.com/office/powerpoint/2010/main" val="3069491506"/>
+      </p:ext>
+    </p:extLst>
+  </p:cSld>
+  <p:clrMapOvr>
+    <a:masterClrMapping/>
+  </p:clrMapOvr>
+</p:notes>
+</file>
+
+<file path=ppt/notesSlides/notesSlide13.xml><?xml version="1.0" encoding="utf-8"?>
+<p:notes xmlns:a="http://schemas.openxmlformats.org/drawingml/2006/main" xmlns:r="http://schemas.openxmlformats.org/officeDocument/2006/relationships" xmlns:p="http://schemas.openxmlformats.org/presentationml/2006/main">
+  <p:cSld>
+    <p:spTree>
+      <p:nvGrpSpPr>
+        <p:cNvPr id="1" name=""/>
+        <p:cNvGrpSpPr/>
+        <p:nvPr/>
+      </p:nvGrpSpPr>
+      <p:grpSpPr>
+        <a:xfrm>
+          <a:off x="0" y="0"/>
+          <a:ext cx="0" cy="0"/>
+          <a:chOff x="0" y="0"/>
+          <a:chExt cx="0" cy="0"/>
+        </a:xfrm>
+      </p:grpSpPr>
+      <p:sp>
+        <p:nvSpPr>
+          <p:cNvPr id="2" name="Marcador de imagen de diapositiva 1"/>
+          <p:cNvSpPr>
+            <a:spLocks noGrp="1" noRot="1" noChangeAspect="1"/>
+          </p:cNvSpPr>
+          <p:nvPr>
+            <p:ph type="sldImg"/>
+          </p:nvPr>
+        </p:nvSpPr>
+        <p:spPr/>
+      </p:sp>
+      <p:sp>
+        <p:nvSpPr>
+          <p:cNvPr id="3" name="Marcador de notas 2"/>
+          <p:cNvSpPr>
+            <a:spLocks noGrp="1"/>
+          </p:cNvSpPr>
+          <p:nvPr>
+            <p:ph type="body" idx="1"/>
+          </p:nvPr>
+        </p:nvSpPr>
+        <p:spPr/>
+        <p:txBody>
+          <a:bodyPr/>
+          <a:lstStyle/>
+          <a:p>
+            <a:pPr marL="171450" indent="-171450">
+              <a:buFontTx/>
+              <a:buChar char="-"/>
+            </a:pPr>
+            <a:r>
+              <a:rPr lang="es-ES" dirty="0"/>
+              <a:t>Utilice</a:t>
+            </a:r>
+            <a:r>
+              <a:rPr lang="es-ES" baseline="0" dirty="0"/>
+              <a:t> esta diapositiva como introducción de una nueva sección de la presentación o para destacar una frase clave.</a:t>
+            </a:r>
+          </a:p>
+          <a:p>
+            <a:pPr marL="171450" indent="-171450">
+              <a:buFontTx/>
+              <a:buChar char="-"/>
+            </a:pPr>
+            <a:r>
+              <a:rPr lang="es-ES" baseline="0" dirty="0"/>
+              <a:t>Al tener una foto de fondo los textos deben ser concisos.</a:t>
+            </a:r>
+          </a:p>
+          <a:p>
+            <a:pPr marL="171450" indent="-171450">
+              <a:buFontTx/>
+              <a:buChar char="-"/>
+            </a:pPr>
+            <a:r>
+              <a:rPr lang="es-ES" baseline="0" dirty="0"/>
+              <a:t>Los textos debe ir en blanco utilizando la tipografía Arial con un tamaño mínimo de 16 puntos.</a:t>
+            </a:r>
+          </a:p>
+          <a:p>
+            <a:pPr marL="171450" indent="-171450">
+              <a:buFontTx/>
+              <a:buChar char="-"/>
+            </a:pPr>
+            <a:r>
+              <a:rPr lang="es-ES" baseline="0" dirty="0"/>
+              <a:t>Esta diapositiva es completamente editable, usted puede borrar la imagen de fondo e insertar una nueva fotografía. Asegúrese que al momento de hacerlo, no borre el logo del SENA que aparece en la parte superior izquierda, ni tampoco borre el recuadro negro con transparencia del lado derecho ya que este es indispensable para garantizar lectura del texto sobre la imagen. Así mismo recuerde que al insertar la nueva fotografía debe darle en la opción: </a:t>
+            </a:r>
+            <a:r>
+              <a:rPr lang="es-ES" baseline="0" dirty="0" err="1"/>
+              <a:t>click</a:t>
+            </a:r>
+            <a:r>
+              <a:rPr lang="es-ES" baseline="0" dirty="0"/>
+              <a:t> </a:t>
+            </a:r>
+            <a:r>
+              <a:rPr lang="es-ES" baseline="0"/>
+              <a:t>derecho </a:t>
+            </a:r>
+            <a:r>
+              <a:rPr lang="es-ES" baseline="0">
+                <a:sym typeface="Wingdings"/>
+              </a:rPr>
+              <a:t> </a:t>
+            </a:r>
+            <a:r>
+              <a:rPr lang="es-ES" baseline="0" dirty="0">
+                <a:sym typeface="Wingdings"/>
+              </a:rPr>
+              <a:t>enviar </a:t>
+            </a:r>
+            <a:r>
+              <a:rPr lang="es-ES" baseline="0">
+                <a:sym typeface="Wingdings"/>
+              </a:rPr>
+              <a:t>al fondo.</a:t>
+            </a:r>
+            <a:endParaRPr lang="es-ES" dirty="0"/>
+          </a:p>
+        </p:txBody>
+      </p:sp>
+      <p:sp>
+        <p:nvSpPr>
+          <p:cNvPr id="4" name="Marcador de número de diapositiva 3"/>
+          <p:cNvSpPr>
+            <a:spLocks noGrp="1"/>
+          </p:cNvSpPr>
+          <p:nvPr>
+            <p:ph type="sldNum" sz="quarter" idx="10"/>
+          </p:nvPr>
+        </p:nvSpPr>
+        <p:spPr/>
+        <p:txBody>
+          <a:bodyPr/>
+          <a:lstStyle/>
+          <a:p>
+            <a:fld id="{88D09B62-7964-8A4C-9636-36CB120B29AE}" type="slidenum">
+              <a:rPr lang="es-ES" smtClean="0"/>
+              <a:t>20</a:t>
+            </a:fld>
+            <a:endParaRPr lang="es-ES"/>
+          </a:p>
+        </p:txBody>
+      </p:sp>
+    </p:spTree>
+    <p:extLst>
+      <p:ext uri="{BB962C8B-B14F-4D97-AF65-F5344CB8AC3E}">
+        <p14:creationId xmlns:p14="http://schemas.microsoft.com/office/powerpoint/2010/main" val="22595283"/>
+      </p:ext>
+    </p:extLst>
+  </p:cSld>
+  <p:clrMapOvr>
+    <a:masterClrMapping/>
+  </p:clrMapOvr>
+</p:notes>
+</file>
+
+<file path=ppt/notesSlides/notesSlide14.xml><?xml version="1.0" encoding="utf-8"?>
+<p:notes xmlns:a="http://schemas.openxmlformats.org/drawingml/2006/main" xmlns:r="http://schemas.openxmlformats.org/officeDocument/2006/relationships" xmlns:p="http://schemas.openxmlformats.org/presentationml/2006/main">
+  <p:cSld>
+    <p:spTree>
+      <p:nvGrpSpPr>
+        <p:cNvPr id="1" name=""/>
+        <p:cNvGrpSpPr/>
+        <p:nvPr/>
+      </p:nvGrpSpPr>
+      <p:grpSpPr>
+        <a:xfrm>
+          <a:off x="0" y="0"/>
+          <a:ext cx="0" cy="0"/>
+          <a:chOff x="0" y="0"/>
+          <a:chExt cx="0" cy="0"/>
+        </a:xfrm>
+      </p:grpSpPr>
+      <p:sp>
+        <p:nvSpPr>
+          <p:cNvPr id="2" name="Marcador de imagen de diapositiva 1"/>
+          <p:cNvSpPr>
+            <a:spLocks noGrp="1" noRot="1" noChangeAspect="1"/>
+          </p:cNvSpPr>
+          <p:nvPr>
+            <p:ph type="sldImg"/>
+          </p:nvPr>
+        </p:nvSpPr>
+        <p:spPr/>
+      </p:sp>
+      <p:sp>
+        <p:nvSpPr>
+          <p:cNvPr id="3" name="Marcador de notas 2"/>
+          <p:cNvSpPr>
+            <a:spLocks noGrp="1"/>
+          </p:cNvSpPr>
+          <p:nvPr>
+            <p:ph type="body" idx="1"/>
+          </p:nvPr>
+        </p:nvSpPr>
+        <p:spPr/>
+        <p:txBody>
+          <a:bodyPr/>
+          <a:lstStyle/>
+          <a:p>
+            <a:pPr marL="171450" indent="-171450">
+              <a:buFontTx/>
+              <a:buChar char="-"/>
+            </a:pPr>
+            <a:r>
+              <a:rPr lang="es-ES" dirty="0"/>
+              <a:t>Utilice</a:t>
+            </a:r>
+            <a:r>
+              <a:rPr lang="es-ES" baseline="0" dirty="0"/>
+              <a:t> esta diapositiva como introducción de una nueva sección de la presentación o para destacar una frase clave.</a:t>
+            </a:r>
+          </a:p>
+          <a:p>
+            <a:pPr marL="171450" indent="-171450">
+              <a:buFontTx/>
+              <a:buChar char="-"/>
+            </a:pPr>
+            <a:r>
+              <a:rPr lang="es-ES" baseline="0" dirty="0"/>
+              <a:t>Al tener una foto de fondo los textos deben ser concisos.</a:t>
+            </a:r>
+          </a:p>
+          <a:p>
+            <a:pPr marL="171450" indent="-171450">
+              <a:buFontTx/>
+              <a:buChar char="-"/>
+            </a:pPr>
+            <a:r>
+              <a:rPr lang="es-ES" baseline="0" dirty="0"/>
+              <a:t>Los textos debe ir en blanco utilizando la tipografía Arial con un tamaño mínimo de 16 puntos.</a:t>
+            </a:r>
+          </a:p>
+          <a:p>
+            <a:pPr marL="171450" indent="-171450">
+              <a:buFontTx/>
+              <a:buChar char="-"/>
+            </a:pPr>
+            <a:r>
+              <a:rPr lang="es-ES" baseline="0" dirty="0"/>
+              <a:t>Esta diapositiva es completamente editable, usted puede borrar la imagen de fondo e insertar una nueva fotografía. Asegúrese que al momento de hacerlo, no borre el logo del SENA que aparece en la parte superior izquierda, ni tampoco borre el recuadro negro con transparencia del lado derecho ya que este es indispensable para garantizar lectura del texto sobre la imagen. Así mismo recuerde que al insertar la nueva fotografía debe darle en la opción: </a:t>
+            </a:r>
+            <a:r>
+              <a:rPr lang="es-ES" baseline="0" dirty="0" err="1"/>
+              <a:t>click</a:t>
+            </a:r>
+            <a:r>
+              <a:rPr lang="es-ES" baseline="0" dirty="0"/>
+              <a:t> </a:t>
+            </a:r>
+            <a:r>
+              <a:rPr lang="es-ES" baseline="0"/>
+              <a:t>derecho </a:t>
+            </a:r>
+            <a:r>
+              <a:rPr lang="es-ES" baseline="0">
+                <a:sym typeface="Wingdings"/>
+              </a:rPr>
+              <a:t> </a:t>
+            </a:r>
+            <a:r>
+              <a:rPr lang="es-ES" baseline="0" dirty="0">
+                <a:sym typeface="Wingdings"/>
+              </a:rPr>
+              <a:t>enviar </a:t>
+            </a:r>
+            <a:r>
+              <a:rPr lang="es-ES" baseline="0">
+                <a:sym typeface="Wingdings"/>
+              </a:rPr>
+              <a:t>al fondo.</a:t>
+            </a:r>
+            <a:endParaRPr lang="es-ES" dirty="0"/>
+          </a:p>
+        </p:txBody>
+      </p:sp>
+      <p:sp>
+        <p:nvSpPr>
+          <p:cNvPr id="4" name="Marcador de número de diapositiva 3"/>
+          <p:cNvSpPr>
+            <a:spLocks noGrp="1"/>
+          </p:cNvSpPr>
+          <p:nvPr>
+            <p:ph type="sldNum" sz="quarter" idx="10"/>
+          </p:nvPr>
+        </p:nvSpPr>
+        <p:spPr/>
+        <p:txBody>
+          <a:bodyPr/>
+          <a:lstStyle/>
+          <a:p>
+            <a:fld id="{88D09B62-7964-8A4C-9636-36CB120B29AE}" type="slidenum">
+              <a:rPr lang="es-ES" smtClean="0"/>
+              <a:t>21</a:t>
+            </a:fld>
+            <a:endParaRPr lang="es-ES"/>
+          </a:p>
+        </p:txBody>
+      </p:sp>
+    </p:spTree>
+    <p:extLst>
+      <p:ext uri="{BB962C8B-B14F-4D97-AF65-F5344CB8AC3E}">
+        <p14:creationId xmlns:p14="http://schemas.microsoft.com/office/powerpoint/2010/main" val="4006079167"/>
+      </p:ext>
+    </p:extLst>
+  </p:cSld>
+  <p:clrMapOvr>
+    <a:masterClrMapping/>
+  </p:clrMapOvr>
+</p:notes>
+</file>
+
+<file path=ppt/notesSlides/notesSlide15.xml><?xml version="1.0" encoding="utf-8"?>
+<p:notes xmlns:a="http://schemas.openxmlformats.org/drawingml/2006/main" xmlns:r="http://schemas.openxmlformats.org/officeDocument/2006/relationships" xmlns:p="http://schemas.openxmlformats.org/presentationml/2006/main">
+  <p:cSld>
+    <p:spTree>
+      <p:nvGrpSpPr>
+        <p:cNvPr id="1" name=""/>
+        <p:cNvGrpSpPr/>
+        <p:nvPr/>
+      </p:nvGrpSpPr>
+      <p:grpSpPr>
+        <a:xfrm>
+          <a:off x="0" y="0"/>
+          <a:ext cx="0" cy="0"/>
+          <a:chOff x="0" y="0"/>
+          <a:chExt cx="0" cy="0"/>
+        </a:xfrm>
+      </p:grpSpPr>
+      <p:sp>
+        <p:nvSpPr>
+          <p:cNvPr id="2" name="Marcador de imagen de diapositiva 1"/>
+          <p:cNvSpPr>
+            <a:spLocks noGrp="1" noRot="1" noChangeAspect="1"/>
+          </p:cNvSpPr>
+          <p:nvPr>
+            <p:ph type="sldImg"/>
+          </p:nvPr>
+        </p:nvSpPr>
+        <p:spPr/>
+      </p:sp>
+      <p:sp>
+        <p:nvSpPr>
+          <p:cNvPr id="3" name="Marcador de notas 2"/>
+          <p:cNvSpPr>
+            <a:spLocks noGrp="1"/>
+          </p:cNvSpPr>
+          <p:nvPr>
+            <p:ph type="body" idx="1"/>
+          </p:nvPr>
+        </p:nvSpPr>
+        <p:spPr/>
+        <p:txBody>
+          <a:bodyPr/>
+          <a:lstStyle/>
+          <a:p>
+            <a:pPr marL="171450" indent="-171450">
+              <a:buFontTx/>
+              <a:buChar char="-"/>
+            </a:pPr>
+            <a:r>
+              <a:rPr lang="es-ES" dirty="0"/>
+              <a:t>En</a:t>
+            </a:r>
+            <a:r>
+              <a:rPr lang="es-ES" baseline="0" dirty="0"/>
+              <a:t> esta diapositiva puede colocar contenidos y acompañarlos con una fotografía que vaya a lo alto del formato.</a:t>
+            </a:r>
+          </a:p>
+          <a:p>
+            <a:pPr marL="171450" indent="-171450">
+              <a:buFontTx/>
+              <a:buChar char="-"/>
+            </a:pPr>
+            <a:r>
+              <a:rPr lang="es-ES" baseline="0" dirty="0"/>
+              <a:t>Los textos deben ir en azul (utilice el azul que aparece en la opciones de color de letra - -&gt; colores recientes) en tipografía Arial y justificados.</a:t>
+            </a:r>
+            <a:endParaRPr lang="es-ES" dirty="0"/>
+          </a:p>
+          <a:p>
+            <a:endParaRPr lang="es-ES" dirty="0"/>
+          </a:p>
+        </p:txBody>
+      </p:sp>
+      <p:sp>
+        <p:nvSpPr>
+          <p:cNvPr id="4" name="Marcador de número de diapositiva 3"/>
+          <p:cNvSpPr>
+            <a:spLocks noGrp="1"/>
+          </p:cNvSpPr>
+          <p:nvPr>
+            <p:ph type="sldNum" sz="quarter" idx="10"/>
+          </p:nvPr>
+        </p:nvSpPr>
+        <p:spPr/>
+        <p:txBody>
+          <a:bodyPr/>
+          <a:lstStyle/>
+          <a:p>
+            <a:fld id="{88D09B62-7964-8A4C-9636-36CB120B29AE}" type="slidenum">
+              <a:rPr lang="es-ES" smtClean="0"/>
+              <a:t>24</a:t>
+            </a:fld>
+            <a:endParaRPr lang="es-ES"/>
+          </a:p>
+        </p:txBody>
+      </p:sp>
+    </p:spTree>
+    <p:extLst>
+      <p:ext uri="{BB962C8B-B14F-4D97-AF65-F5344CB8AC3E}">
+        <p14:creationId xmlns:p14="http://schemas.microsoft.com/office/powerpoint/2010/main" val="1091572149"/>
+      </p:ext>
+    </p:extLst>
+  </p:cSld>
+  <p:clrMapOvr>
+    <a:masterClrMapping/>
+  </p:clrMapOvr>
+</p:notes>
+</file>
+
+<file path=ppt/notesSlides/notesSlide16.xml><?xml version="1.0" encoding="utf-8"?>
+<p:notes xmlns:a="http://schemas.openxmlformats.org/drawingml/2006/main" xmlns:r="http://schemas.openxmlformats.org/officeDocument/2006/relationships" xmlns:p="http://schemas.openxmlformats.org/presentationml/2006/main">
+  <p:cSld>
+    <p:spTree>
+      <p:nvGrpSpPr>
+        <p:cNvPr id="1" name=""/>
+        <p:cNvGrpSpPr/>
+        <p:nvPr/>
+      </p:nvGrpSpPr>
+      <p:grpSpPr>
+        <a:xfrm>
+          <a:off x="0" y="0"/>
+          <a:ext cx="0" cy="0"/>
+          <a:chOff x="0" y="0"/>
+          <a:chExt cx="0" cy="0"/>
+        </a:xfrm>
+      </p:grpSpPr>
+      <p:sp>
+        <p:nvSpPr>
+          <p:cNvPr id="2" name="Marcador de imagen de diapositiva 1"/>
+          <p:cNvSpPr>
+            <a:spLocks noGrp="1" noRot="1" noChangeAspect="1"/>
+          </p:cNvSpPr>
+          <p:nvPr>
+            <p:ph type="sldImg"/>
+          </p:nvPr>
+        </p:nvSpPr>
+        <p:spPr/>
+      </p:sp>
+      <p:sp>
+        <p:nvSpPr>
+          <p:cNvPr id="3" name="Marcador de notas 2"/>
+          <p:cNvSpPr>
+            <a:spLocks noGrp="1"/>
+          </p:cNvSpPr>
+          <p:nvPr>
+            <p:ph type="body" idx="1"/>
+          </p:nvPr>
+        </p:nvSpPr>
+        <p:spPr/>
+        <p:txBody>
+          <a:bodyPr/>
+          <a:lstStyle/>
+          <a:p>
+            <a:pPr marL="171450" indent="-171450">
+              <a:buFontTx/>
+              <a:buChar char="-"/>
+            </a:pPr>
+            <a:r>
+              <a:rPr lang="es-ES" dirty="0"/>
+              <a:t>En</a:t>
+            </a:r>
+            <a:r>
+              <a:rPr lang="es-ES" baseline="0" dirty="0"/>
+              <a:t> esta diapositiva puede colocar contenidos y acompañarlos con una fotografía que vaya a lo alto del formato.</a:t>
+            </a:r>
+          </a:p>
+          <a:p>
+            <a:pPr marL="171450" indent="-171450">
+              <a:buFontTx/>
+              <a:buChar char="-"/>
+            </a:pPr>
+            <a:r>
+              <a:rPr lang="es-ES" baseline="0" dirty="0"/>
+              <a:t>Los textos deben ir en azul (utilice el azul que aparece en la opciones de color de letra - -&gt; colores recientes) en tipografía Arial y justificados.</a:t>
+            </a:r>
+            <a:endParaRPr lang="es-ES" dirty="0"/>
+          </a:p>
+          <a:p>
+            <a:endParaRPr lang="es-ES" dirty="0"/>
+          </a:p>
+        </p:txBody>
+      </p:sp>
+      <p:sp>
+        <p:nvSpPr>
+          <p:cNvPr id="4" name="Marcador de número de diapositiva 3"/>
+          <p:cNvSpPr>
+            <a:spLocks noGrp="1"/>
+          </p:cNvSpPr>
+          <p:nvPr>
+            <p:ph type="sldNum" sz="quarter" idx="10"/>
+          </p:nvPr>
+        </p:nvSpPr>
+        <p:spPr/>
+        <p:txBody>
+          <a:bodyPr/>
+          <a:lstStyle/>
+          <a:p>
+            <a:fld id="{88D09B62-7964-8A4C-9636-36CB120B29AE}" type="slidenum">
+              <a:rPr lang="es-ES" smtClean="0"/>
+              <a:t>26</a:t>
+            </a:fld>
+            <a:endParaRPr lang="es-ES"/>
+          </a:p>
+        </p:txBody>
+      </p:sp>
+    </p:spTree>
+    <p:extLst>
+      <p:ext uri="{BB962C8B-B14F-4D97-AF65-F5344CB8AC3E}">
+        <p14:creationId xmlns:p14="http://schemas.microsoft.com/office/powerpoint/2010/main" val="964967669"/>
+      </p:ext>
+    </p:extLst>
+  </p:cSld>
+  <p:clrMapOvr>
+    <a:masterClrMapping/>
+  </p:clrMapOvr>
+</p:notes>
+</file>
+
+<file path=ppt/notesSlides/notesSlide17.xml><?xml version="1.0" encoding="utf-8"?>
+<p:notes xmlns:a="http://schemas.openxmlformats.org/drawingml/2006/main" xmlns:r="http://schemas.openxmlformats.org/officeDocument/2006/relationships" xmlns:p="http://schemas.openxmlformats.org/presentationml/2006/main">
+  <p:cSld>
+    <p:spTree>
+      <p:nvGrpSpPr>
+        <p:cNvPr id="1" name=""/>
+        <p:cNvGrpSpPr/>
+        <p:nvPr/>
+      </p:nvGrpSpPr>
+      <p:grpSpPr>
+        <a:xfrm>
+          <a:off x="0" y="0"/>
+          <a:ext cx="0" cy="0"/>
+          <a:chOff x="0" y="0"/>
+          <a:chExt cx="0" cy="0"/>
+        </a:xfrm>
+      </p:grpSpPr>
+      <p:sp>
+        <p:nvSpPr>
+          <p:cNvPr id="2" name="Marcador de imagen de diapositiva 1"/>
+          <p:cNvSpPr>
+            <a:spLocks noGrp="1" noRot="1" noChangeAspect="1"/>
+          </p:cNvSpPr>
+          <p:nvPr>
+            <p:ph type="sldImg"/>
+          </p:nvPr>
+        </p:nvSpPr>
+        <p:spPr/>
+      </p:sp>
+      <p:sp>
+        <p:nvSpPr>
+          <p:cNvPr id="3" name="Marcador de notas 2"/>
+          <p:cNvSpPr>
+            <a:spLocks noGrp="1"/>
+          </p:cNvSpPr>
+          <p:nvPr>
+            <p:ph type="body" idx="1"/>
+          </p:nvPr>
+        </p:nvSpPr>
+        <p:spPr/>
+        <p:txBody>
+          <a:bodyPr/>
+          <a:lstStyle/>
+          <a:p>
+            <a:pPr marL="171450" indent="-171450">
+              <a:buFontTx/>
+              <a:buChar char="-"/>
+            </a:pPr>
+            <a:r>
+              <a:rPr lang="es-ES" dirty="0"/>
+              <a:t>En</a:t>
+            </a:r>
+            <a:r>
+              <a:rPr lang="es-ES" baseline="0" dirty="0"/>
+              <a:t> esta diapositiva puede colocar contenidos y acompañarlos con una fotografía que vaya a lo alto del formato.</a:t>
+            </a:r>
+          </a:p>
+          <a:p>
+            <a:pPr marL="171450" indent="-171450">
+              <a:buFontTx/>
+              <a:buChar char="-"/>
+            </a:pPr>
+            <a:r>
+              <a:rPr lang="es-ES" baseline="0" dirty="0"/>
+              <a:t>Los textos deben ir en azul (utilice el azul que aparece en la opciones de color de letra - -&gt; colores recientes) en tipografía Arial y justificados.</a:t>
+            </a:r>
+            <a:endParaRPr lang="es-ES" dirty="0"/>
+          </a:p>
+          <a:p>
+            <a:endParaRPr lang="es-ES" dirty="0"/>
+          </a:p>
+        </p:txBody>
+      </p:sp>
+      <p:sp>
+        <p:nvSpPr>
+          <p:cNvPr id="4" name="Marcador de número de diapositiva 3"/>
+          <p:cNvSpPr>
+            <a:spLocks noGrp="1"/>
+          </p:cNvSpPr>
+          <p:nvPr>
+            <p:ph type="sldNum" sz="quarter" idx="10"/>
+          </p:nvPr>
+        </p:nvSpPr>
+        <p:spPr/>
+        <p:txBody>
+          <a:bodyPr/>
+          <a:lstStyle/>
+          <a:p>
+            <a:fld id="{88D09B62-7964-8A4C-9636-36CB120B29AE}" type="slidenum">
+              <a:rPr lang="es-ES" smtClean="0"/>
+              <a:t>27</a:t>
+            </a:fld>
+            <a:endParaRPr lang="es-ES"/>
+          </a:p>
+        </p:txBody>
+      </p:sp>
+    </p:spTree>
+    <p:extLst>
+      <p:ext uri="{BB962C8B-B14F-4D97-AF65-F5344CB8AC3E}">
+        <p14:creationId xmlns:p14="http://schemas.microsoft.com/office/powerpoint/2010/main" val="2012150431"/>
+      </p:ext>
+    </p:extLst>
+  </p:cSld>
+  <p:clrMapOvr>
+    <a:masterClrMapping/>
+  </p:clrMapOvr>
+</p:notes>
+</file>
+
+<file path=ppt/notesSlides/notesSlide18.xml><?xml version="1.0" encoding="utf-8"?>
+<p:notes xmlns:a="http://schemas.openxmlformats.org/drawingml/2006/main" xmlns:r="http://schemas.openxmlformats.org/officeDocument/2006/relationships" xmlns:p="http://schemas.openxmlformats.org/presentationml/2006/main">
+  <p:cSld>
+    <p:spTree>
+      <p:nvGrpSpPr>
+        <p:cNvPr id="1" name=""/>
+        <p:cNvGrpSpPr/>
+        <p:nvPr/>
+      </p:nvGrpSpPr>
+      <p:grpSpPr>
+        <a:xfrm>
+          <a:off x="0" y="0"/>
+          <a:ext cx="0" cy="0"/>
+          <a:chOff x="0" y="0"/>
+          <a:chExt cx="0" cy="0"/>
+        </a:xfrm>
+      </p:grpSpPr>
+      <p:sp>
+        <p:nvSpPr>
+          <p:cNvPr id="2" name="Marcador de imagen de diapositiva 1"/>
+          <p:cNvSpPr>
+            <a:spLocks noGrp="1" noRot="1" noChangeAspect="1"/>
+          </p:cNvSpPr>
+          <p:nvPr>
+            <p:ph type="sldImg"/>
+          </p:nvPr>
+        </p:nvSpPr>
+        <p:spPr/>
+      </p:sp>
+      <p:sp>
+        <p:nvSpPr>
+          <p:cNvPr id="3" name="Marcador de notas 2"/>
+          <p:cNvSpPr>
+            <a:spLocks noGrp="1"/>
+          </p:cNvSpPr>
+          <p:nvPr>
+            <p:ph type="body" idx="1"/>
+          </p:nvPr>
+        </p:nvSpPr>
+        <p:spPr/>
+        <p:txBody>
+          <a:bodyPr/>
+          <a:lstStyle/>
+          <a:p>
+            <a:pPr marL="171450" indent="-171450">
+              <a:buFontTx/>
+              <a:buChar char="-"/>
+            </a:pPr>
+            <a:r>
+              <a:rPr lang="es-ES" dirty="0"/>
+              <a:t>Utilice</a:t>
+            </a:r>
+            <a:r>
+              <a:rPr lang="es-ES" baseline="0" dirty="0"/>
+              <a:t> esta diapositiva como introducción de una nueva sección de la presentación o para destacar una frase clave.</a:t>
+            </a:r>
+          </a:p>
+          <a:p>
+            <a:pPr marL="171450" indent="-171450">
+              <a:buFontTx/>
+              <a:buChar char="-"/>
+            </a:pPr>
+            <a:r>
+              <a:rPr lang="es-ES" baseline="0" dirty="0"/>
+              <a:t>Al tener una foto de fondo los textos deben ser concisos.</a:t>
+            </a:r>
+          </a:p>
+          <a:p>
+            <a:pPr marL="171450" indent="-171450">
+              <a:buFontTx/>
+              <a:buChar char="-"/>
+            </a:pPr>
+            <a:r>
+              <a:rPr lang="es-ES" baseline="0" dirty="0"/>
+              <a:t>Los textos debe ir en blanco utilizando la tipografía Arial con un tamaño mínimo de 16 puntos.</a:t>
+            </a:r>
+          </a:p>
+          <a:p>
+            <a:pPr marL="171450" indent="-171450">
+              <a:buFontTx/>
+              <a:buChar char="-"/>
+            </a:pPr>
+            <a:r>
+              <a:rPr lang="es-ES" baseline="0" dirty="0"/>
+              <a:t>Esta diapositiva es completamente editable, usted puede borrar la imagen de fondo e insertar una nueva fotografía. Asegúrese que al momento de hacerlo, no borre el logo del SENA que aparece en la parte superior izquierda, ni tampoco borre el recuadro negro con transparencia del lado derecho ya que este es indispensable para garantizar lectura del texto sobre la imagen. Así mismo recuerde que al insertar la nueva fotografía debe darle en la opción: </a:t>
+            </a:r>
+            <a:r>
+              <a:rPr lang="es-ES" baseline="0" dirty="0" err="1"/>
+              <a:t>click</a:t>
+            </a:r>
+            <a:r>
+              <a:rPr lang="es-ES" baseline="0" dirty="0"/>
+              <a:t> </a:t>
+            </a:r>
+            <a:r>
+              <a:rPr lang="es-ES" baseline="0"/>
+              <a:t>derecho </a:t>
+            </a:r>
+            <a:r>
+              <a:rPr lang="es-ES" baseline="0">
+                <a:sym typeface="Wingdings"/>
+              </a:rPr>
+              <a:t> </a:t>
+            </a:r>
+            <a:r>
+              <a:rPr lang="es-ES" baseline="0" dirty="0">
+                <a:sym typeface="Wingdings"/>
+              </a:rPr>
+              <a:t>enviar </a:t>
+            </a:r>
+            <a:r>
+              <a:rPr lang="es-ES" baseline="0">
+                <a:sym typeface="Wingdings"/>
+              </a:rPr>
+              <a:t>al fondo.</a:t>
+            </a:r>
+            <a:endParaRPr lang="es-ES" dirty="0"/>
+          </a:p>
+        </p:txBody>
+      </p:sp>
+      <p:sp>
+        <p:nvSpPr>
+          <p:cNvPr id="4" name="Marcador de número de diapositiva 3"/>
+          <p:cNvSpPr>
+            <a:spLocks noGrp="1"/>
+          </p:cNvSpPr>
+          <p:nvPr>
+            <p:ph type="sldNum" sz="quarter" idx="10"/>
+          </p:nvPr>
+        </p:nvSpPr>
+        <p:spPr/>
+        <p:txBody>
+          <a:bodyPr/>
+          <a:lstStyle/>
+          <a:p>
+            <a:fld id="{88D09B62-7964-8A4C-9636-36CB120B29AE}" type="slidenum">
+              <a:rPr lang="es-ES" smtClean="0"/>
+              <a:t>29</a:t>
+            </a:fld>
+            <a:endParaRPr lang="es-ES"/>
+          </a:p>
+        </p:txBody>
+      </p:sp>
+    </p:spTree>
+    <p:extLst>
+      <p:ext uri="{BB962C8B-B14F-4D97-AF65-F5344CB8AC3E}">
+        <p14:creationId xmlns:p14="http://schemas.microsoft.com/office/powerpoint/2010/main" val="150265443"/>
+      </p:ext>
+    </p:extLst>
+  </p:cSld>
+  <p:clrMapOvr>
+    <a:masterClrMapping/>
+  </p:clrMapOvr>
+</p:notes>
+</file>
+
+<file path=ppt/notesSlides/notesSlide19.xml><?xml version="1.0" encoding="utf-8"?>
+<p:notes xmlns:a="http://schemas.openxmlformats.org/drawingml/2006/main" xmlns:r="http://schemas.openxmlformats.org/officeDocument/2006/relationships" xmlns:p="http://schemas.openxmlformats.org/presentationml/2006/main">
+  <p:cSld>
+    <p:spTree>
+      <p:nvGrpSpPr>
+        <p:cNvPr id="1" name=""/>
+        <p:cNvGrpSpPr/>
+        <p:nvPr/>
+      </p:nvGrpSpPr>
+      <p:grpSpPr>
+        <a:xfrm>
+          <a:off x="0" y="0"/>
+          <a:ext cx="0" cy="0"/>
+          <a:chOff x="0" y="0"/>
+          <a:chExt cx="0" cy="0"/>
+        </a:xfrm>
+      </p:grpSpPr>
+      <p:sp>
+        <p:nvSpPr>
+          <p:cNvPr id="2" name="Marcador de imagen de diapositiva 1"/>
+          <p:cNvSpPr>
+            <a:spLocks noGrp="1" noRot="1" noChangeAspect="1"/>
+          </p:cNvSpPr>
+          <p:nvPr>
+            <p:ph type="sldImg"/>
+          </p:nvPr>
+        </p:nvSpPr>
+        <p:spPr/>
+      </p:sp>
+      <p:sp>
+        <p:nvSpPr>
+          <p:cNvPr id="3" name="Marcador de notas 2"/>
+          <p:cNvSpPr>
+            <a:spLocks noGrp="1"/>
+          </p:cNvSpPr>
+          <p:nvPr>
+            <p:ph type="body" idx="1"/>
+          </p:nvPr>
+        </p:nvSpPr>
+        <p:spPr/>
+        <p:txBody>
+          <a:bodyPr/>
+          <a:lstStyle/>
+          <a:p>
+            <a:pPr marL="171450" indent="-171450">
+              <a:buFontTx/>
+              <a:buChar char="-"/>
+            </a:pPr>
+            <a:r>
+              <a:rPr lang="es-ES" dirty="0"/>
+              <a:t>Utilice</a:t>
+            </a:r>
+            <a:r>
+              <a:rPr lang="es-ES" baseline="0" dirty="0"/>
+              <a:t> esta diapositiva como introducción de una nueva sección de la presentación o para destacar una frase clave.</a:t>
+            </a:r>
+          </a:p>
+          <a:p>
+            <a:pPr marL="171450" indent="-171450">
+              <a:buFontTx/>
+              <a:buChar char="-"/>
+            </a:pPr>
+            <a:r>
+              <a:rPr lang="es-ES" baseline="0" dirty="0"/>
+              <a:t>Al tener una foto de fondo los textos deben ser concisos.</a:t>
+            </a:r>
+          </a:p>
+          <a:p>
+            <a:pPr marL="171450" indent="-171450">
+              <a:buFontTx/>
+              <a:buChar char="-"/>
+            </a:pPr>
+            <a:r>
+              <a:rPr lang="es-ES" baseline="0" dirty="0"/>
+              <a:t>Los textos debe ir en blanco utilizando la tipografía Arial con un tamaño mínimo de 16 puntos.</a:t>
+            </a:r>
+          </a:p>
+          <a:p>
+            <a:pPr marL="171450" indent="-171450">
+              <a:buFontTx/>
+              <a:buChar char="-"/>
+            </a:pPr>
+            <a:r>
+              <a:rPr lang="es-ES" baseline="0" dirty="0"/>
+              <a:t>Esta diapositiva es completamente editable, usted puede borrar la imagen de fondo e insertar una nueva fotografía. Asegúrese que al momento de hacerlo, no borre el logo del SENA que aparece en la parte superior izquierda, ni tampoco borre el recuadro negro con transparencia del lado derecho ya que este es indispensable para garantizar lectura del texto sobre la imagen. Así mismo recuerde que al insertar la nueva fotografía debe darle en la opción: </a:t>
+            </a:r>
+            <a:r>
+              <a:rPr lang="es-ES" baseline="0" dirty="0" err="1"/>
+              <a:t>click</a:t>
+            </a:r>
+            <a:r>
+              <a:rPr lang="es-ES" baseline="0" dirty="0"/>
+              <a:t> </a:t>
+            </a:r>
+            <a:r>
+              <a:rPr lang="es-ES" baseline="0"/>
+              <a:t>derecho </a:t>
+            </a:r>
+            <a:r>
+              <a:rPr lang="es-ES" baseline="0">
+                <a:sym typeface="Wingdings"/>
+              </a:rPr>
+              <a:t> </a:t>
+            </a:r>
+            <a:r>
+              <a:rPr lang="es-ES" baseline="0" dirty="0">
+                <a:sym typeface="Wingdings"/>
+              </a:rPr>
+              <a:t>enviar </a:t>
+            </a:r>
+            <a:r>
+              <a:rPr lang="es-ES" baseline="0">
+                <a:sym typeface="Wingdings"/>
+              </a:rPr>
+              <a:t>al fondo.</a:t>
+            </a:r>
+            <a:endParaRPr lang="es-ES" dirty="0"/>
+          </a:p>
+        </p:txBody>
+      </p:sp>
+      <p:sp>
+        <p:nvSpPr>
+          <p:cNvPr id="4" name="Marcador de número de diapositiva 3"/>
+          <p:cNvSpPr>
+            <a:spLocks noGrp="1"/>
+          </p:cNvSpPr>
+          <p:nvPr>
+            <p:ph type="sldNum" sz="quarter" idx="10"/>
+          </p:nvPr>
+        </p:nvSpPr>
+        <p:spPr/>
+        <p:txBody>
+          <a:bodyPr/>
+          <a:lstStyle/>
+          <a:p>
+            <a:fld id="{88D09B62-7964-8A4C-9636-36CB120B29AE}" type="slidenum">
+              <a:rPr lang="es-ES" smtClean="0"/>
+              <a:t>30</a:t>
+            </a:fld>
+            <a:endParaRPr lang="es-ES"/>
+          </a:p>
+        </p:txBody>
+      </p:sp>
+    </p:spTree>
+    <p:extLst>
+      <p:ext uri="{BB962C8B-B14F-4D97-AF65-F5344CB8AC3E}">
+        <p14:creationId xmlns:p14="http://schemas.microsoft.com/office/powerpoint/2010/main" val="1724829472"/>
       </p:ext>
     </p:extLst>
   </p:cSld>
@@ -796,6 +2126,388 @@
     <p:extLst>
       <p:ext uri="{BB962C8B-B14F-4D97-AF65-F5344CB8AC3E}">
         <p14:creationId xmlns:p14="http://schemas.microsoft.com/office/powerpoint/2010/main" val="2794769237"/>
+      </p:ext>
+    </p:extLst>
+  </p:cSld>
+  <p:clrMapOvr>
+    <a:masterClrMapping/>
+  </p:clrMapOvr>
+</p:notes>
+</file>
+
+<file path=ppt/notesSlides/notesSlide20.xml><?xml version="1.0" encoding="utf-8"?>
+<p:notes xmlns:a="http://schemas.openxmlformats.org/drawingml/2006/main" xmlns:r="http://schemas.openxmlformats.org/officeDocument/2006/relationships" xmlns:p="http://schemas.openxmlformats.org/presentationml/2006/main">
+  <p:cSld>
+    <p:spTree>
+      <p:nvGrpSpPr>
+        <p:cNvPr id="1" name=""/>
+        <p:cNvGrpSpPr/>
+        <p:nvPr/>
+      </p:nvGrpSpPr>
+      <p:grpSpPr>
+        <a:xfrm>
+          <a:off x="0" y="0"/>
+          <a:ext cx="0" cy="0"/>
+          <a:chOff x="0" y="0"/>
+          <a:chExt cx="0" cy="0"/>
+        </a:xfrm>
+      </p:grpSpPr>
+      <p:sp>
+        <p:nvSpPr>
+          <p:cNvPr id="2" name="Marcador de imagen de diapositiva 1"/>
+          <p:cNvSpPr>
+            <a:spLocks noGrp="1" noRot="1" noChangeAspect="1"/>
+          </p:cNvSpPr>
+          <p:nvPr>
+            <p:ph type="sldImg"/>
+          </p:nvPr>
+        </p:nvSpPr>
+        <p:spPr/>
+      </p:sp>
+      <p:sp>
+        <p:nvSpPr>
+          <p:cNvPr id="3" name="Marcador de notas 2"/>
+          <p:cNvSpPr>
+            <a:spLocks noGrp="1"/>
+          </p:cNvSpPr>
+          <p:nvPr>
+            <p:ph type="body" idx="1"/>
+          </p:nvPr>
+        </p:nvSpPr>
+        <p:spPr/>
+        <p:txBody>
+          <a:bodyPr/>
+          <a:lstStyle/>
+          <a:p>
+            <a:pPr marL="171450" indent="-171450">
+              <a:buFontTx/>
+              <a:buChar char="-"/>
+            </a:pPr>
+            <a:r>
+              <a:rPr lang="es-ES" dirty="0"/>
+              <a:t>Utilice</a:t>
+            </a:r>
+            <a:r>
+              <a:rPr lang="es-ES" baseline="0" dirty="0"/>
+              <a:t> esta diapositiva como introducción de una nueva sección de la presentación o para destacar una frase clave.</a:t>
+            </a:r>
+          </a:p>
+          <a:p>
+            <a:pPr marL="171450" indent="-171450">
+              <a:buFontTx/>
+              <a:buChar char="-"/>
+            </a:pPr>
+            <a:r>
+              <a:rPr lang="es-ES" baseline="0" dirty="0"/>
+              <a:t>Al tener una foto de fondo los textos deben ser concisos.</a:t>
+            </a:r>
+          </a:p>
+          <a:p>
+            <a:pPr marL="171450" indent="-171450">
+              <a:buFontTx/>
+              <a:buChar char="-"/>
+            </a:pPr>
+            <a:r>
+              <a:rPr lang="es-ES" baseline="0" dirty="0"/>
+              <a:t>Los textos debe ir en blanco utilizando la tipografía Arial con un tamaño mínimo de 16 puntos.</a:t>
+            </a:r>
+          </a:p>
+          <a:p>
+            <a:pPr marL="171450" indent="-171450">
+              <a:buFontTx/>
+              <a:buChar char="-"/>
+            </a:pPr>
+            <a:r>
+              <a:rPr lang="es-ES" baseline="0" dirty="0"/>
+              <a:t>Esta diapositiva es completamente editable, usted puede borrar la imagen de fondo e insertar una nueva fotografía. Asegúrese que al momento de hacerlo, no borre el logo del SENA que aparece en la parte superior izquierda, ni tampoco borre el recuadro negro con transparencia del lado derecho ya que este es indispensable para garantizar lectura del texto sobre la imagen. Así mismo recuerde que al insertar la nueva fotografía debe darle en la opción: </a:t>
+            </a:r>
+            <a:r>
+              <a:rPr lang="es-ES" baseline="0" dirty="0" err="1"/>
+              <a:t>click</a:t>
+            </a:r>
+            <a:r>
+              <a:rPr lang="es-ES" baseline="0" dirty="0"/>
+              <a:t> </a:t>
+            </a:r>
+            <a:r>
+              <a:rPr lang="es-ES" baseline="0"/>
+              <a:t>derecho </a:t>
+            </a:r>
+            <a:r>
+              <a:rPr lang="es-ES" baseline="0">
+                <a:sym typeface="Wingdings"/>
+              </a:rPr>
+              <a:t> </a:t>
+            </a:r>
+            <a:r>
+              <a:rPr lang="es-ES" baseline="0" dirty="0">
+                <a:sym typeface="Wingdings"/>
+              </a:rPr>
+              <a:t>enviar </a:t>
+            </a:r>
+            <a:r>
+              <a:rPr lang="es-ES" baseline="0">
+                <a:sym typeface="Wingdings"/>
+              </a:rPr>
+              <a:t>al fondo.</a:t>
+            </a:r>
+            <a:endParaRPr lang="es-ES" dirty="0"/>
+          </a:p>
+        </p:txBody>
+      </p:sp>
+      <p:sp>
+        <p:nvSpPr>
+          <p:cNvPr id="4" name="Marcador de número de diapositiva 3"/>
+          <p:cNvSpPr>
+            <a:spLocks noGrp="1"/>
+          </p:cNvSpPr>
+          <p:nvPr>
+            <p:ph type="sldNum" sz="quarter" idx="10"/>
+          </p:nvPr>
+        </p:nvSpPr>
+        <p:spPr/>
+        <p:txBody>
+          <a:bodyPr/>
+          <a:lstStyle/>
+          <a:p>
+            <a:fld id="{88D09B62-7964-8A4C-9636-36CB120B29AE}" type="slidenum">
+              <a:rPr lang="es-ES" smtClean="0"/>
+              <a:t>31</a:t>
+            </a:fld>
+            <a:endParaRPr lang="es-ES"/>
+          </a:p>
+        </p:txBody>
+      </p:sp>
+    </p:spTree>
+    <p:extLst>
+      <p:ext uri="{BB962C8B-B14F-4D97-AF65-F5344CB8AC3E}">
+        <p14:creationId xmlns:p14="http://schemas.microsoft.com/office/powerpoint/2010/main" val="3552267866"/>
+      </p:ext>
+    </p:extLst>
+  </p:cSld>
+  <p:clrMapOvr>
+    <a:masterClrMapping/>
+  </p:clrMapOvr>
+</p:notes>
+</file>
+
+<file path=ppt/notesSlides/notesSlide21.xml><?xml version="1.0" encoding="utf-8"?>
+<p:notes xmlns:a="http://schemas.openxmlformats.org/drawingml/2006/main" xmlns:r="http://schemas.openxmlformats.org/officeDocument/2006/relationships" xmlns:p="http://schemas.openxmlformats.org/presentationml/2006/main">
+  <p:cSld>
+    <p:spTree>
+      <p:nvGrpSpPr>
+        <p:cNvPr id="1" name=""/>
+        <p:cNvGrpSpPr/>
+        <p:nvPr/>
+      </p:nvGrpSpPr>
+      <p:grpSpPr>
+        <a:xfrm>
+          <a:off x="0" y="0"/>
+          <a:ext cx="0" cy="0"/>
+          <a:chOff x="0" y="0"/>
+          <a:chExt cx="0" cy="0"/>
+        </a:xfrm>
+      </p:grpSpPr>
+      <p:sp>
+        <p:nvSpPr>
+          <p:cNvPr id="2" name="Marcador de imagen de diapositiva 1"/>
+          <p:cNvSpPr>
+            <a:spLocks noGrp="1" noRot="1" noChangeAspect="1"/>
+          </p:cNvSpPr>
+          <p:nvPr>
+            <p:ph type="sldImg"/>
+          </p:nvPr>
+        </p:nvSpPr>
+        <p:spPr/>
+      </p:sp>
+      <p:sp>
+        <p:nvSpPr>
+          <p:cNvPr id="3" name="Marcador de notas 2"/>
+          <p:cNvSpPr>
+            <a:spLocks noGrp="1"/>
+          </p:cNvSpPr>
+          <p:nvPr>
+            <p:ph type="body" idx="1"/>
+          </p:nvPr>
+        </p:nvSpPr>
+        <p:spPr/>
+        <p:txBody>
+          <a:bodyPr/>
+          <a:lstStyle/>
+          <a:p>
+            <a:pPr marL="171450" indent="-171450">
+              <a:buFontTx/>
+              <a:buChar char="-"/>
+            </a:pPr>
+            <a:r>
+              <a:rPr lang="es-ES" dirty="0"/>
+              <a:t>Escriba en esta diapositiva el titulo de</a:t>
+            </a:r>
+            <a:r>
+              <a:rPr lang="es-ES" baseline="0" dirty="0"/>
+              <a:t> la presentación y si lo desea puede agregar los temas que va exponer.</a:t>
+            </a:r>
+          </a:p>
+          <a:p>
+            <a:pPr marL="171450" indent="-171450">
+              <a:buFontTx/>
+              <a:buChar char="-"/>
+            </a:pPr>
+            <a:r>
+              <a:rPr lang="es-ES" baseline="0" dirty="0"/>
+              <a:t>Si va a dejar solo el titulo déjelo centrado en la diapositiva.</a:t>
+            </a:r>
+          </a:p>
+          <a:p>
+            <a:pPr marL="171450" indent="-171450">
+              <a:buFontTx/>
+              <a:buChar char="-"/>
+            </a:pPr>
+            <a:r>
+              <a:rPr lang="es-ES" baseline="0" dirty="0"/>
+              <a:t>Los textos deben ir en color blanco en tipografía Arial.</a:t>
+            </a:r>
+            <a:endParaRPr lang="es-ES" dirty="0"/>
+          </a:p>
+        </p:txBody>
+      </p:sp>
+      <p:sp>
+        <p:nvSpPr>
+          <p:cNvPr id="4" name="Marcador de número de diapositiva 3"/>
+          <p:cNvSpPr>
+            <a:spLocks noGrp="1"/>
+          </p:cNvSpPr>
+          <p:nvPr>
+            <p:ph type="sldNum" sz="quarter" idx="10"/>
+          </p:nvPr>
+        </p:nvSpPr>
+        <p:spPr/>
+        <p:txBody>
+          <a:bodyPr/>
+          <a:lstStyle/>
+          <a:p>
+            <a:fld id="{88D09B62-7964-8A4C-9636-36CB120B29AE}" type="slidenum">
+              <a:rPr lang="es-ES" smtClean="0"/>
+              <a:t>32</a:t>
+            </a:fld>
+            <a:endParaRPr lang="es-ES"/>
+          </a:p>
+        </p:txBody>
+      </p:sp>
+    </p:spTree>
+    <p:extLst>
+      <p:ext uri="{BB962C8B-B14F-4D97-AF65-F5344CB8AC3E}">
+        <p14:creationId xmlns:p14="http://schemas.microsoft.com/office/powerpoint/2010/main" val="2499817899"/>
+      </p:ext>
+    </p:extLst>
+  </p:cSld>
+  <p:clrMapOvr>
+    <a:masterClrMapping/>
+  </p:clrMapOvr>
+</p:notes>
+</file>
+
+<file path=ppt/notesSlides/notesSlide22.xml><?xml version="1.0" encoding="utf-8"?>
+<p:notes xmlns:a="http://schemas.openxmlformats.org/drawingml/2006/main" xmlns:r="http://schemas.openxmlformats.org/officeDocument/2006/relationships" xmlns:p="http://schemas.openxmlformats.org/presentationml/2006/main">
+  <p:cSld>
+    <p:spTree>
+      <p:nvGrpSpPr>
+        <p:cNvPr id="1" name=""/>
+        <p:cNvGrpSpPr/>
+        <p:nvPr/>
+      </p:nvGrpSpPr>
+      <p:grpSpPr>
+        <a:xfrm>
+          <a:off x="0" y="0"/>
+          <a:ext cx="0" cy="0"/>
+          <a:chOff x="0" y="0"/>
+          <a:chExt cx="0" cy="0"/>
+        </a:xfrm>
+      </p:grpSpPr>
+      <p:sp>
+        <p:nvSpPr>
+          <p:cNvPr id="2" name="Marcador de imagen de diapositiva 1"/>
+          <p:cNvSpPr>
+            <a:spLocks noGrp="1" noRot="1" noChangeAspect="1"/>
+          </p:cNvSpPr>
+          <p:nvPr>
+            <p:ph type="sldImg"/>
+          </p:nvPr>
+        </p:nvSpPr>
+        <p:spPr/>
+      </p:sp>
+      <p:sp>
+        <p:nvSpPr>
+          <p:cNvPr id="3" name="Marcador de notas 2"/>
+          <p:cNvSpPr>
+            <a:spLocks noGrp="1"/>
+          </p:cNvSpPr>
+          <p:nvPr>
+            <p:ph type="body" idx="1"/>
+          </p:nvPr>
+        </p:nvSpPr>
+        <p:spPr/>
+        <p:txBody>
+          <a:bodyPr/>
+          <a:lstStyle/>
+          <a:p>
+            <a:pPr marL="171450" indent="-171450">
+              <a:buFontTx/>
+              <a:buChar char="-"/>
+            </a:pPr>
+            <a:r>
+              <a:rPr lang="es-ES" dirty="0"/>
+              <a:t>Utilice</a:t>
+            </a:r>
+            <a:r>
+              <a:rPr lang="es-ES" baseline="0" dirty="0"/>
+              <a:t> esta diapositiva al final de su presentación</a:t>
+            </a:r>
+          </a:p>
+          <a:p>
+            <a:pPr marL="171450" indent="-171450">
+              <a:buFontTx/>
+              <a:buChar char="-"/>
+            </a:pPr>
+            <a:r>
+              <a:rPr lang="es-ES" baseline="0"/>
+              <a:t>Esta </a:t>
+            </a:r>
+            <a:r>
+              <a:rPr lang="es-ES" baseline="0" dirty="0"/>
+              <a:t>diapositiva no debe modificarse</a:t>
+            </a:r>
+            <a:endParaRPr lang="es-ES" dirty="0"/>
+          </a:p>
+        </p:txBody>
+      </p:sp>
+      <p:sp>
+        <p:nvSpPr>
+          <p:cNvPr id="4" name="Marcador de número de diapositiva 3"/>
+          <p:cNvSpPr>
+            <a:spLocks noGrp="1"/>
+          </p:cNvSpPr>
+          <p:nvPr>
+            <p:ph type="sldNum" sz="quarter" idx="10"/>
+          </p:nvPr>
+        </p:nvSpPr>
+        <p:spPr/>
+        <p:txBody>
+          <a:bodyPr/>
+          <a:lstStyle/>
+          <a:p>
+            <a:fld id="{88D09B62-7964-8A4C-9636-36CB120B29AE}" type="slidenum">
+              <a:rPr lang="es-ES" smtClean="0"/>
+              <a:t>33</a:t>
+            </a:fld>
+            <a:endParaRPr lang="es-ES"/>
+          </a:p>
+        </p:txBody>
+      </p:sp>
+    </p:spTree>
+    <p:extLst>
+      <p:ext uri="{BB962C8B-B14F-4D97-AF65-F5344CB8AC3E}">
+        <p14:creationId xmlns:p14="http://schemas.microsoft.com/office/powerpoint/2010/main" val="3649474935"/>
       </p:ext>
     </p:extLst>
   </p:cSld>
@@ -1626,7 +3338,7 @@
           <a:p>
             <a:fld id="{88D09B62-7964-8A4C-9636-36CB120B29AE}" type="slidenum">
               <a:rPr lang="es-ES" smtClean="0"/>
-              <a:t>11</a:t>
+              <a:t>16</a:t>
             </a:fld>
             <a:endParaRPr lang="es-ES"/>
           </a:p>
@@ -1921,7 +3633,7 @@
           <a:p>
             <a:fld id="{9315191A-A0A9-294A-9DF6-EE4FF7E8A271}" type="datetimeFigureOut">
               <a:rPr lang="es-ES" smtClean="0"/>
-              <a:t>12/08/2019</a:t>
+              <a:t>04/09/2019</a:t>
             </a:fld>
             <a:endParaRPr lang="es-ES"/>
           </a:p>
@@ -2174,7 +3886,7 @@
           <a:p>
             <a:fld id="{9315191A-A0A9-294A-9DF6-EE4FF7E8A271}" type="datetimeFigureOut">
               <a:rPr lang="es-ES" smtClean="0"/>
-              <a:t>12/08/2019</a:t>
+              <a:t>04/09/2019</a:t>
             </a:fld>
             <a:endParaRPr lang="es-ES"/>
           </a:p>
@@ -2344,7 +4056,7 @@
           <a:p>
             <a:fld id="{9315191A-A0A9-294A-9DF6-EE4FF7E8A271}" type="datetimeFigureOut">
               <a:rPr lang="es-ES" smtClean="0"/>
-              <a:t>12/08/2019</a:t>
+              <a:t>04/09/2019</a:t>
             </a:fld>
             <a:endParaRPr lang="es-ES"/>
           </a:p>
@@ -2524,7 +4236,7 @@
           <a:p>
             <a:fld id="{9315191A-A0A9-294A-9DF6-EE4FF7E8A271}" type="datetimeFigureOut">
               <a:rPr lang="es-ES" smtClean="0"/>
-              <a:t>12/08/2019</a:t>
+              <a:t>04/09/2019</a:t>
             </a:fld>
             <a:endParaRPr lang="es-ES"/>
           </a:p>
@@ -3221,7 +4933,7 @@
           <a:p>
             <a:fld id="{9315191A-A0A9-294A-9DF6-EE4FF7E8A271}" type="datetimeFigureOut">
               <a:rPr lang="es-ES" smtClean="0"/>
-              <a:t>12/08/2019</a:t>
+              <a:t>04/09/2019</a:t>
             </a:fld>
             <a:endParaRPr lang="es-ES"/>
           </a:p>
@@ -3339,7 +5051,7 @@
           <a:p>
             <a:fld id="{9315191A-A0A9-294A-9DF6-EE4FF7E8A271}" type="datetimeFigureOut">
               <a:rPr lang="es-ES" smtClean="0"/>
-              <a:t>12/08/2019</a:t>
+              <a:t>04/09/2019</a:t>
             </a:fld>
             <a:endParaRPr lang="es-ES"/>
           </a:p>
@@ -3434,7 +5146,7 @@
           <a:p>
             <a:fld id="{9315191A-A0A9-294A-9DF6-EE4FF7E8A271}" type="datetimeFigureOut">
               <a:rPr lang="es-ES" smtClean="0"/>
-              <a:t>12/08/2019</a:t>
+              <a:t>04/09/2019</a:t>
             </a:fld>
             <a:endParaRPr lang="es-ES"/>
           </a:p>
@@ -3647,7 +5359,7 @@
           <a:p>
             <a:fld id="{9315191A-A0A9-294A-9DF6-EE4FF7E8A271}" type="datetimeFigureOut">
               <a:rPr lang="es-ES" smtClean="0"/>
-              <a:t>12/08/2019</a:t>
+              <a:t>04/09/2019</a:t>
             </a:fld>
             <a:endParaRPr lang="es-ES"/>
           </a:p>
@@ -4126,18 +5838,7 @@
                 <a:cs typeface="Calibri"/>
                 <a:sym typeface="Calibri"/>
               </a:rPr>
-              <a:t>Diana Marcela Díaz </a:t>
-            </a:r>
-            <a:r>
-              <a:rPr lang="es-ES" b="1" dirty="0" err="1">
-                <a:solidFill>
-                  <a:srgbClr val="00B050"/>
-                </a:solidFill>
-                <a:ea typeface="Calibri"/>
-                <a:cs typeface="Calibri"/>
-                <a:sym typeface="Calibri"/>
-              </a:rPr>
-              <a:t>Díaz</a:t>
+              <a:t>Diana Marcela Díaz Díaz</a:t>
             </a:r>
             <a:endParaRPr lang="es-ES" dirty="0">
               <a:solidFill>
@@ -4460,33 +6161,1150 @@
       </p:grpSpPr>
       <p:pic>
         <p:nvPicPr>
-          <p:cNvPr id="6" name="Imagen 5" descr="EDITORIAL3.jpg"/>
-          <p:cNvPicPr>
-            <a:picLocks noChangeAspect="1"/>
-          </p:cNvPicPr>
+          <p:cNvPr id="2" name="Google Shape;144;p22">
+            <a:extLst>
+              <a:ext uri="{FF2B5EF4-FFF2-40B4-BE49-F238E27FC236}">
+                <a16:creationId xmlns:a16="http://schemas.microsoft.com/office/drawing/2014/main" id="{9B2A8299-496D-4303-9E3C-D91491F7FB0A}"/>
+              </a:ext>
+            </a:extLst>
+          </p:cNvPr>
+          <p:cNvPicPr preferRelativeResize="0"/>
+          <p:nvPr/>
+        </p:nvPicPr>
+        <p:blipFill rotWithShape="1">
+          <a:blip r:embed="rId2">
+            <a:alphaModFix/>
+          </a:blip>
+          <a:srcRect/>
+          <a:stretch/>
+        </p:blipFill>
+        <p:spPr>
+          <a:xfrm>
+            <a:off x="3099029" y="0"/>
+            <a:ext cx="4517564" cy="5143500"/>
+          </a:xfrm>
+          <a:prstGeom prst="rect">
+            <a:avLst/>
+          </a:prstGeom>
+          <a:noFill/>
+          <a:ln>
+            <a:noFill/>
+          </a:ln>
+        </p:spPr>
+      </p:pic>
+      <p:sp>
+        <p:nvSpPr>
+          <p:cNvPr id="3" name="Google Shape;141;p22">
+            <a:extLst>
+              <a:ext uri="{FF2B5EF4-FFF2-40B4-BE49-F238E27FC236}">
+                <a16:creationId xmlns:a16="http://schemas.microsoft.com/office/drawing/2014/main" id="{423D3DF4-1C1D-41AB-91B7-6E0BEB8B0A27}"/>
+              </a:ext>
+            </a:extLst>
+          </p:cNvPr>
+          <p:cNvSpPr txBox="1"/>
+          <p:nvPr/>
+        </p:nvSpPr>
+        <p:spPr>
+          <a:xfrm>
+            <a:off x="485405" y="2051461"/>
+            <a:ext cx="2084003" cy="520289"/>
+          </a:xfrm>
+          <a:prstGeom prst="rect">
+            <a:avLst/>
+          </a:prstGeom>
+          <a:noFill/>
+          <a:ln>
+            <a:noFill/>
+          </a:ln>
+        </p:spPr>
+        <p:txBody>
+          <a:bodyPr spcFirstLastPara="1" wrap="square" lIns="91425" tIns="45700" rIns="91425" bIns="45700" anchor="t" anchorCtr="0">
+            <a:noAutofit/>
+          </a:bodyPr>
+          <a:lstStyle/>
+          <a:p>
+            <a:pPr marL="0" marR="0" lvl="0" indent="0" algn="l" rtl="0">
+              <a:lnSpc>
+                <a:spcPct val="100000"/>
+              </a:lnSpc>
+              <a:spcBef>
+                <a:spcPts val="0"/>
+              </a:spcBef>
+              <a:spcAft>
+                <a:spcPts val="0"/>
+              </a:spcAft>
+              <a:buClr>
+                <a:schemeClr val="lt1"/>
+              </a:buClr>
+              <a:buSzPts val="2400"/>
+              <a:buFont typeface="Calibri"/>
+              <a:buNone/>
+            </a:pPr>
+            <a:r>
+              <a:rPr lang="es-ES" sz="2400" b="1" i="0" u="none" strike="noStrike" cap="none" dirty="0">
+                <a:latin typeface="Calibri"/>
+                <a:ea typeface="Calibri"/>
+                <a:cs typeface="Calibri"/>
+                <a:sym typeface="Calibri"/>
+              </a:rPr>
+              <a:t>Encuesta #1</a:t>
+            </a:r>
+            <a:endParaRPr sz="2400" b="1" i="0" u="none" strike="noStrike" cap="none" dirty="0">
+              <a:latin typeface="Calibri"/>
+              <a:ea typeface="Calibri"/>
+              <a:cs typeface="Calibri"/>
+              <a:sym typeface="Calibri"/>
+            </a:endParaRPr>
+          </a:p>
+        </p:txBody>
+      </p:sp>
+    </p:spTree>
+    <p:extLst>
+      <p:ext uri="{BB962C8B-B14F-4D97-AF65-F5344CB8AC3E}">
+        <p14:creationId xmlns:p14="http://schemas.microsoft.com/office/powerpoint/2010/main" val="1657028696"/>
+      </p:ext>
+    </p:extLst>
+  </p:cSld>
+  <p:clrMapOvr>
+    <a:masterClrMapping/>
+  </p:clrMapOvr>
+</p:sld>
+</file>
+
+<file path=ppt/slides/slide12.xml><?xml version="1.0" encoding="utf-8"?>
+<p:sld xmlns:a="http://schemas.openxmlformats.org/drawingml/2006/main" xmlns:r="http://schemas.openxmlformats.org/officeDocument/2006/relationships" xmlns:p="http://schemas.openxmlformats.org/presentationml/2006/main">
+  <p:cSld>
+    <p:spTree>
+      <p:nvGrpSpPr>
+        <p:cNvPr id="1" name=""/>
+        <p:cNvGrpSpPr/>
+        <p:nvPr/>
+      </p:nvGrpSpPr>
+      <p:grpSpPr>
+        <a:xfrm>
+          <a:off x="0" y="0"/>
+          <a:ext cx="0" cy="0"/>
+          <a:chOff x="0" y="0"/>
+          <a:chExt cx="0" cy="0"/>
+        </a:xfrm>
+      </p:grpSpPr>
+      <p:sp>
+        <p:nvSpPr>
+          <p:cNvPr id="3" name="Google Shape;141;p22">
+            <a:extLst>
+              <a:ext uri="{FF2B5EF4-FFF2-40B4-BE49-F238E27FC236}">
+                <a16:creationId xmlns:a16="http://schemas.microsoft.com/office/drawing/2014/main" id="{423D3DF4-1C1D-41AB-91B7-6E0BEB8B0A27}"/>
+              </a:ext>
+            </a:extLst>
+          </p:cNvPr>
+          <p:cNvSpPr txBox="1"/>
+          <p:nvPr/>
+        </p:nvSpPr>
+        <p:spPr>
+          <a:xfrm>
+            <a:off x="485405" y="2051461"/>
+            <a:ext cx="2084003" cy="520289"/>
+          </a:xfrm>
+          <a:prstGeom prst="rect">
+            <a:avLst/>
+          </a:prstGeom>
+          <a:noFill/>
+          <a:ln>
+            <a:noFill/>
+          </a:ln>
+        </p:spPr>
+        <p:txBody>
+          <a:bodyPr spcFirstLastPara="1" wrap="square" lIns="91425" tIns="45700" rIns="91425" bIns="45700" anchor="t" anchorCtr="0">
+            <a:noAutofit/>
+          </a:bodyPr>
+          <a:lstStyle/>
+          <a:p>
+            <a:pPr marL="0" marR="0" lvl="0" indent="0" algn="l" rtl="0">
+              <a:lnSpc>
+                <a:spcPct val="100000"/>
+              </a:lnSpc>
+              <a:spcBef>
+                <a:spcPts val="0"/>
+              </a:spcBef>
+              <a:spcAft>
+                <a:spcPts val="0"/>
+              </a:spcAft>
+              <a:buClr>
+                <a:schemeClr val="lt1"/>
+              </a:buClr>
+              <a:buSzPts val="2400"/>
+              <a:buFont typeface="Calibri"/>
+              <a:buNone/>
+            </a:pPr>
+            <a:r>
+              <a:rPr lang="es-ES" sz="2400" b="1" i="0" u="none" strike="noStrike" cap="none" dirty="0">
+                <a:latin typeface="Calibri"/>
+                <a:ea typeface="Calibri"/>
+                <a:cs typeface="Calibri"/>
+                <a:sym typeface="Calibri"/>
+              </a:rPr>
+              <a:t>Encuesta #3</a:t>
+            </a:r>
+            <a:endParaRPr sz="2400" b="1" i="0" u="none" strike="noStrike" cap="none" dirty="0">
+              <a:latin typeface="Calibri"/>
+              <a:ea typeface="Calibri"/>
+              <a:cs typeface="Calibri"/>
+              <a:sym typeface="Calibri"/>
+            </a:endParaRPr>
+          </a:p>
+        </p:txBody>
+      </p:sp>
+      <p:pic>
+        <p:nvPicPr>
+          <p:cNvPr id="4" name="Google Shape;152;p23">
+            <a:extLst>
+              <a:ext uri="{FF2B5EF4-FFF2-40B4-BE49-F238E27FC236}">
+                <a16:creationId xmlns:a16="http://schemas.microsoft.com/office/drawing/2014/main" id="{C6D7DFB9-2440-4B11-804D-C19BE8E6298D}"/>
+              </a:ext>
+            </a:extLst>
+          </p:cNvPr>
+          <p:cNvPicPr preferRelativeResize="0"/>
+          <p:nvPr/>
+        </p:nvPicPr>
+        <p:blipFill rotWithShape="1">
+          <a:blip r:embed="rId2">
+            <a:alphaModFix/>
+          </a:blip>
+          <a:srcRect/>
+          <a:stretch/>
+        </p:blipFill>
+        <p:spPr>
+          <a:xfrm>
+            <a:off x="3030467" y="0"/>
+            <a:ext cx="4413941" cy="5143500"/>
+          </a:xfrm>
+          <a:prstGeom prst="rect">
+            <a:avLst/>
+          </a:prstGeom>
+          <a:noFill/>
+          <a:ln>
+            <a:noFill/>
+          </a:ln>
+        </p:spPr>
+      </p:pic>
+    </p:spTree>
+    <p:extLst>
+      <p:ext uri="{BB962C8B-B14F-4D97-AF65-F5344CB8AC3E}">
+        <p14:creationId xmlns:p14="http://schemas.microsoft.com/office/powerpoint/2010/main" val="1471380949"/>
+      </p:ext>
+    </p:extLst>
+  </p:cSld>
+  <p:clrMapOvr>
+    <a:masterClrMapping/>
+  </p:clrMapOvr>
+</p:sld>
+</file>
+
+<file path=ppt/slides/slide13.xml><?xml version="1.0" encoding="utf-8"?>
+<p:sld xmlns:a="http://schemas.openxmlformats.org/drawingml/2006/main" xmlns:r="http://schemas.openxmlformats.org/officeDocument/2006/relationships" xmlns:p="http://schemas.openxmlformats.org/presentationml/2006/main">
+  <p:cSld>
+    <p:spTree>
+      <p:nvGrpSpPr>
+        <p:cNvPr id="1" name=""/>
+        <p:cNvGrpSpPr/>
+        <p:nvPr/>
+      </p:nvGrpSpPr>
+      <p:grpSpPr>
+        <a:xfrm>
+          <a:off x="0" y="0"/>
+          <a:ext cx="0" cy="0"/>
+          <a:chOff x="0" y="0"/>
+          <a:chExt cx="0" cy="0"/>
+        </a:xfrm>
+      </p:grpSpPr>
+      <p:sp>
+        <p:nvSpPr>
+          <p:cNvPr id="3" name="Google Shape;141;p22">
+            <a:extLst>
+              <a:ext uri="{FF2B5EF4-FFF2-40B4-BE49-F238E27FC236}">
+                <a16:creationId xmlns:a16="http://schemas.microsoft.com/office/drawing/2014/main" id="{423D3DF4-1C1D-41AB-91B7-6E0BEB8B0A27}"/>
+              </a:ext>
+            </a:extLst>
+          </p:cNvPr>
+          <p:cNvSpPr txBox="1"/>
+          <p:nvPr/>
+        </p:nvSpPr>
+        <p:spPr>
+          <a:xfrm>
+            <a:off x="231775" y="595900"/>
+            <a:ext cx="2084003" cy="520289"/>
+          </a:xfrm>
+          <a:prstGeom prst="rect">
+            <a:avLst/>
+          </a:prstGeom>
+          <a:noFill/>
+          <a:ln>
+            <a:noFill/>
+          </a:ln>
+        </p:spPr>
+        <p:txBody>
+          <a:bodyPr spcFirstLastPara="1" wrap="square" lIns="91425" tIns="45700" rIns="91425" bIns="45700" anchor="t" anchorCtr="0">
+            <a:noAutofit/>
+          </a:bodyPr>
+          <a:lstStyle/>
+          <a:p>
+            <a:pPr marL="0" marR="0" lvl="0" indent="0" algn="l" rtl="0">
+              <a:lnSpc>
+                <a:spcPct val="100000"/>
+              </a:lnSpc>
+              <a:spcBef>
+                <a:spcPts val="0"/>
+              </a:spcBef>
+              <a:spcAft>
+                <a:spcPts val="0"/>
+              </a:spcAft>
+              <a:buClr>
+                <a:schemeClr val="lt1"/>
+              </a:buClr>
+              <a:buSzPts val="2400"/>
+              <a:buFont typeface="Calibri"/>
+              <a:buNone/>
+            </a:pPr>
+            <a:r>
+              <a:rPr lang="es-ES" sz="2400" b="1" i="0" u="none" strike="noStrike" cap="none" dirty="0">
+                <a:latin typeface="Calibri"/>
+                <a:ea typeface="Calibri"/>
+                <a:cs typeface="Calibri"/>
+                <a:sym typeface="Calibri"/>
+              </a:rPr>
+              <a:t>Encuestas</a:t>
+            </a:r>
+            <a:endParaRPr sz="2400" b="1" i="0" u="none" strike="noStrike" cap="none" dirty="0">
+              <a:latin typeface="Calibri"/>
+              <a:ea typeface="Calibri"/>
+              <a:cs typeface="Calibri"/>
+              <a:sym typeface="Calibri"/>
+            </a:endParaRPr>
+          </a:p>
+        </p:txBody>
+      </p:sp>
+      <p:sp>
+        <p:nvSpPr>
+          <p:cNvPr id="4" name="Google Shape;159;p24">
+            <a:extLst>
+              <a:ext uri="{FF2B5EF4-FFF2-40B4-BE49-F238E27FC236}">
+                <a16:creationId xmlns:a16="http://schemas.microsoft.com/office/drawing/2014/main" id="{FA640397-D160-479A-8B3E-F5D4F8276722}"/>
+              </a:ext>
+            </a:extLst>
+          </p:cNvPr>
+          <p:cNvSpPr txBox="1"/>
+          <p:nvPr/>
+        </p:nvSpPr>
+        <p:spPr>
+          <a:xfrm>
+            <a:off x="2823037" y="164477"/>
+            <a:ext cx="2591262" cy="707886"/>
+          </a:xfrm>
+          <a:prstGeom prst="rect">
+            <a:avLst/>
+          </a:prstGeom>
+          <a:noFill/>
+          <a:ln>
+            <a:noFill/>
+          </a:ln>
+        </p:spPr>
+        <p:txBody>
+          <a:bodyPr spcFirstLastPara="1" wrap="square" lIns="91425" tIns="45700" rIns="91425" bIns="45700" anchor="t" anchorCtr="0">
+            <a:noAutofit/>
+          </a:bodyPr>
+          <a:lstStyle/>
+          <a:p>
+            <a:pPr marL="0" marR="0" lvl="0" indent="0" algn="l" rtl="0">
+              <a:lnSpc>
+                <a:spcPct val="100000"/>
+              </a:lnSpc>
+              <a:spcBef>
+                <a:spcPts val="0"/>
+              </a:spcBef>
+              <a:spcAft>
+                <a:spcPts val="0"/>
+              </a:spcAft>
+              <a:buClr>
+                <a:srgbClr val="E8E6E8"/>
+              </a:buClr>
+              <a:buSzPts val="2000"/>
+              <a:buFont typeface="Calibri"/>
+              <a:buNone/>
+            </a:pPr>
+            <a:r>
+              <a:rPr lang="es-ES" sz="2000" b="1" i="0" u="none" strike="noStrike" cap="none" dirty="0">
+                <a:latin typeface="Calibri"/>
+                <a:ea typeface="Calibri"/>
+                <a:cs typeface="Calibri"/>
+                <a:sym typeface="Calibri"/>
+              </a:rPr>
+              <a:t>INDICADOR</a:t>
+            </a:r>
+            <a:endParaRPr dirty="0"/>
+          </a:p>
+          <a:p>
+            <a:pPr marL="0" marR="0" lvl="0" indent="0" algn="l" rtl="0">
+              <a:lnSpc>
+                <a:spcPct val="100000"/>
+              </a:lnSpc>
+              <a:spcBef>
+                <a:spcPts val="0"/>
+              </a:spcBef>
+              <a:spcAft>
+                <a:spcPts val="0"/>
+              </a:spcAft>
+              <a:buClr>
+                <a:srgbClr val="E8E6E8"/>
+              </a:buClr>
+              <a:buSzPts val="2000"/>
+              <a:buFont typeface="Calibri"/>
+              <a:buNone/>
+            </a:pPr>
+            <a:r>
+              <a:rPr lang="es-ES" sz="2000" b="1" i="0" u="none" strike="noStrike" cap="none" dirty="0">
+                <a:latin typeface="Calibri"/>
+                <a:ea typeface="Calibri"/>
+                <a:cs typeface="Calibri"/>
+                <a:sym typeface="Calibri"/>
+              </a:rPr>
+              <a:t>Componente técnico</a:t>
+            </a:r>
+            <a:endParaRPr dirty="0"/>
+          </a:p>
+        </p:txBody>
+      </p:sp>
+      <p:pic>
+        <p:nvPicPr>
+          <p:cNvPr id="5" name="Google Shape;165;p24">
+            <a:extLst>
+              <a:ext uri="{FF2B5EF4-FFF2-40B4-BE49-F238E27FC236}">
+                <a16:creationId xmlns:a16="http://schemas.microsoft.com/office/drawing/2014/main" id="{D1F0468F-943C-4797-922B-1AA03BA86247}"/>
+              </a:ext>
+            </a:extLst>
+          </p:cNvPr>
+          <p:cNvPicPr preferRelativeResize="0"/>
+          <p:nvPr/>
+        </p:nvPicPr>
+        <p:blipFill rotWithShape="1">
+          <a:blip r:embed="rId2">
+            <a:alphaModFix/>
+          </a:blip>
+          <a:srcRect/>
+          <a:stretch/>
+        </p:blipFill>
+        <p:spPr>
+          <a:xfrm>
+            <a:off x="232318" y="1116189"/>
+            <a:ext cx="3562920" cy="1895003"/>
+          </a:xfrm>
+          <a:prstGeom prst="rect">
+            <a:avLst/>
+          </a:prstGeom>
+          <a:noFill/>
+          <a:ln>
+            <a:noFill/>
+          </a:ln>
+        </p:spPr>
+      </p:pic>
+      <p:pic>
+        <p:nvPicPr>
+          <p:cNvPr id="6" name="Google Shape;166;p24">
+            <a:extLst>
+              <a:ext uri="{FF2B5EF4-FFF2-40B4-BE49-F238E27FC236}">
+                <a16:creationId xmlns:a16="http://schemas.microsoft.com/office/drawing/2014/main" id="{0C26D4C8-DE7B-4313-9450-DE5ACDDD0BA4}"/>
+              </a:ext>
+            </a:extLst>
+          </p:cNvPr>
+          <p:cNvPicPr preferRelativeResize="0"/>
           <p:nvPr/>
         </p:nvPicPr>
         <p:blipFill rotWithShape="1">
           <a:blip r:embed="rId3">
-            <a:extLst>
-              <a:ext uri="{28A0092B-C50C-407E-A947-70E740481C1C}">
-                <a14:useLocalDpi xmlns:a14="http://schemas.microsoft.com/office/drawing/2010/main" val="0"/>
-              </a:ext>
-            </a:extLst>
+            <a:alphaModFix/>
           </a:blip>
-          <a:srcRect t="14950"/>
+          <a:srcRect/>
           <a:stretch/>
         </p:blipFill>
         <p:spPr>
           <a:xfrm>
-            <a:off x="-81338" y="-42990"/>
-            <a:ext cx="9225338" cy="5229480"/>
+            <a:off x="4211436" y="1131266"/>
+            <a:ext cx="3519375" cy="1864848"/>
           </a:xfrm>
           <a:prstGeom prst="rect">
             <a:avLst/>
           </a:prstGeom>
+          <a:noFill/>
+          <a:ln>
+            <a:noFill/>
+          </a:ln>
         </p:spPr>
       </p:pic>
+      <p:pic>
+        <p:nvPicPr>
+          <p:cNvPr id="7" name="Google Shape;167;p24">
+            <a:extLst>
+              <a:ext uri="{FF2B5EF4-FFF2-40B4-BE49-F238E27FC236}">
+                <a16:creationId xmlns:a16="http://schemas.microsoft.com/office/drawing/2014/main" id="{C3C18586-480D-4114-88B2-8E92EA115F2C}"/>
+              </a:ext>
+            </a:extLst>
+          </p:cNvPr>
+          <p:cNvPicPr preferRelativeResize="0"/>
+          <p:nvPr/>
+        </p:nvPicPr>
+        <p:blipFill rotWithShape="1">
+          <a:blip r:embed="rId4">
+            <a:alphaModFix/>
+          </a:blip>
+          <a:srcRect/>
+          <a:stretch/>
+        </p:blipFill>
+        <p:spPr>
+          <a:xfrm>
+            <a:off x="232861" y="2945609"/>
+            <a:ext cx="3562377" cy="1914806"/>
+          </a:xfrm>
+          <a:prstGeom prst="rect">
+            <a:avLst/>
+          </a:prstGeom>
+          <a:noFill/>
+          <a:ln>
+            <a:noFill/>
+          </a:ln>
+        </p:spPr>
+      </p:pic>
+      <p:pic>
+        <p:nvPicPr>
+          <p:cNvPr id="8" name="Google Shape;168;p24">
+            <a:extLst>
+              <a:ext uri="{FF2B5EF4-FFF2-40B4-BE49-F238E27FC236}">
+                <a16:creationId xmlns:a16="http://schemas.microsoft.com/office/drawing/2014/main" id="{C2DF130C-E7F1-4C70-AC4E-EBEC1FED27D4}"/>
+              </a:ext>
+            </a:extLst>
+          </p:cNvPr>
+          <p:cNvPicPr preferRelativeResize="0"/>
+          <p:nvPr/>
+        </p:nvPicPr>
+        <p:blipFill rotWithShape="1">
+          <a:blip r:embed="rId5">
+            <a:alphaModFix/>
+          </a:blip>
+          <a:srcRect/>
+          <a:stretch/>
+        </p:blipFill>
+        <p:spPr>
+          <a:xfrm>
+            <a:off x="4222626" y="2929305"/>
+            <a:ext cx="3508185" cy="1931110"/>
+          </a:xfrm>
+          <a:prstGeom prst="rect">
+            <a:avLst/>
+          </a:prstGeom>
+          <a:noFill/>
+          <a:ln>
+            <a:noFill/>
+          </a:ln>
+        </p:spPr>
+      </p:pic>
+    </p:spTree>
+    <p:extLst>
+      <p:ext uri="{BB962C8B-B14F-4D97-AF65-F5344CB8AC3E}">
+        <p14:creationId xmlns:p14="http://schemas.microsoft.com/office/powerpoint/2010/main" val="745398068"/>
+      </p:ext>
+    </p:extLst>
+  </p:cSld>
+  <p:clrMapOvr>
+    <a:masterClrMapping/>
+  </p:clrMapOvr>
+</p:sld>
+</file>
+
+<file path=ppt/slides/slide14.xml><?xml version="1.0" encoding="utf-8"?>
+<p:sld xmlns:a="http://schemas.openxmlformats.org/drawingml/2006/main" xmlns:r="http://schemas.openxmlformats.org/officeDocument/2006/relationships" xmlns:p="http://schemas.openxmlformats.org/presentationml/2006/main">
+  <p:cSld>
+    <p:spTree>
+      <p:nvGrpSpPr>
+        <p:cNvPr id="1" name=""/>
+        <p:cNvGrpSpPr/>
+        <p:nvPr/>
+      </p:nvGrpSpPr>
+      <p:grpSpPr>
+        <a:xfrm>
+          <a:off x="0" y="0"/>
+          <a:ext cx="0" cy="0"/>
+          <a:chOff x="0" y="0"/>
+          <a:chExt cx="0" cy="0"/>
+        </a:xfrm>
+      </p:grpSpPr>
+      <p:sp>
+        <p:nvSpPr>
+          <p:cNvPr id="3" name="Google Shape;141;p22">
+            <a:extLst>
+              <a:ext uri="{FF2B5EF4-FFF2-40B4-BE49-F238E27FC236}">
+                <a16:creationId xmlns:a16="http://schemas.microsoft.com/office/drawing/2014/main" id="{423D3DF4-1C1D-41AB-91B7-6E0BEB8B0A27}"/>
+              </a:ext>
+            </a:extLst>
+          </p:cNvPr>
+          <p:cNvSpPr txBox="1"/>
+          <p:nvPr/>
+        </p:nvSpPr>
+        <p:spPr>
+          <a:xfrm>
+            <a:off x="231775" y="595900"/>
+            <a:ext cx="2084003" cy="520289"/>
+          </a:xfrm>
+          <a:prstGeom prst="rect">
+            <a:avLst/>
+          </a:prstGeom>
+          <a:noFill/>
+          <a:ln>
+            <a:noFill/>
+          </a:ln>
+        </p:spPr>
+        <p:txBody>
+          <a:bodyPr spcFirstLastPara="1" wrap="square" lIns="91425" tIns="45700" rIns="91425" bIns="45700" anchor="t" anchorCtr="0">
+            <a:noAutofit/>
+          </a:bodyPr>
+          <a:lstStyle/>
+          <a:p>
+            <a:pPr marL="0" marR="0" lvl="0" indent="0" algn="l" rtl="0">
+              <a:lnSpc>
+                <a:spcPct val="100000"/>
+              </a:lnSpc>
+              <a:spcBef>
+                <a:spcPts val="0"/>
+              </a:spcBef>
+              <a:spcAft>
+                <a:spcPts val="0"/>
+              </a:spcAft>
+              <a:buClr>
+                <a:schemeClr val="lt1"/>
+              </a:buClr>
+              <a:buSzPts val="2400"/>
+              <a:buFont typeface="Calibri"/>
+              <a:buNone/>
+            </a:pPr>
+            <a:r>
+              <a:rPr lang="es-ES" sz="2400" b="1" i="0" u="none" strike="noStrike" cap="none" dirty="0">
+                <a:latin typeface="Calibri"/>
+                <a:ea typeface="Calibri"/>
+                <a:cs typeface="Calibri"/>
+                <a:sym typeface="Calibri"/>
+              </a:rPr>
+              <a:t>Encuestas</a:t>
+            </a:r>
+            <a:endParaRPr sz="2400" b="1" i="0" u="none" strike="noStrike" cap="none" dirty="0">
+              <a:latin typeface="Calibri"/>
+              <a:ea typeface="Calibri"/>
+              <a:cs typeface="Calibri"/>
+              <a:sym typeface="Calibri"/>
+            </a:endParaRPr>
+          </a:p>
+        </p:txBody>
+      </p:sp>
+      <p:sp>
+        <p:nvSpPr>
+          <p:cNvPr id="4" name="Google Shape;159;p24">
+            <a:extLst>
+              <a:ext uri="{FF2B5EF4-FFF2-40B4-BE49-F238E27FC236}">
+                <a16:creationId xmlns:a16="http://schemas.microsoft.com/office/drawing/2014/main" id="{FA640397-D160-479A-8B3E-F5D4F8276722}"/>
+              </a:ext>
+            </a:extLst>
+          </p:cNvPr>
+          <p:cNvSpPr txBox="1"/>
+          <p:nvPr/>
+        </p:nvSpPr>
+        <p:spPr>
+          <a:xfrm>
+            <a:off x="2823037" y="164477"/>
+            <a:ext cx="2591262" cy="707886"/>
+          </a:xfrm>
+          <a:prstGeom prst="rect">
+            <a:avLst/>
+          </a:prstGeom>
+          <a:noFill/>
+          <a:ln>
+            <a:noFill/>
+          </a:ln>
+        </p:spPr>
+        <p:txBody>
+          <a:bodyPr spcFirstLastPara="1" wrap="square" lIns="91425" tIns="45700" rIns="91425" bIns="45700" anchor="t" anchorCtr="0">
+            <a:noAutofit/>
+          </a:bodyPr>
+          <a:lstStyle/>
+          <a:p>
+            <a:pPr marL="0" marR="0" lvl="0" indent="0" algn="l" rtl="0">
+              <a:lnSpc>
+                <a:spcPct val="100000"/>
+              </a:lnSpc>
+              <a:spcBef>
+                <a:spcPts val="0"/>
+              </a:spcBef>
+              <a:spcAft>
+                <a:spcPts val="0"/>
+              </a:spcAft>
+              <a:buClr>
+                <a:srgbClr val="E8E6E8"/>
+              </a:buClr>
+              <a:buSzPts val="2000"/>
+              <a:buFont typeface="Calibri"/>
+              <a:buNone/>
+            </a:pPr>
+            <a:r>
+              <a:rPr lang="es-ES" sz="2000" b="1" i="0" u="none" strike="noStrike" cap="none" dirty="0">
+                <a:latin typeface="Calibri"/>
+                <a:ea typeface="Calibri"/>
+                <a:cs typeface="Calibri"/>
+                <a:sym typeface="Calibri"/>
+              </a:rPr>
+              <a:t>INDICADOR</a:t>
+            </a:r>
+            <a:endParaRPr dirty="0"/>
+          </a:p>
+          <a:p>
+            <a:pPr marL="0" marR="0" lvl="0" indent="0" algn="l" rtl="0">
+              <a:lnSpc>
+                <a:spcPct val="100000"/>
+              </a:lnSpc>
+              <a:spcBef>
+                <a:spcPts val="0"/>
+              </a:spcBef>
+              <a:spcAft>
+                <a:spcPts val="0"/>
+              </a:spcAft>
+              <a:buClr>
+                <a:srgbClr val="E8E6E8"/>
+              </a:buClr>
+              <a:buSzPts val="2000"/>
+              <a:buFont typeface="Calibri"/>
+              <a:buNone/>
+            </a:pPr>
+            <a:r>
+              <a:rPr lang="es-ES" sz="2000" b="1" i="0" u="none" strike="noStrike" cap="none" dirty="0">
+                <a:latin typeface="Calibri"/>
+                <a:ea typeface="Calibri"/>
+                <a:cs typeface="Calibri"/>
+                <a:sym typeface="Calibri"/>
+              </a:rPr>
+              <a:t>Componente técnico</a:t>
+            </a:r>
+            <a:endParaRPr dirty="0"/>
+          </a:p>
+        </p:txBody>
+      </p:sp>
+      <p:pic>
+        <p:nvPicPr>
+          <p:cNvPr id="13" name="Google Shape;180;p25">
+            <a:extLst>
+              <a:ext uri="{FF2B5EF4-FFF2-40B4-BE49-F238E27FC236}">
+                <a16:creationId xmlns:a16="http://schemas.microsoft.com/office/drawing/2014/main" id="{4FC72B42-E31C-4CA3-8DC5-0E77AE0269FF}"/>
+              </a:ext>
+            </a:extLst>
+          </p:cNvPr>
+          <p:cNvPicPr preferRelativeResize="0"/>
+          <p:nvPr/>
+        </p:nvPicPr>
+        <p:blipFill rotWithShape="1">
+          <a:blip r:embed="rId2">
+            <a:alphaModFix/>
+          </a:blip>
+          <a:srcRect/>
+          <a:stretch/>
+        </p:blipFill>
+        <p:spPr>
+          <a:xfrm>
+            <a:off x="251899" y="1236267"/>
+            <a:ext cx="3569091" cy="1819130"/>
+          </a:xfrm>
+          <a:prstGeom prst="rect">
+            <a:avLst/>
+          </a:prstGeom>
+          <a:noFill/>
+          <a:ln>
+            <a:noFill/>
+          </a:ln>
+        </p:spPr>
+      </p:pic>
+      <p:pic>
+        <p:nvPicPr>
+          <p:cNvPr id="14" name="Google Shape;181;p25">
+            <a:extLst>
+              <a:ext uri="{FF2B5EF4-FFF2-40B4-BE49-F238E27FC236}">
+                <a16:creationId xmlns:a16="http://schemas.microsoft.com/office/drawing/2014/main" id="{9FC9FA81-3F6E-40CA-8A6D-F38FBA3DE274}"/>
+              </a:ext>
+            </a:extLst>
+          </p:cNvPr>
+          <p:cNvPicPr preferRelativeResize="0"/>
+          <p:nvPr/>
+        </p:nvPicPr>
+        <p:blipFill rotWithShape="1">
+          <a:blip r:embed="rId3">
+            <a:alphaModFix/>
+          </a:blip>
+          <a:srcRect/>
+          <a:stretch/>
+        </p:blipFill>
+        <p:spPr>
+          <a:xfrm>
+            <a:off x="4237188" y="1236266"/>
+            <a:ext cx="3519375" cy="2015859"/>
+          </a:xfrm>
+          <a:prstGeom prst="rect">
+            <a:avLst/>
+          </a:prstGeom>
+          <a:noFill/>
+          <a:ln>
+            <a:noFill/>
+          </a:ln>
+        </p:spPr>
+      </p:pic>
+      <p:pic>
+        <p:nvPicPr>
+          <p:cNvPr id="15" name="Google Shape;182;p25">
+            <a:extLst>
+              <a:ext uri="{FF2B5EF4-FFF2-40B4-BE49-F238E27FC236}">
+                <a16:creationId xmlns:a16="http://schemas.microsoft.com/office/drawing/2014/main" id="{BE11B6A8-2772-4326-9E99-896838E92B42}"/>
+              </a:ext>
+            </a:extLst>
+          </p:cNvPr>
+          <p:cNvPicPr preferRelativeResize="0"/>
+          <p:nvPr/>
+        </p:nvPicPr>
+        <p:blipFill rotWithShape="1">
+          <a:blip r:embed="rId4">
+            <a:alphaModFix/>
+          </a:blip>
+          <a:srcRect/>
+          <a:stretch/>
+        </p:blipFill>
+        <p:spPr>
+          <a:xfrm>
+            <a:off x="231775" y="2841560"/>
+            <a:ext cx="3600406" cy="1982808"/>
+          </a:xfrm>
+          <a:prstGeom prst="rect">
+            <a:avLst/>
+          </a:prstGeom>
+          <a:noFill/>
+          <a:ln>
+            <a:noFill/>
+          </a:ln>
+        </p:spPr>
+      </p:pic>
+      <p:pic>
+        <p:nvPicPr>
+          <p:cNvPr id="16" name="Google Shape;183;p25">
+            <a:extLst>
+              <a:ext uri="{FF2B5EF4-FFF2-40B4-BE49-F238E27FC236}">
+                <a16:creationId xmlns:a16="http://schemas.microsoft.com/office/drawing/2014/main" id="{C335C7BE-60F1-4D12-9964-47CACB22D265}"/>
+              </a:ext>
+            </a:extLst>
+          </p:cNvPr>
+          <p:cNvPicPr preferRelativeResize="0"/>
+          <p:nvPr/>
+        </p:nvPicPr>
+        <p:blipFill rotWithShape="1">
+          <a:blip r:embed="rId5">
+            <a:alphaModFix/>
+          </a:blip>
+          <a:srcRect/>
+          <a:stretch/>
+        </p:blipFill>
+        <p:spPr>
+          <a:xfrm>
+            <a:off x="4291275" y="3016160"/>
+            <a:ext cx="3447250" cy="1860834"/>
+          </a:xfrm>
+          <a:prstGeom prst="rect">
+            <a:avLst/>
+          </a:prstGeom>
+          <a:noFill/>
+          <a:ln>
+            <a:noFill/>
+          </a:ln>
+        </p:spPr>
+      </p:pic>
+    </p:spTree>
+    <p:extLst>
+      <p:ext uri="{BB962C8B-B14F-4D97-AF65-F5344CB8AC3E}">
+        <p14:creationId xmlns:p14="http://schemas.microsoft.com/office/powerpoint/2010/main" val="166187965"/>
+      </p:ext>
+    </p:extLst>
+  </p:cSld>
+  <p:clrMapOvr>
+    <a:masterClrMapping/>
+  </p:clrMapOvr>
+</p:sld>
+</file>
+
+<file path=ppt/slides/slide15.xml><?xml version="1.0" encoding="utf-8"?>
+<p:sld xmlns:a="http://schemas.openxmlformats.org/drawingml/2006/main" xmlns:r="http://schemas.openxmlformats.org/officeDocument/2006/relationships" xmlns:p="http://schemas.openxmlformats.org/presentationml/2006/main">
+  <p:cSld>
+    <p:spTree>
+      <p:nvGrpSpPr>
+        <p:cNvPr id="1" name=""/>
+        <p:cNvGrpSpPr/>
+        <p:nvPr/>
+      </p:nvGrpSpPr>
+      <p:grpSpPr>
+        <a:xfrm>
+          <a:off x="0" y="0"/>
+          <a:ext cx="0" cy="0"/>
+          <a:chOff x="0" y="0"/>
+          <a:chExt cx="0" cy="0"/>
+        </a:xfrm>
+      </p:grpSpPr>
+      <p:sp>
+        <p:nvSpPr>
+          <p:cNvPr id="3" name="Google Shape;141;p22">
+            <a:extLst>
+              <a:ext uri="{FF2B5EF4-FFF2-40B4-BE49-F238E27FC236}">
+                <a16:creationId xmlns:a16="http://schemas.microsoft.com/office/drawing/2014/main" id="{423D3DF4-1C1D-41AB-91B7-6E0BEB8B0A27}"/>
+              </a:ext>
+            </a:extLst>
+          </p:cNvPr>
+          <p:cNvSpPr txBox="1"/>
+          <p:nvPr/>
+        </p:nvSpPr>
+        <p:spPr>
+          <a:xfrm>
+            <a:off x="231775" y="595900"/>
+            <a:ext cx="2084003" cy="520289"/>
+          </a:xfrm>
+          <a:prstGeom prst="rect">
+            <a:avLst/>
+          </a:prstGeom>
+          <a:noFill/>
+          <a:ln>
+            <a:noFill/>
+          </a:ln>
+        </p:spPr>
+        <p:txBody>
+          <a:bodyPr spcFirstLastPara="1" wrap="square" lIns="91425" tIns="45700" rIns="91425" bIns="45700" anchor="t" anchorCtr="0">
+            <a:noAutofit/>
+          </a:bodyPr>
+          <a:lstStyle/>
+          <a:p>
+            <a:pPr marL="0" marR="0" lvl="0" indent="0" algn="l" rtl="0">
+              <a:lnSpc>
+                <a:spcPct val="100000"/>
+              </a:lnSpc>
+              <a:spcBef>
+                <a:spcPts val="0"/>
+              </a:spcBef>
+              <a:spcAft>
+                <a:spcPts val="0"/>
+              </a:spcAft>
+              <a:buClr>
+                <a:schemeClr val="lt1"/>
+              </a:buClr>
+              <a:buSzPts val="2400"/>
+              <a:buFont typeface="Calibri"/>
+              <a:buNone/>
+            </a:pPr>
+            <a:r>
+              <a:rPr lang="es-ES" sz="2400" b="1" i="0" u="none" strike="noStrike" cap="none" dirty="0">
+                <a:latin typeface="Calibri"/>
+                <a:ea typeface="Calibri"/>
+                <a:cs typeface="Calibri"/>
+                <a:sym typeface="Calibri"/>
+              </a:rPr>
+              <a:t>Encuestas</a:t>
+            </a:r>
+            <a:endParaRPr sz="2400" b="1" i="0" u="none" strike="noStrike" cap="none" dirty="0">
+              <a:latin typeface="Calibri"/>
+              <a:ea typeface="Calibri"/>
+              <a:cs typeface="Calibri"/>
+              <a:sym typeface="Calibri"/>
+            </a:endParaRPr>
+          </a:p>
+        </p:txBody>
+      </p:sp>
+      <p:sp>
+        <p:nvSpPr>
+          <p:cNvPr id="4" name="Google Shape;159;p24">
+            <a:extLst>
+              <a:ext uri="{FF2B5EF4-FFF2-40B4-BE49-F238E27FC236}">
+                <a16:creationId xmlns:a16="http://schemas.microsoft.com/office/drawing/2014/main" id="{FA640397-D160-479A-8B3E-F5D4F8276722}"/>
+              </a:ext>
+            </a:extLst>
+          </p:cNvPr>
+          <p:cNvSpPr txBox="1"/>
+          <p:nvPr/>
+        </p:nvSpPr>
+        <p:spPr>
+          <a:xfrm>
+            <a:off x="2823037" y="164477"/>
+            <a:ext cx="2591262" cy="707886"/>
+          </a:xfrm>
+          <a:prstGeom prst="rect">
+            <a:avLst/>
+          </a:prstGeom>
+          <a:noFill/>
+          <a:ln>
+            <a:noFill/>
+          </a:ln>
+        </p:spPr>
+        <p:txBody>
+          <a:bodyPr spcFirstLastPara="1" wrap="square" lIns="91425" tIns="45700" rIns="91425" bIns="45700" anchor="t" anchorCtr="0">
+            <a:noAutofit/>
+          </a:bodyPr>
+          <a:lstStyle/>
+          <a:p>
+            <a:pPr marL="0" marR="0" lvl="0" indent="0" algn="l" rtl="0">
+              <a:lnSpc>
+                <a:spcPct val="100000"/>
+              </a:lnSpc>
+              <a:spcBef>
+                <a:spcPts val="0"/>
+              </a:spcBef>
+              <a:spcAft>
+                <a:spcPts val="0"/>
+              </a:spcAft>
+              <a:buClr>
+                <a:srgbClr val="E8E6E8"/>
+              </a:buClr>
+              <a:buSzPts val="2000"/>
+              <a:buFont typeface="Calibri"/>
+              <a:buNone/>
+            </a:pPr>
+            <a:r>
+              <a:rPr lang="es-ES" sz="2000" b="1" i="0" u="none" strike="noStrike" cap="none" dirty="0">
+                <a:latin typeface="Calibri"/>
+                <a:ea typeface="Calibri"/>
+                <a:cs typeface="Calibri"/>
+                <a:sym typeface="Calibri"/>
+              </a:rPr>
+              <a:t>INDICADOR</a:t>
+            </a:r>
+            <a:endParaRPr dirty="0"/>
+          </a:p>
+          <a:p>
+            <a:pPr marL="0" marR="0" lvl="0" indent="0" algn="l" rtl="0">
+              <a:lnSpc>
+                <a:spcPct val="100000"/>
+              </a:lnSpc>
+              <a:spcBef>
+                <a:spcPts val="0"/>
+              </a:spcBef>
+              <a:spcAft>
+                <a:spcPts val="0"/>
+              </a:spcAft>
+              <a:buClr>
+                <a:srgbClr val="E8E6E8"/>
+              </a:buClr>
+              <a:buSzPts val="2000"/>
+              <a:buFont typeface="Calibri"/>
+              <a:buNone/>
+            </a:pPr>
+            <a:r>
+              <a:rPr lang="es-ES" sz="2000" b="1" i="0" u="none" strike="noStrike" cap="none" dirty="0">
+                <a:latin typeface="Calibri"/>
+                <a:ea typeface="Calibri"/>
+                <a:cs typeface="Calibri"/>
+                <a:sym typeface="Calibri"/>
+              </a:rPr>
+              <a:t>Componente técnico</a:t>
+            </a:r>
+            <a:endParaRPr dirty="0"/>
+          </a:p>
+        </p:txBody>
+      </p:sp>
+      <p:pic>
+        <p:nvPicPr>
+          <p:cNvPr id="8" name="Google Shape;195;p26">
+            <a:extLst>
+              <a:ext uri="{FF2B5EF4-FFF2-40B4-BE49-F238E27FC236}">
+                <a16:creationId xmlns:a16="http://schemas.microsoft.com/office/drawing/2014/main" id="{CE91B931-104F-4C9A-B0B0-9B5939FF1CC8}"/>
+              </a:ext>
+            </a:extLst>
+          </p:cNvPr>
+          <p:cNvPicPr preferRelativeResize="0"/>
+          <p:nvPr/>
+        </p:nvPicPr>
+        <p:blipFill rotWithShape="1">
+          <a:blip r:embed="rId2">
+            <a:alphaModFix/>
+          </a:blip>
+          <a:srcRect/>
+          <a:stretch/>
+        </p:blipFill>
+        <p:spPr>
+          <a:xfrm>
+            <a:off x="231775" y="1223286"/>
+            <a:ext cx="3608303" cy="1860552"/>
+          </a:xfrm>
+          <a:prstGeom prst="rect">
+            <a:avLst/>
+          </a:prstGeom>
+          <a:noFill/>
+          <a:ln>
+            <a:noFill/>
+          </a:ln>
+        </p:spPr>
+      </p:pic>
+      <p:pic>
+        <p:nvPicPr>
+          <p:cNvPr id="9" name="Google Shape;196;p26">
+            <a:extLst>
+              <a:ext uri="{FF2B5EF4-FFF2-40B4-BE49-F238E27FC236}">
+                <a16:creationId xmlns:a16="http://schemas.microsoft.com/office/drawing/2014/main" id="{E95C22F1-6328-4300-AEC8-38E84999C3D3}"/>
+              </a:ext>
+            </a:extLst>
+          </p:cNvPr>
+          <p:cNvPicPr preferRelativeResize="0"/>
+          <p:nvPr/>
+        </p:nvPicPr>
+        <p:blipFill rotWithShape="1">
+          <a:blip r:embed="rId3">
+            <a:alphaModFix/>
+          </a:blip>
+          <a:srcRect/>
+          <a:stretch/>
+        </p:blipFill>
+        <p:spPr>
+          <a:xfrm>
+            <a:off x="4004538" y="2937673"/>
+            <a:ext cx="3769433" cy="1836819"/>
+          </a:xfrm>
+          <a:prstGeom prst="rect">
+            <a:avLst/>
+          </a:prstGeom>
+          <a:noFill/>
+          <a:ln>
+            <a:noFill/>
+          </a:ln>
+        </p:spPr>
+      </p:pic>
+    </p:spTree>
+    <p:extLst>
+      <p:ext uri="{BB962C8B-B14F-4D97-AF65-F5344CB8AC3E}">
+        <p14:creationId xmlns:p14="http://schemas.microsoft.com/office/powerpoint/2010/main" val="759890504"/>
+      </p:ext>
+    </p:extLst>
+  </p:cSld>
+  <p:clrMapOvr>
+    <a:masterClrMapping/>
+  </p:clrMapOvr>
+</p:sld>
+</file>
+
+<file path=ppt/slides/slide16.xml><?xml version="1.0" encoding="utf-8"?>
+<p:sld xmlns:a="http://schemas.openxmlformats.org/drawingml/2006/main" xmlns:r="http://schemas.openxmlformats.org/officeDocument/2006/relationships" xmlns:p="http://schemas.openxmlformats.org/presentationml/2006/main">
+  <p:cSld>
+    <p:spTree>
+      <p:nvGrpSpPr>
+        <p:cNvPr id="1" name=""/>
+        <p:cNvGrpSpPr/>
+        <p:nvPr/>
+      </p:nvGrpSpPr>
+      <p:grpSpPr>
+        <a:xfrm>
+          <a:off x="0" y="0"/>
+          <a:ext cx="0" cy="0"/>
+          <a:chOff x="0" y="0"/>
+          <a:chExt cx="0" cy="0"/>
+        </a:xfrm>
+      </p:grpSpPr>
       <p:sp>
         <p:nvSpPr>
           <p:cNvPr id="8" name="CuadroTexto 7"/>
@@ -4568,15 +7386,15 @@
           <p:nvPr/>
         </p:nvPicPr>
         <p:blipFill>
-          <a:blip r:embed="rId4"/>
+          <a:blip r:embed="rId3"/>
           <a:stretch>
             <a:fillRect/>
           </a:stretch>
         </p:blipFill>
         <p:spPr>
           <a:xfrm flipV="1">
-            <a:off x="7940706" y="1431751"/>
-            <a:ext cx="642357" cy="41563"/>
+            <a:off x="0" y="1481"/>
+            <a:ext cx="9144000" cy="996567"/>
           </a:xfrm>
           <a:prstGeom prst="rect">
             <a:avLst/>
@@ -4592,7 +7410,7 @@
           <p:nvPr/>
         </p:nvPicPr>
         <p:blipFill rotWithShape="1">
-          <a:blip r:embed="rId5">
+          <a:blip r:embed="rId4">
             <a:extLst>
               <a:ext uri="{28A0092B-C50C-407E-A947-70E740481C1C}">
                 <a14:useLocalDpi xmlns:a14="http://schemas.microsoft.com/office/drawing/2010/main" val="0"/>
@@ -4604,12 +7422,339 @@
         </p:blipFill>
         <p:spPr>
           <a:xfrm>
-            <a:off x="297204" y="290458"/>
+            <a:off x="8367676" y="4376283"/>
             <a:ext cx="601377" cy="603694"/>
           </a:xfrm>
           <a:prstGeom prst="rect">
             <a:avLst/>
           </a:prstGeom>
+        </p:spPr>
+      </p:pic>
+      <p:sp>
+        <p:nvSpPr>
+          <p:cNvPr id="7" name="Google Shape;215;p28">
+            <a:extLst>
+              <a:ext uri="{FF2B5EF4-FFF2-40B4-BE49-F238E27FC236}">
+                <a16:creationId xmlns:a16="http://schemas.microsoft.com/office/drawing/2014/main" id="{12EFD058-20CE-44C4-83BF-EF1BD4F5341E}"/>
+              </a:ext>
+            </a:extLst>
+          </p:cNvPr>
+          <p:cNvSpPr txBox="1"/>
+          <p:nvPr/>
+        </p:nvSpPr>
+        <p:spPr>
+          <a:xfrm>
+            <a:off x="475635" y="224630"/>
+            <a:ext cx="2591262" cy="707886"/>
+          </a:xfrm>
+          <a:prstGeom prst="rect">
+            <a:avLst/>
+          </a:prstGeom>
+          <a:noFill/>
+          <a:ln>
+            <a:noFill/>
+          </a:ln>
+        </p:spPr>
+        <p:txBody>
+          <a:bodyPr spcFirstLastPara="1" wrap="square" lIns="91425" tIns="45700" rIns="91425" bIns="45700" anchor="t" anchorCtr="0">
+            <a:noAutofit/>
+          </a:bodyPr>
+          <a:lstStyle/>
+          <a:p>
+            <a:pPr marL="0" marR="0" lvl="0" indent="0" algn="l" rtl="0">
+              <a:lnSpc>
+                <a:spcPct val="100000"/>
+              </a:lnSpc>
+              <a:spcBef>
+                <a:spcPts val="0"/>
+              </a:spcBef>
+              <a:spcAft>
+                <a:spcPts val="0"/>
+              </a:spcAft>
+              <a:buClr>
+                <a:srgbClr val="E8E6E8"/>
+              </a:buClr>
+              <a:buSzPts val="2000"/>
+              <a:buFont typeface="Calibri"/>
+              <a:buNone/>
+            </a:pPr>
+            <a:r>
+              <a:rPr lang="es-ES" sz="2000" b="1" i="0" u="none" strike="noStrike" cap="none" dirty="0">
+                <a:solidFill>
+                  <a:srgbClr val="E8E6E8"/>
+                </a:solidFill>
+                <a:latin typeface="Calibri"/>
+                <a:ea typeface="Calibri"/>
+                <a:cs typeface="Calibri"/>
+                <a:sym typeface="Calibri"/>
+              </a:rPr>
+              <a:t>INDICADOR</a:t>
+            </a:r>
+            <a:endParaRPr dirty="0"/>
+          </a:p>
+          <a:p>
+            <a:pPr marL="0" marR="0" lvl="0" indent="0" algn="l" rtl="0">
+              <a:lnSpc>
+                <a:spcPct val="100000"/>
+              </a:lnSpc>
+              <a:spcBef>
+                <a:spcPts val="0"/>
+              </a:spcBef>
+              <a:spcAft>
+                <a:spcPts val="0"/>
+              </a:spcAft>
+              <a:buClr>
+                <a:srgbClr val="E8E6E8"/>
+              </a:buClr>
+              <a:buSzPts val="2000"/>
+              <a:buFont typeface="Calibri"/>
+              <a:buNone/>
+            </a:pPr>
+            <a:r>
+              <a:rPr lang="es-ES" sz="2000" b="1" i="0" u="none" strike="noStrike" cap="none" dirty="0">
+                <a:solidFill>
+                  <a:srgbClr val="E8E6E8"/>
+                </a:solidFill>
+                <a:latin typeface="Calibri"/>
+                <a:ea typeface="Calibri"/>
+                <a:cs typeface="Calibri"/>
+                <a:sym typeface="Calibri"/>
+              </a:rPr>
+              <a:t>Componente técnico</a:t>
+            </a:r>
+            <a:endParaRPr dirty="0"/>
+          </a:p>
+        </p:txBody>
+      </p:sp>
+      <p:sp>
+        <p:nvSpPr>
+          <p:cNvPr id="10" name="Google Shape;216;p28">
+            <a:extLst>
+              <a:ext uri="{FF2B5EF4-FFF2-40B4-BE49-F238E27FC236}">
+                <a16:creationId xmlns:a16="http://schemas.microsoft.com/office/drawing/2014/main" id="{F70520A8-FC96-4322-A38F-F2C6FD9E2DC8}"/>
+              </a:ext>
+            </a:extLst>
+          </p:cNvPr>
+          <p:cNvSpPr txBox="1"/>
+          <p:nvPr/>
+        </p:nvSpPr>
+        <p:spPr>
+          <a:xfrm>
+            <a:off x="475635" y="1227522"/>
+            <a:ext cx="2591262" cy="400110"/>
+          </a:xfrm>
+          <a:prstGeom prst="rect">
+            <a:avLst/>
+          </a:prstGeom>
+          <a:noFill/>
+          <a:ln>
+            <a:noFill/>
+          </a:ln>
+        </p:spPr>
+        <p:txBody>
+          <a:bodyPr spcFirstLastPara="1" wrap="square" lIns="91425" tIns="45700" rIns="91425" bIns="45700" anchor="t" anchorCtr="0">
+            <a:noAutofit/>
+          </a:bodyPr>
+          <a:lstStyle/>
+          <a:p>
+            <a:pPr marL="0" marR="0" lvl="0" indent="0" algn="l" rtl="0">
+              <a:lnSpc>
+                <a:spcPct val="100000"/>
+              </a:lnSpc>
+              <a:spcBef>
+                <a:spcPts val="0"/>
+              </a:spcBef>
+              <a:spcAft>
+                <a:spcPts val="0"/>
+              </a:spcAft>
+              <a:buClr>
+                <a:schemeClr val="dk1"/>
+              </a:buClr>
+              <a:buSzPts val="2000"/>
+              <a:buFont typeface="Calibri"/>
+              <a:buNone/>
+            </a:pPr>
+            <a:r>
+              <a:rPr lang="es-ES" sz="2000" b="1" dirty="0">
+                <a:solidFill>
+                  <a:schemeClr val="dk1"/>
+                </a:solidFill>
+                <a:latin typeface="Calibri"/>
+                <a:ea typeface="Calibri"/>
+                <a:cs typeface="Calibri"/>
+                <a:sym typeface="Calibri"/>
+              </a:rPr>
+              <a:t>O</a:t>
+            </a:r>
+            <a:r>
+              <a:rPr lang="es-ES" sz="2000" b="1" i="0" u="none" strike="noStrike" cap="none" dirty="0">
+                <a:solidFill>
+                  <a:schemeClr val="dk1"/>
+                </a:solidFill>
+                <a:latin typeface="Calibri"/>
+                <a:ea typeface="Calibri"/>
+                <a:cs typeface="Calibri"/>
+                <a:sym typeface="Calibri"/>
+              </a:rPr>
+              <a:t>bservación</a:t>
+            </a:r>
+            <a:endParaRPr dirty="0"/>
+          </a:p>
+        </p:txBody>
+      </p:sp>
+      <p:pic>
+        <p:nvPicPr>
+          <p:cNvPr id="12" name="Google Shape;219;p28">
+            <a:extLst>
+              <a:ext uri="{FF2B5EF4-FFF2-40B4-BE49-F238E27FC236}">
+                <a16:creationId xmlns:a16="http://schemas.microsoft.com/office/drawing/2014/main" id="{39148A17-ECD7-47B5-88E4-FE6B98E84D6B}"/>
+              </a:ext>
+            </a:extLst>
+          </p:cNvPr>
+          <p:cNvPicPr preferRelativeResize="0"/>
+          <p:nvPr/>
+        </p:nvPicPr>
+        <p:blipFill rotWithShape="1">
+          <a:blip r:embed="rId5">
+            <a:alphaModFix/>
+          </a:blip>
+          <a:srcRect/>
+          <a:stretch/>
+        </p:blipFill>
+        <p:spPr>
+          <a:xfrm>
+            <a:off x="7278231" y="1314221"/>
+            <a:ext cx="1489808" cy="780287"/>
+          </a:xfrm>
+          <a:prstGeom prst="rect">
+            <a:avLst/>
+          </a:prstGeom>
+          <a:noFill/>
+          <a:ln>
+            <a:noFill/>
+          </a:ln>
+        </p:spPr>
+      </p:pic>
+      <p:sp>
+        <p:nvSpPr>
+          <p:cNvPr id="13" name="Google Shape;218;p28">
+            <a:extLst>
+              <a:ext uri="{FF2B5EF4-FFF2-40B4-BE49-F238E27FC236}">
+                <a16:creationId xmlns:a16="http://schemas.microsoft.com/office/drawing/2014/main" id="{91A88496-0B55-4371-9469-7ABF96079FD4}"/>
+              </a:ext>
+            </a:extLst>
+          </p:cNvPr>
+          <p:cNvSpPr txBox="1"/>
+          <p:nvPr/>
+        </p:nvSpPr>
+        <p:spPr>
+          <a:xfrm>
+            <a:off x="1155387" y="1818895"/>
+            <a:ext cx="5936906" cy="1169551"/>
+          </a:xfrm>
+          <a:prstGeom prst="rect">
+            <a:avLst/>
+          </a:prstGeom>
+          <a:noFill/>
+          <a:ln>
+            <a:noFill/>
+          </a:ln>
+        </p:spPr>
+        <p:txBody>
+          <a:bodyPr spcFirstLastPara="1" wrap="square" lIns="91425" tIns="45700" rIns="91425" bIns="45700" anchor="t" anchorCtr="0">
+            <a:noAutofit/>
+          </a:bodyPr>
+          <a:lstStyle/>
+          <a:p>
+            <a:pPr marL="0" marR="0" lvl="0" indent="0" algn="just" rtl="0">
+              <a:lnSpc>
+                <a:spcPct val="100000"/>
+              </a:lnSpc>
+              <a:spcBef>
+                <a:spcPts val="0"/>
+              </a:spcBef>
+              <a:spcAft>
+                <a:spcPts val="0"/>
+              </a:spcAft>
+              <a:buClr>
+                <a:srgbClr val="5E5C5D"/>
+              </a:buClr>
+              <a:buSzPts val="1600"/>
+              <a:buFont typeface="Calibri"/>
+              <a:buNone/>
+            </a:pPr>
+            <a:r>
+              <a:rPr lang="es-ES" sz="1600" b="0" i="0" u="none" strike="noStrike" cap="none" dirty="0">
+                <a:solidFill>
+                  <a:srgbClr val="5E5C5D"/>
+                </a:solidFill>
+                <a:latin typeface="Calibri"/>
+                <a:ea typeface="Calibri"/>
+                <a:cs typeface="Calibri"/>
+                <a:sym typeface="Calibri"/>
+              </a:rPr>
+              <a:t>Esta técnica de recolección fue de ayuda en cuanto a los inventarios de la empresa </a:t>
+            </a:r>
+            <a:r>
+              <a:rPr lang="es-ES" sz="1600" dirty="0">
+                <a:solidFill>
+                  <a:srgbClr val="5E5C5D"/>
+                </a:solidFill>
+                <a:latin typeface="Calibri"/>
+                <a:ea typeface="Calibri"/>
+                <a:cs typeface="Calibri"/>
+                <a:sym typeface="Calibri"/>
+              </a:rPr>
+              <a:t>SANIGGI</a:t>
+            </a:r>
+            <a:r>
+              <a:rPr lang="es-ES" sz="1600" b="0" i="0" u="none" strike="noStrike" cap="none" dirty="0">
+                <a:solidFill>
+                  <a:srgbClr val="5E5C5D"/>
+                </a:solidFill>
+                <a:latin typeface="Calibri"/>
+                <a:ea typeface="Calibri"/>
+                <a:cs typeface="Calibri"/>
+                <a:sym typeface="Calibri"/>
+              </a:rPr>
+              <a:t> S.A.S y necesidad que se evidenciaba de la falta de organización y ahorro de papel </a:t>
+            </a:r>
+            <a:endParaRPr dirty="0"/>
+          </a:p>
+        </p:txBody>
+      </p:sp>
+      <p:pic>
+        <p:nvPicPr>
+          <p:cNvPr id="14" name="Google Shape;220;p28">
+            <a:hlinkClick r:id="rId6" action="ppaction://hlinkfile"/>
+            <a:extLst>
+              <a:ext uri="{FF2B5EF4-FFF2-40B4-BE49-F238E27FC236}">
+                <a16:creationId xmlns:a16="http://schemas.microsoft.com/office/drawing/2014/main" id="{1B2237C7-B087-40BE-A417-E6DFBF37713E}"/>
+              </a:ext>
+            </a:extLst>
+          </p:cNvPr>
+          <p:cNvPicPr preferRelativeResize="0"/>
+          <p:nvPr/>
+        </p:nvPicPr>
+        <p:blipFill rotWithShape="1">
+          <a:blip r:embed="rId7">
+            <a:alphaModFix/>
+          </a:blip>
+          <a:srcRect/>
+          <a:stretch/>
+        </p:blipFill>
+        <p:spPr>
+          <a:xfrm>
+            <a:off x="3066897" y="2773859"/>
+            <a:ext cx="3243353" cy="1847248"/>
+          </a:xfrm>
+          <a:prstGeom prst="rect">
+            <a:avLst/>
+          </a:prstGeom>
+          <a:noFill/>
+          <a:ln>
+            <a:noFill/>
+          </a:ln>
         </p:spPr>
       </p:pic>
     </p:spTree>
@@ -4625,7 +7770,4227 @@
 </p:sld>
 </file>
 
-<file path=ppt/slides/slide12.xml><?xml version="1.0" encoding="utf-8"?>
+<file path=ppt/slides/slide17.xml><?xml version="1.0" encoding="utf-8"?>
+<p:sld xmlns:a="http://schemas.openxmlformats.org/drawingml/2006/main" xmlns:r="http://schemas.openxmlformats.org/officeDocument/2006/relationships" xmlns:p="http://schemas.openxmlformats.org/presentationml/2006/main">
+  <p:cSld>
+    <p:spTree>
+      <p:nvGrpSpPr>
+        <p:cNvPr id="1" name=""/>
+        <p:cNvGrpSpPr/>
+        <p:nvPr/>
+      </p:nvGrpSpPr>
+      <p:grpSpPr>
+        <a:xfrm>
+          <a:off x="0" y="0"/>
+          <a:ext cx="0" cy="0"/>
+          <a:chOff x="0" y="0"/>
+          <a:chExt cx="0" cy="0"/>
+        </a:xfrm>
+      </p:grpSpPr>
+      <p:sp>
+        <p:nvSpPr>
+          <p:cNvPr id="8" name="CuadroTexto 7"/>
+          <p:cNvSpPr txBox="1"/>
+          <p:nvPr/>
+        </p:nvSpPr>
+        <p:spPr>
+          <a:xfrm>
+            <a:off x="5888097" y="767217"/>
+            <a:ext cx="2780268" cy="461665"/>
+          </a:xfrm>
+          <a:prstGeom prst="rect">
+            <a:avLst/>
+          </a:prstGeom>
+          <a:noFill/>
+        </p:spPr>
+        <p:txBody>
+          <a:bodyPr wrap="square" rtlCol="0">
+            <a:spAutoFit/>
+          </a:bodyPr>
+          <a:lstStyle/>
+          <a:p>
+            <a:pPr algn="r"/>
+            <a:r>
+              <a:rPr lang="es-ES" sz="2400" b="1" dirty="0">
+                <a:solidFill>
+                  <a:schemeClr val="bg1"/>
+                </a:solidFill>
+                <a:latin typeface="Work sans"/>
+                <a:cs typeface="Work sans"/>
+              </a:rPr>
+              <a:t>Título</a:t>
+            </a:r>
+          </a:p>
+        </p:txBody>
+      </p:sp>
+      <p:sp>
+        <p:nvSpPr>
+          <p:cNvPr id="9" name="CuadroTexto 8"/>
+          <p:cNvSpPr txBox="1"/>
+          <p:nvPr/>
+        </p:nvSpPr>
+        <p:spPr>
+          <a:xfrm>
+            <a:off x="6331374" y="1598585"/>
+            <a:ext cx="2336991" cy="584776"/>
+          </a:xfrm>
+          <a:prstGeom prst="rect">
+            <a:avLst/>
+          </a:prstGeom>
+          <a:noFill/>
+        </p:spPr>
+        <p:txBody>
+          <a:bodyPr wrap="square" rtlCol="0">
+            <a:spAutoFit/>
+          </a:bodyPr>
+          <a:lstStyle/>
+          <a:p>
+            <a:pPr algn="r"/>
+            <a:r>
+              <a:rPr lang="es-ES" sz="1600" dirty="0">
+                <a:solidFill>
+                  <a:schemeClr val="bg1"/>
+                </a:solidFill>
+                <a:latin typeface="Work sans"/>
+                <a:cs typeface="Work sans"/>
+              </a:rPr>
+              <a:t>Espacio para frase concreta.</a:t>
+            </a:r>
+          </a:p>
+        </p:txBody>
+      </p:sp>
+      <p:pic>
+        <p:nvPicPr>
+          <p:cNvPr id="11" name="Imagen 10"/>
+          <p:cNvPicPr>
+            <a:picLocks noChangeAspect="1"/>
+          </p:cNvPicPr>
+          <p:nvPr/>
+        </p:nvPicPr>
+        <p:blipFill>
+          <a:blip r:embed="rId3"/>
+          <a:stretch>
+            <a:fillRect/>
+          </a:stretch>
+        </p:blipFill>
+        <p:spPr>
+          <a:xfrm flipV="1">
+            <a:off x="0" y="1481"/>
+            <a:ext cx="9144000" cy="996567"/>
+          </a:xfrm>
+          <a:prstGeom prst="rect">
+            <a:avLst/>
+          </a:prstGeom>
+        </p:spPr>
+      </p:pic>
+      <p:pic>
+        <p:nvPicPr>
+          <p:cNvPr id="16" name="Imagen 15" descr="naranja.png"/>
+          <p:cNvPicPr>
+            <a:picLocks noChangeAspect="1"/>
+          </p:cNvPicPr>
+          <p:nvPr/>
+        </p:nvPicPr>
+        <p:blipFill rotWithShape="1">
+          <a:blip r:embed="rId4">
+            <a:extLst>
+              <a:ext uri="{28A0092B-C50C-407E-A947-70E740481C1C}">
+                <a14:useLocalDpi xmlns:a14="http://schemas.microsoft.com/office/drawing/2010/main" val="0"/>
+              </a:ext>
+            </a:extLst>
+          </a:blip>
+          <a:srcRect l="21032" t="19996" r="22452" b="17818"/>
+          <a:stretch/>
+        </p:blipFill>
+        <p:spPr>
+          <a:xfrm>
+            <a:off x="8367676" y="4376283"/>
+            <a:ext cx="601377" cy="603694"/>
+          </a:xfrm>
+          <a:prstGeom prst="rect">
+            <a:avLst/>
+          </a:prstGeom>
+        </p:spPr>
+      </p:pic>
+      <p:sp>
+        <p:nvSpPr>
+          <p:cNvPr id="7" name="Google Shape;215;p28">
+            <a:extLst>
+              <a:ext uri="{FF2B5EF4-FFF2-40B4-BE49-F238E27FC236}">
+                <a16:creationId xmlns:a16="http://schemas.microsoft.com/office/drawing/2014/main" id="{12EFD058-20CE-44C4-83BF-EF1BD4F5341E}"/>
+              </a:ext>
+            </a:extLst>
+          </p:cNvPr>
+          <p:cNvSpPr txBox="1"/>
+          <p:nvPr/>
+        </p:nvSpPr>
+        <p:spPr>
+          <a:xfrm>
+            <a:off x="475635" y="224630"/>
+            <a:ext cx="2591262" cy="707886"/>
+          </a:xfrm>
+          <a:prstGeom prst="rect">
+            <a:avLst/>
+          </a:prstGeom>
+          <a:noFill/>
+          <a:ln>
+            <a:noFill/>
+          </a:ln>
+        </p:spPr>
+        <p:txBody>
+          <a:bodyPr spcFirstLastPara="1" wrap="square" lIns="91425" tIns="45700" rIns="91425" bIns="45700" anchor="t" anchorCtr="0">
+            <a:noAutofit/>
+          </a:bodyPr>
+          <a:lstStyle/>
+          <a:p>
+            <a:pPr marL="0" marR="0" lvl="0" indent="0" algn="l" rtl="0">
+              <a:lnSpc>
+                <a:spcPct val="100000"/>
+              </a:lnSpc>
+              <a:spcBef>
+                <a:spcPts val="0"/>
+              </a:spcBef>
+              <a:spcAft>
+                <a:spcPts val="0"/>
+              </a:spcAft>
+              <a:buClr>
+                <a:srgbClr val="E8E6E8"/>
+              </a:buClr>
+              <a:buSzPts val="2000"/>
+              <a:buFont typeface="Calibri"/>
+              <a:buNone/>
+            </a:pPr>
+            <a:r>
+              <a:rPr lang="es-ES" sz="2000" b="1" i="0" u="none" strike="noStrike" cap="none" dirty="0">
+                <a:solidFill>
+                  <a:srgbClr val="E8E6E8"/>
+                </a:solidFill>
+                <a:latin typeface="Calibri"/>
+                <a:ea typeface="Calibri"/>
+                <a:cs typeface="Calibri"/>
+                <a:sym typeface="Calibri"/>
+              </a:rPr>
+              <a:t>INDICADOR</a:t>
+            </a:r>
+            <a:endParaRPr dirty="0"/>
+          </a:p>
+          <a:p>
+            <a:pPr marL="0" marR="0" lvl="0" indent="0" algn="l" rtl="0">
+              <a:lnSpc>
+                <a:spcPct val="100000"/>
+              </a:lnSpc>
+              <a:spcBef>
+                <a:spcPts val="0"/>
+              </a:spcBef>
+              <a:spcAft>
+                <a:spcPts val="0"/>
+              </a:spcAft>
+              <a:buClr>
+                <a:srgbClr val="E8E6E8"/>
+              </a:buClr>
+              <a:buSzPts val="2000"/>
+              <a:buFont typeface="Calibri"/>
+              <a:buNone/>
+            </a:pPr>
+            <a:r>
+              <a:rPr lang="es-ES" sz="2000" b="1" i="0" u="none" strike="noStrike" cap="none" dirty="0">
+                <a:solidFill>
+                  <a:srgbClr val="E8E6E8"/>
+                </a:solidFill>
+                <a:latin typeface="Calibri"/>
+                <a:ea typeface="Calibri"/>
+                <a:cs typeface="Calibri"/>
+                <a:sym typeface="Calibri"/>
+              </a:rPr>
+              <a:t>Componente técnico</a:t>
+            </a:r>
+            <a:endParaRPr dirty="0"/>
+          </a:p>
+        </p:txBody>
+      </p:sp>
+      <p:sp>
+        <p:nvSpPr>
+          <p:cNvPr id="15" name="Google Shape;203;p27">
+            <a:extLst>
+              <a:ext uri="{FF2B5EF4-FFF2-40B4-BE49-F238E27FC236}">
+                <a16:creationId xmlns:a16="http://schemas.microsoft.com/office/drawing/2014/main" id="{135A129F-13D2-448F-88E2-A1678DDBB1E6}"/>
+              </a:ext>
+            </a:extLst>
+          </p:cNvPr>
+          <p:cNvSpPr txBox="1"/>
+          <p:nvPr/>
+        </p:nvSpPr>
+        <p:spPr>
+          <a:xfrm>
+            <a:off x="475635" y="983058"/>
+            <a:ext cx="2591400" cy="400200"/>
+          </a:xfrm>
+          <a:prstGeom prst="rect">
+            <a:avLst/>
+          </a:prstGeom>
+          <a:noFill/>
+          <a:ln>
+            <a:noFill/>
+          </a:ln>
+        </p:spPr>
+        <p:txBody>
+          <a:bodyPr spcFirstLastPara="1" wrap="square" lIns="91425" tIns="45700" rIns="91425" bIns="45700" anchor="t" anchorCtr="0">
+            <a:noAutofit/>
+          </a:bodyPr>
+          <a:lstStyle/>
+          <a:p>
+            <a:pPr marL="0" marR="0" lvl="0" indent="0" algn="l" rtl="0">
+              <a:lnSpc>
+                <a:spcPct val="100000"/>
+              </a:lnSpc>
+              <a:spcBef>
+                <a:spcPts val="0"/>
+              </a:spcBef>
+              <a:spcAft>
+                <a:spcPts val="0"/>
+              </a:spcAft>
+              <a:buClr>
+                <a:schemeClr val="dk1"/>
+              </a:buClr>
+              <a:buSzPts val="2000"/>
+              <a:buFont typeface="Calibri"/>
+              <a:buNone/>
+            </a:pPr>
+            <a:r>
+              <a:rPr lang="es-ES" sz="2000" b="1" dirty="0">
+                <a:solidFill>
+                  <a:schemeClr val="dk1"/>
+                </a:solidFill>
+                <a:latin typeface="Calibri"/>
+                <a:ea typeface="Calibri"/>
+                <a:cs typeface="Calibri"/>
+                <a:sym typeface="Calibri"/>
+              </a:rPr>
+              <a:t>Mapa procesos </a:t>
+            </a:r>
+            <a:endParaRPr dirty="0"/>
+          </a:p>
+        </p:txBody>
+      </p:sp>
+      <p:pic>
+        <p:nvPicPr>
+          <p:cNvPr id="17" name="Imagen 16">
+            <a:hlinkClick r:id="rId5" action="ppaction://hlinkfile"/>
+            <a:extLst>
+              <a:ext uri="{FF2B5EF4-FFF2-40B4-BE49-F238E27FC236}">
+                <a16:creationId xmlns:a16="http://schemas.microsoft.com/office/drawing/2014/main" id="{66F9C684-6DF1-4902-9130-C6F9B19D24B4}"/>
+              </a:ext>
+            </a:extLst>
+          </p:cNvPr>
+          <p:cNvPicPr>
+            <a:picLocks noChangeAspect="1"/>
+          </p:cNvPicPr>
+          <p:nvPr/>
+        </p:nvPicPr>
+        <p:blipFill>
+          <a:blip r:embed="rId6">
+            <a:extLst>
+              <a:ext uri="{28A0092B-C50C-407E-A947-70E740481C1C}">
+                <a14:useLocalDpi xmlns:a14="http://schemas.microsoft.com/office/drawing/2010/main" val="0"/>
+              </a:ext>
+            </a:extLst>
+          </a:blip>
+          <a:stretch>
+            <a:fillRect/>
+          </a:stretch>
+        </p:blipFill>
+        <p:spPr>
+          <a:xfrm>
+            <a:off x="517417" y="1322535"/>
+            <a:ext cx="7850259" cy="3819484"/>
+          </a:xfrm>
+          <a:prstGeom prst="rect">
+            <a:avLst/>
+          </a:prstGeom>
+        </p:spPr>
+      </p:pic>
+    </p:spTree>
+    <p:extLst>
+      <p:ext uri="{BB962C8B-B14F-4D97-AF65-F5344CB8AC3E}">
+        <p14:creationId xmlns:p14="http://schemas.microsoft.com/office/powerpoint/2010/main" val="3783834032"/>
+      </p:ext>
+    </p:extLst>
+  </p:cSld>
+  <p:clrMapOvr>
+    <a:masterClrMapping/>
+  </p:clrMapOvr>
+</p:sld>
+</file>
+
+<file path=ppt/slides/slide18.xml><?xml version="1.0" encoding="utf-8"?>
+<p:sld xmlns:a="http://schemas.openxmlformats.org/drawingml/2006/main" xmlns:r="http://schemas.openxmlformats.org/officeDocument/2006/relationships" xmlns:p="http://schemas.openxmlformats.org/presentationml/2006/main">
+  <p:cSld>
+    <p:spTree>
+      <p:nvGrpSpPr>
+        <p:cNvPr id="1" name=""/>
+        <p:cNvGrpSpPr/>
+        <p:nvPr/>
+      </p:nvGrpSpPr>
+      <p:grpSpPr>
+        <a:xfrm>
+          <a:off x="0" y="0"/>
+          <a:ext cx="0" cy="0"/>
+          <a:chOff x="0" y="0"/>
+          <a:chExt cx="0" cy="0"/>
+        </a:xfrm>
+      </p:grpSpPr>
+      <p:sp>
+        <p:nvSpPr>
+          <p:cNvPr id="8" name="CuadroTexto 7"/>
+          <p:cNvSpPr txBox="1"/>
+          <p:nvPr/>
+        </p:nvSpPr>
+        <p:spPr>
+          <a:xfrm>
+            <a:off x="5888097" y="767217"/>
+            <a:ext cx="2780268" cy="461665"/>
+          </a:xfrm>
+          <a:prstGeom prst="rect">
+            <a:avLst/>
+          </a:prstGeom>
+          <a:noFill/>
+        </p:spPr>
+        <p:txBody>
+          <a:bodyPr wrap="square" rtlCol="0">
+            <a:spAutoFit/>
+          </a:bodyPr>
+          <a:lstStyle/>
+          <a:p>
+            <a:pPr algn="r"/>
+            <a:r>
+              <a:rPr lang="es-ES" sz="2400" b="1" dirty="0">
+                <a:solidFill>
+                  <a:schemeClr val="bg1"/>
+                </a:solidFill>
+                <a:latin typeface="Work sans"/>
+                <a:cs typeface="Work sans"/>
+              </a:rPr>
+              <a:t>Título</a:t>
+            </a:r>
+          </a:p>
+        </p:txBody>
+      </p:sp>
+      <p:sp>
+        <p:nvSpPr>
+          <p:cNvPr id="9" name="CuadroTexto 8"/>
+          <p:cNvSpPr txBox="1"/>
+          <p:nvPr/>
+        </p:nvSpPr>
+        <p:spPr>
+          <a:xfrm>
+            <a:off x="6331374" y="1598585"/>
+            <a:ext cx="2336991" cy="584776"/>
+          </a:xfrm>
+          <a:prstGeom prst="rect">
+            <a:avLst/>
+          </a:prstGeom>
+          <a:noFill/>
+        </p:spPr>
+        <p:txBody>
+          <a:bodyPr wrap="square" rtlCol="0">
+            <a:spAutoFit/>
+          </a:bodyPr>
+          <a:lstStyle/>
+          <a:p>
+            <a:pPr algn="r"/>
+            <a:r>
+              <a:rPr lang="es-ES" sz="1600" dirty="0">
+                <a:solidFill>
+                  <a:schemeClr val="bg1"/>
+                </a:solidFill>
+                <a:latin typeface="Work sans"/>
+                <a:cs typeface="Work sans"/>
+              </a:rPr>
+              <a:t>Espacio para frase concreta.</a:t>
+            </a:r>
+          </a:p>
+        </p:txBody>
+      </p:sp>
+      <p:pic>
+        <p:nvPicPr>
+          <p:cNvPr id="11" name="Imagen 10"/>
+          <p:cNvPicPr>
+            <a:picLocks noChangeAspect="1"/>
+          </p:cNvPicPr>
+          <p:nvPr/>
+        </p:nvPicPr>
+        <p:blipFill>
+          <a:blip r:embed="rId3"/>
+          <a:stretch>
+            <a:fillRect/>
+          </a:stretch>
+        </p:blipFill>
+        <p:spPr>
+          <a:xfrm flipV="1">
+            <a:off x="0" y="1481"/>
+            <a:ext cx="9144000" cy="996567"/>
+          </a:xfrm>
+          <a:prstGeom prst="rect">
+            <a:avLst/>
+          </a:prstGeom>
+        </p:spPr>
+      </p:pic>
+      <p:pic>
+        <p:nvPicPr>
+          <p:cNvPr id="16" name="Imagen 15" descr="naranja.png"/>
+          <p:cNvPicPr>
+            <a:picLocks noChangeAspect="1"/>
+          </p:cNvPicPr>
+          <p:nvPr/>
+        </p:nvPicPr>
+        <p:blipFill rotWithShape="1">
+          <a:blip r:embed="rId4">
+            <a:extLst>
+              <a:ext uri="{28A0092B-C50C-407E-A947-70E740481C1C}">
+                <a14:useLocalDpi xmlns:a14="http://schemas.microsoft.com/office/drawing/2010/main" val="0"/>
+              </a:ext>
+            </a:extLst>
+          </a:blip>
+          <a:srcRect l="21032" t="19996" r="22452" b="17818"/>
+          <a:stretch/>
+        </p:blipFill>
+        <p:spPr>
+          <a:xfrm>
+            <a:off x="8367676" y="4376283"/>
+            <a:ext cx="601377" cy="603694"/>
+          </a:xfrm>
+          <a:prstGeom prst="rect">
+            <a:avLst/>
+          </a:prstGeom>
+        </p:spPr>
+      </p:pic>
+      <p:sp>
+        <p:nvSpPr>
+          <p:cNvPr id="7" name="Google Shape;215;p28">
+            <a:extLst>
+              <a:ext uri="{FF2B5EF4-FFF2-40B4-BE49-F238E27FC236}">
+                <a16:creationId xmlns:a16="http://schemas.microsoft.com/office/drawing/2014/main" id="{12EFD058-20CE-44C4-83BF-EF1BD4F5341E}"/>
+              </a:ext>
+            </a:extLst>
+          </p:cNvPr>
+          <p:cNvSpPr txBox="1"/>
+          <p:nvPr/>
+        </p:nvSpPr>
+        <p:spPr>
+          <a:xfrm>
+            <a:off x="475635" y="224630"/>
+            <a:ext cx="2591262" cy="707886"/>
+          </a:xfrm>
+          <a:prstGeom prst="rect">
+            <a:avLst/>
+          </a:prstGeom>
+          <a:noFill/>
+          <a:ln>
+            <a:noFill/>
+          </a:ln>
+        </p:spPr>
+        <p:txBody>
+          <a:bodyPr spcFirstLastPara="1" wrap="square" lIns="91425" tIns="45700" rIns="91425" bIns="45700" anchor="t" anchorCtr="0">
+            <a:noAutofit/>
+          </a:bodyPr>
+          <a:lstStyle/>
+          <a:p>
+            <a:pPr marL="0" marR="0" lvl="0" indent="0" algn="l" rtl="0">
+              <a:lnSpc>
+                <a:spcPct val="100000"/>
+              </a:lnSpc>
+              <a:spcBef>
+                <a:spcPts val="0"/>
+              </a:spcBef>
+              <a:spcAft>
+                <a:spcPts val="0"/>
+              </a:spcAft>
+              <a:buClr>
+                <a:srgbClr val="E8E6E8"/>
+              </a:buClr>
+              <a:buSzPts val="2000"/>
+              <a:buFont typeface="Calibri"/>
+              <a:buNone/>
+            </a:pPr>
+            <a:r>
+              <a:rPr lang="es-ES" sz="2000" b="1" i="0" u="none" strike="noStrike" cap="none" dirty="0">
+                <a:solidFill>
+                  <a:srgbClr val="E8E6E8"/>
+                </a:solidFill>
+                <a:latin typeface="Calibri"/>
+                <a:ea typeface="Calibri"/>
+                <a:cs typeface="Calibri"/>
+                <a:sym typeface="Calibri"/>
+              </a:rPr>
+              <a:t>INDICADOR</a:t>
+            </a:r>
+            <a:endParaRPr dirty="0"/>
+          </a:p>
+          <a:p>
+            <a:pPr marL="0" marR="0" lvl="0" indent="0" algn="l" rtl="0">
+              <a:lnSpc>
+                <a:spcPct val="100000"/>
+              </a:lnSpc>
+              <a:spcBef>
+                <a:spcPts val="0"/>
+              </a:spcBef>
+              <a:spcAft>
+                <a:spcPts val="0"/>
+              </a:spcAft>
+              <a:buClr>
+                <a:srgbClr val="E8E6E8"/>
+              </a:buClr>
+              <a:buSzPts val="2000"/>
+              <a:buFont typeface="Calibri"/>
+              <a:buNone/>
+            </a:pPr>
+            <a:r>
+              <a:rPr lang="es-ES" sz="2000" b="1" i="0" u="none" strike="noStrike" cap="none" dirty="0">
+                <a:solidFill>
+                  <a:srgbClr val="E8E6E8"/>
+                </a:solidFill>
+                <a:latin typeface="Calibri"/>
+                <a:ea typeface="Calibri"/>
+                <a:cs typeface="Calibri"/>
+                <a:sym typeface="Calibri"/>
+              </a:rPr>
+              <a:t>Componente técnico</a:t>
+            </a:r>
+            <a:endParaRPr dirty="0"/>
+          </a:p>
+        </p:txBody>
+      </p:sp>
+      <p:sp>
+        <p:nvSpPr>
+          <p:cNvPr id="12" name="Google Shape;245;p31">
+            <a:extLst>
+              <a:ext uri="{FF2B5EF4-FFF2-40B4-BE49-F238E27FC236}">
+                <a16:creationId xmlns:a16="http://schemas.microsoft.com/office/drawing/2014/main" id="{4C0561D4-FCF1-4D91-A47B-982A57F96A3F}"/>
+              </a:ext>
+            </a:extLst>
+          </p:cNvPr>
+          <p:cNvSpPr txBox="1"/>
+          <p:nvPr/>
+        </p:nvSpPr>
+        <p:spPr>
+          <a:xfrm>
+            <a:off x="954675" y="1398530"/>
+            <a:ext cx="3489734" cy="400110"/>
+          </a:xfrm>
+          <a:prstGeom prst="rect">
+            <a:avLst/>
+          </a:prstGeom>
+          <a:noFill/>
+          <a:ln>
+            <a:noFill/>
+          </a:ln>
+        </p:spPr>
+        <p:txBody>
+          <a:bodyPr spcFirstLastPara="1" wrap="square" lIns="91425" tIns="45700" rIns="91425" bIns="45700" anchor="t" anchorCtr="0">
+            <a:noAutofit/>
+          </a:bodyPr>
+          <a:lstStyle/>
+          <a:p>
+            <a:pPr marL="0" marR="0" lvl="0" indent="0" algn="l" rtl="0">
+              <a:lnSpc>
+                <a:spcPct val="100000"/>
+              </a:lnSpc>
+              <a:spcBef>
+                <a:spcPts val="0"/>
+              </a:spcBef>
+              <a:spcAft>
+                <a:spcPts val="0"/>
+              </a:spcAft>
+              <a:buClr>
+                <a:schemeClr val="dk1"/>
+              </a:buClr>
+              <a:buSzPts val="2000"/>
+              <a:buFont typeface="Calibri"/>
+              <a:buNone/>
+            </a:pPr>
+            <a:r>
+              <a:rPr lang="es-ES" sz="2000" b="1" i="0" u="none" strike="noStrike" cap="none" dirty="0">
+                <a:solidFill>
+                  <a:schemeClr val="dk1"/>
+                </a:solidFill>
+                <a:latin typeface="Calibri"/>
+                <a:ea typeface="Calibri"/>
+                <a:cs typeface="Calibri"/>
+                <a:sym typeface="Calibri"/>
+              </a:rPr>
+              <a:t>Requerimientos funcionales </a:t>
+            </a:r>
+            <a:endParaRPr dirty="0"/>
+          </a:p>
+        </p:txBody>
+      </p:sp>
+      <p:sp>
+        <p:nvSpPr>
+          <p:cNvPr id="13" name="Google Shape;247;p31">
+            <a:extLst>
+              <a:ext uri="{FF2B5EF4-FFF2-40B4-BE49-F238E27FC236}">
+                <a16:creationId xmlns:a16="http://schemas.microsoft.com/office/drawing/2014/main" id="{8AE7A748-D434-4687-B506-B6C713A77C84}"/>
+              </a:ext>
+            </a:extLst>
+          </p:cNvPr>
+          <p:cNvSpPr txBox="1"/>
+          <p:nvPr/>
+        </p:nvSpPr>
+        <p:spPr>
+          <a:xfrm>
+            <a:off x="1708185" y="2168343"/>
+            <a:ext cx="5727630" cy="1821706"/>
+          </a:xfrm>
+          <a:prstGeom prst="rect">
+            <a:avLst/>
+          </a:prstGeom>
+          <a:noFill/>
+          <a:ln>
+            <a:noFill/>
+          </a:ln>
+        </p:spPr>
+        <p:txBody>
+          <a:bodyPr spcFirstLastPara="1" wrap="square" lIns="91425" tIns="45700" rIns="91425" bIns="45700" anchor="t" anchorCtr="0">
+            <a:noAutofit/>
+          </a:bodyPr>
+          <a:lstStyle/>
+          <a:p>
+            <a:pPr marL="0" marR="0" lvl="0" indent="0" algn="just" rtl="0">
+              <a:lnSpc>
+                <a:spcPct val="100000"/>
+              </a:lnSpc>
+              <a:spcBef>
+                <a:spcPts val="0"/>
+              </a:spcBef>
+              <a:spcAft>
+                <a:spcPts val="0"/>
+              </a:spcAft>
+              <a:buClr>
+                <a:srgbClr val="5E5C5D"/>
+              </a:buClr>
+              <a:buSzPts val="2000"/>
+              <a:buFont typeface="Calibri"/>
+              <a:buNone/>
+            </a:pPr>
+            <a:r>
+              <a:rPr lang="es-ES" sz="2000" b="0" i="0" u="none" strike="noStrike" cap="none" dirty="0">
+                <a:solidFill>
+                  <a:srgbClr val="5E5C5D"/>
+                </a:solidFill>
+                <a:latin typeface="Calibri"/>
+                <a:ea typeface="Calibri"/>
+                <a:cs typeface="Calibri"/>
+                <a:sym typeface="Calibri"/>
+              </a:rPr>
+              <a:t>Los requerimientos funcionales de la pagina S.O.S DOCUMENTAL, son aquellos requisitos que necesita el cliente , como el registro de usuario ,una búsqueda rápida y capetas que ordenen los documentos que se van ha almacenar en la plataforma </a:t>
+            </a:r>
+            <a:endParaRPr dirty="0"/>
+          </a:p>
+        </p:txBody>
+      </p:sp>
+    </p:spTree>
+    <p:extLst>
+      <p:ext uri="{BB962C8B-B14F-4D97-AF65-F5344CB8AC3E}">
+        <p14:creationId xmlns:p14="http://schemas.microsoft.com/office/powerpoint/2010/main" val="1920696468"/>
+      </p:ext>
+    </p:extLst>
+  </p:cSld>
+  <p:clrMapOvr>
+    <a:masterClrMapping/>
+  </p:clrMapOvr>
+</p:sld>
+</file>
+
+<file path=ppt/slides/slide19.xml><?xml version="1.0" encoding="utf-8"?>
+<p:sld xmlns:a="http://schemas.openxmlformats.org/drawingml/2006/main" xmlns:r="http://schemas.openxmlformats.org/officeDocument/2006/relationships" xmlns:p="http://schemas.openxmlformats.org/presentationml/2006/main">
+  <p:cSld>
+    <p:spTree>
+      <p:nvGrpSpPr>
+        <p:cNvPr id="1" name=""/>
+        <p:cNvGrpSpPr/>
+        <p:nvPr/>
+      </p:nvGrpSpPr>
+      <p:grpSpPr>
+        <a:xfrm>
+          <a:off x="0" y="0"/>
+          <a:ext cx="0" cy="0"/>
+          <a:chOff x="0" y="0"/>
+          <a:chExt cx="0" cy="0"/>
+        </a:xfrm>
+      </p:grpSpPr>
+      <p:sp>
+        <p:nvSpPr>
+          <p:cNvPr id="8" name="CuadroTexto 7"/>
+          <p:cNvSpPr txBox="1"/>
+          <p:nvPr/>
+        </p:nvSpPr>
+        <p:spPr>
+          <a:xfrm>
+            <a:off x="5888097" y="767217"/>
+            <a:ext cx="2780268" cy="461665"/>
+          </a:xfrm>
+          <a:prstGeom prst="rect">
+            <a:avLst/>
+          </a:prstGeom>
+          <a:noFill/>
+        </p:spPr>
+        <p:txBody>
+          <a:bodyPr wrap="square" rtlCol="0">
+            <a:spAutoFit/>
+          </a:bodyPr>
+          <a:lstStyle/>
+          <a:p>
+            <a:pPr algn="r"/>
+            <a:r>
+              <a:rPr lang="es-ES" sz="2400" b="1" dirty="0">
+                <a:solidFill>
+                  <a:schemeClr val="bg1"/>
+                </a:solidFill>
+                <a:latin typeface="Work sans"/>
+                <a:cs typeface="Work sans"/>
+              </a:rPr>
+              <a:t>Título</a:t>
+            </a:r>
+          </a:p>
+        </p:txBody>
+      </p:sp>
+      <p:sp>
+        <p:nvSpPr>
+          <p:cNvPr id="9" name="CuadroTexto 8"/>
+          <p:cNvSpPr txBox="1"/>
+          <p:nvPr/>
+        </p:nvSpPr>
+        <p:spPr>
+          <a:xfrm>
+            <a:off x="6331374" y="1598585"/>
+            <a:ext cx="2336991" cy="584776"/>
+          </a:xfrm>
+          <a:prstGeom prst="rect">
+            <a:avLst/>
+          </a:prstGeom>
+          <a:noFill/>
+        </p:spPr>
+        <p:txBody>
+          <a:bodyPr wrap="square" rtlCol="0">
+            <a:spAutoFit/>
+          </a:bodyPr>
+          <a:lstStyle/>
+          <a:p>
+            <a:pPr algn="r"/>
+            <a:r>
+              <a:rPr lang="es-ES" sz="1600" dirty="0">
+                <a:solidFill>
+                  <a:schemeClr val="bg1"/>
+                </a:solidFill>
+                <a:latin typeface="Work sans"/>
+                <a:cs typeface="Work sans"/>
+              </a:rPr>
+              <a:t>Espacio para frase concreta.</a:t>
+            </a:r>
+          </a:p>
+        </p:txBody>
+      </p:sp>
+      <p:pic>
+        <p:nvPicPr>
+          <p:cNvPr id="11" name="Imagen 10"/>
+          <p:cNvPicPr>
+            <a:picLocks noChangeAspect="1"/>
+          </p:cNvPicPr>
+          <p:nvPr/>
+        </p:nvPicPr>
+        <p:blipFill>
+          <a:blip r:embed="rId3"/>
+          <a:stretch>
+            <a:fillRect/>
+          </a:stretch>
+        </p:blipFill>
+        <p:spPr>
+          <a:xfrm flipV="1">
+            <a:off x="0" y="1481"/>
+            <a:ext cx="9144000" cy="996567"/>
+          </a:xfrm>
+          <a:prstGeom prst="rect">
+            <a:avLst/>
+          </a:prstGeom>
+        </p:spPr>
+      </p:pic>
+      <p:pic>
+        <p:nvPicPr>
+          <p:cNvPr id="16" name="Imagen 15" descr="naranja.png"/>
+          <p:cNvPicPr>
+            <a:picLocks noChangeAspect="1"/>
+          </p:cNvPicPr>
+          <p:nvPr/>
+        </p:nvPicPr>
+        <p:blipFill rotWithShape="1">
+          <a:blip r:embed="rId4">
+            <a:extLst>
+              <a:ext uri="{28A0092B-C50C-407E-A947-70E740481C1C}">
+                <a14:useLocalDpi xmlns:a14="http://schemas.microsoft.com/office/drawing/2010/main" val="0"/>
+              </a:ext>
+            </a:extLst>
+          </a:blip>
+          <a:srcRect l="21032" t="19996" r="22452" b="17818"/>
+          <a:stretch/>
+        </p:blipFill>
+        <p:spPr>
+          <a:xfrm>
+            <a:off x="8367676" y="4376283"/>
+            <a:ext cx="601377" cy="603694"/>
+          </a:xfrm>
+          <a:prstGeom prst="rect">
+            <a:avLst/>
+          </a:prstGeom>
+        </p:spPr>
+      </p:pic>
+      <p:sp>
+        <p:nvSpPr>
+          <p:cNvPr id="7" name="Google Shape;215;p28">
+            <a:extLst>
+              <a:ext uri="{FF2B5EF4-FFF2-40B4-BE49-F238E27FC236}">
+                <a16:creationId xmlns:a16="http://schemas.microsoft.com/office/drawing/2014/main" id="{12EFD058-20CE-44C4-83BF-EF1BD4F5341E}"/>
+              </a:ext>
+            </a:extLst>
+          </p:cNvPr>
+          <p:cNvSpPr txBox="1"/>
+          <p:nvPr/>
+        </p:nvSpPr>
+        <p:spPr>
+          <a:xfrm>
+            <a:off x="475635" y="224630"/>
+            <a:ext cx="2591262" cy="707886"/>
+          </a:xfrm>
+          <a:prstGeom prst="rect">
+            <a:avLst/>
+          </a:prstGeom>
+          <a:noFill/>
+          <a:ln>
+            <a:noFill/>
+          </a:ln>
+        </p:spPr>
+        <p:txBody>
+          <a:bodyPr spcFirstLastPara="1" wrap="square" lIns="91425" tIns="45700" rIns="91425" bIns="45700" anchor="t" anchorCtr="0">
+            <a:noAutofit/>
+          </a:bodyPr>
+          <a:lstStyle/>
+          <a:p>
+            <a:pPr marL="0" marR="0" lvl="0" indent="0" algn="l" rtl="0">
+              <a:lnSpc>
+                <a:spcPct val="100000"/>
+              </a:lnSpc>
+              <a:spcBef>
+                <a:spcPts val="0"/>
+              </a:spcBef>
+              <a:spcAft>
+                <a:spcPts val="0"/>
+              </a:spcAft>
+              <a:buClr>
+                <a:srgbClr val="E8E6E8"/>
+              </a:buClr>
+              <a:buSzPts val="2000"/>
+              <a:buFont typeface="Calibri"/>
+              <a:buNone/>
+            </a:pPr>
+            <a:r>
+              <a:rPr lang="es-ES" sz="2000" b="1" i="0" u="none" strike="noStrike" cap="none" dirty="0">
+                <a:solidFill>
+                  <a:srgbClr val="E8E6E8"/>
+                </a:solidFill>
+                <a:latin typeface="Calibri"/>
+                <a:ea typeface="Calibri"/>
+                <a:cs typeface="Calibri"/>
+                <a:sym typeface="Calibri"/>
+              </a:rPr>
+              <a:t>INDICADOR</a:t>
+            </a:r>
+            <a:endParaRPr dirty="0"/>
+          </a:p>
+          <a:p>
+            <a:pPr marL="0" marR="0" lvl="0" indent="0" algn="l" rtl="0">
+              <a:lnSpc>
+                <a:spcPct val="100000"/>
+              </a:lnSpc>
+              <a:spcBef>
+                <a:spcPts val="0"/>
+              </a:spcBef>
+              <a:spcAft>
+                <a:spcPts val="0"/>
+              </a:spcAft>
+              <a:buClr>
+                <a:srgbClr val="E8E6E8"/>
+              </a:buClr>
+              <a:buSzPts val="2000"/>
+              <a:buFont typeface="Calibri"/>
+              <a:buNone/>
+            </a:pPr>
+            <a:r>
+              <a:rPr lang="es-ES" sz="2000" b="1" i="0" u="none" strike="noStrike" cap="none" dirty="0">
+                <a:solidFill>
+                  <a:srgbClr val="E8E6E8"/>
+                </a:solidFill>
+                <a:latin typeface="Calibri"/>
+                <a:ea typeface="Calibri"/>
+                <a:cs typeface="Calibri"/>
+                <a:sym typeface="Calibri"/>
+              </a:rPr>
+              <a:t>Componente técnico</a:t>
+            </a:r>
+            <a:endParaRPr dirty="0"/>
+          </a:p>
+        </p:txBody>
+      </p:sp>
+      <p:sp>
+        <p:nvSpPr>
+          <p:cNvPr id="12" name="Google Shape;245;p31">
+            <a:extLst>
+              <a:ext uri="{FF2B5EF4-FFF2-40B4-BE49-F238E27FC236}">
+                <a16:creationId xmlns:a16="http://schemas.microsoft.com/office/drawing/2014/main" id="{4C0561D4-FCF1-4D91-A47B-982A57F96A3F}"/>
+              </a:ext>
+            </a:extLst>
+          </p:cNvPr>
+          <p:cNvSpPr txBox="1"/>
+          <p:nvPr/>
+        </p:nvSpPr>
+        <p:spPr>
+          <a:xfrm>
+            <a:off x="475635" y="1132107"/>
+            <a:ext cx="3489734" cy="400110"/>
+          </a:xfrm>
+          <a:prstGeom prst="rect">
+            <a:avLst/>
+          </a:prstGeom>
+          <a:noFill/>
+          <a:ln>
+            <a:noFill/>
+          </a:ln>
+        </p:spPr>
+        <p:txBody>
+          <a:bodyPr spcFirstLastPara="1" wrap="square" lIns="91425" tIns="45700" rIns="91425" bIns="45700" anchor="t" anchorCtr="0">
+            <a:noAutofit/>
+          </a:bodyPr>
+          <a:lstStyle/>
+          <a:p>
+            <a:pPr marL="0" marR="0" lvl="0" indent="0" algn="l" rtl="0">
+              <a:lnSpc>
+                <a:spcPct val="100000"/>
+              </a:lnSpc>
+              <a:spcBef>
+                <a:spcPts val="0"/>
+              </a:spcBef>
+              <a:spcAft>
+                <a:spcPts val="0"/>
+              </a:spcAft>
+              <a:buClr>
+                <a:schemeClr val="dk1"/>
+              </a:buClr>
+              <a:buSzPts val="2000"/>
+              <a:buFont typeface="Calibri"/>
+              <a:buNone/>
+            </a:pPr>
+            <a:r>
+              <a:rPr lang="es-ES" sz="2000" b="1" i="0" u="none" strike="noStrike" cap="none" dirty="0">
+                <a:solidFill>
+                  <a:schemeClr val="dk1"/>
+                </a:solidFill>
+                <a:latin typeface="Calibri"/>
+                <a:ea typeface="Calibri"/>
+                <a:cs typeface="Calibri"/>
+                <a:sym typeface="Calibri"/>
+              </a:rPr>
+              <a:t>Requerimientos funcionales </a:t>
+            </a:r>
+            <a:endParaRPr dirty="0"/>
+          </a:p>
+        </p:txBody>
+      </p:sp>
+      <p:pic>
+        <p:nvPicPr>
+          <p:cNvPr id="10" name="Imagen 9">
+            <a:hlinkClick r:id="rId5" action="ppaction://hlinkfile"/>
+            <a:extLst>
+              <a:ext uri="{FF2B5EF4-FFF2-40B4-BE49-F238E27FC236}">
+                <a16:creationId xmlns:a16="http://schemas.microsoft.com/office/drawing/2014/main" id="{31B54F84-3132-43CE-A49C-B542B62517C7}"/>
+              </a:ext>
+            </a:extLst>
+          </p:cNvPr>
+          <p:cNvPicPr>
+            <a:picLocks noChangeAspect="1"/>
+          </p:cNvPicPr>
+          <p:nvPr/>
+        </p:nvPicPr>
+        <p:blipFill>
+          <a:blip r:embed="rId6"/>
+          <a:stretch>
+            <a:fillRect/>
+          </a:stretch>
+        </p:blipFill>
+        <p:spPr>
+          <a:xfrm>
+            <a:off x="782372" y="1611071"/>
+            <a:ext cx="3346027" cy="3368906"/>
+          </a:xfrm>
+          <a:prstGeom prst="rect">
+            <a:avLst/>
+          </a:prstGeom>
+        </p:spPr>
+      </p:pic>
+      <p:pic>
+        <p:nvPicPr>
+          <p:cNvPr id="14" name="Imagen 13">
+            <a:hlinkClick r:id="rId5" action="ppaction://hlinkfile"/>
+            <a:extLst>
+              <a:ext uri="{FF2B5EF4-FFF2-40B4-BE49-F238E27FC236}">
+                <a16:creationId xmlns:a16="http://schemas.microsoft.com/office/drawing/2014/main" id="{149CB70D-43C4-49B4-B8BC-68E35364D22F}"/>
+              </a:ext>
+            </a:extLst>
+          </p:cNvPr>
+          <p:cNvPicPr>
+            <a:picLocks noChangeAspect="1"/>
+          </p:cNvPicPr>
+          <p:nvPr/>
+        </p:nvPicPr>
+        <p:blipFill>
+          <a:blip r:embed="rId7"/>
+          <a:stretch>
+            <a:fillRect/>
+          </a:stretch>
+        </p:blipFill>
+        <p:spPr>
+          <a:xfrm>
+            <a:off x="4447748" y="1734151"/>
+            <a:ext cx="3975332" cy="2661744"/>
+          </a:xfrm>
+          <a:prstGeom prst="rect">
+            <a:avLst/>
+          </a:prstGeom>
+        </p:spPr>
+      </p:pic>
+    </p:spTree>
+    <p:extLst>
+      <p:ext uri="{BB962C8B-B14F-4D97-AF65-F5344CB8AC3E}">
+        <p14:creationId xmlns:p14="http://schemas.microsoft.com/office/powerpoint/2010/main" val="3925624706"/>
+      </p:ext>
+    </p:extLst>
+  </p:cSld>
+  <p:clrMapOvr>
+    <a:masterClrMapping/>
+  </p:clrMapOvr>
+</p:sld>
+</file>
+
+<file path=ppt/slides/slide2.xml><?xml version="1.0" encoding="utf-8"?>
+<p:sld xmlns:a="http://schemas.openxmlformats.org/drawingml/2006/main" xmlns:r="http://schemas.openxmlformats.org/officeDocument/2006/relationships" xmlns:p="http://schemas.openxmlformats.org/presentationml/2006/main">
+  <p:cSld>
+    <p:spTree>
+      <p:nvGrpSpPr>
+        <p:cNvPr id="1" name=""/>
+        <p:cNvGrpSpPr/>
+        <p:nvPr/>
+      </p:nvGrpSpPr>
+      <p:grpSpPr>
+        <a:xfrm>
+          <a:off x="0" y="0"/>
+          <a:ext cx="0" cy="0"/>
+          <a:chOff x="0" y="0"/>
+          <a:chExt cx="0" cy="0"/>
+        </a:xfrm>
+      </p:grpSpPr>
+      <p:sp>
+        <p:nvSpPr>
+          <p:cNvPr id="10" name="Google Shape;39;p11">
+            <a:extLst>
+              <a:ext uri="{FF2B5EF4-FFF2-40B4-BE49-F238E27FC236}">
+                <a16:creationId xmlns:a16="http://schemas.microsoft.com/office/drawing/2014/main" id="{788D296D-35E7-4576-9BAB-4FE674A67446}"/>
+              </a:ext>
+            </a:extLst>
+          </p:cNvPr>
+          <p:cNvSpPr txBox="1"/>
+          <p:nvPr/>
+        </p:nvSpPr>
+        <p:spPr>
+          <a:xfrm>
+            <a:off x="1495972" y="1871330"/>
+            <a:ext cx="5767470" cy="1253589"/>
+          </a:xfrm>
+          <a:prstGeom prst="rect">
+            <a:avLst/>
+          </a:prstGeom>
+          <a:noFill/>
+          <a:ln w="28575">
+            <a:solidFill>
+              <a:srgbClr val="FFFF00"/>
+            </a:solidFill>
+          </a:ln>
+        </p:spPr>
+        <p:txBody>
+          <a:bodyPr spcFirstLastPara="1" wrap="square" lIns="91425" tIns="45700" rIns="91425" bIns="45700" anchor="t" anchorCtr="0">
+            <a:noAutofit/>
+          </a:bodyPr>
+          <a:lstStyle/>
+          <a:p>
+            <a:pPr marL="0" marR="0" lvl="0" indent="0" algn="ctr" rtl="0">
+              <a:lnSpc>
+                <a:spcPct val="100000"/>
+              </a:lnSpc>
+              <a:spcBef>
+                <a:spcPts val="0"/>
+              </a:spcBef>
+              <a:spcAft>
+                <a:spcPts val="0"/>
+              </a:spcAft>
+              <a:buClr>
+                <a:schemeClr val="lt1"/>
+              </a:buClr>
+              <a:buSzPts val="4000"/>
+              <a:buFont typeface="Calibri"/>
+              <a:buNone/>
+            </a:pPr>
+            <a:r>
+              <a:rPr lang="es-ES" sz="5000" b="1" i="0" u="none" strike="noStrike" cap="none" dirty="0">
+                <a:solidFill>
+                  <a:schemeClr val="lt1"/>
+                </a:solidFill>
+                <a:latin typeface="Calibri"/>
+                <a:ea typeface="Calibri"/>
+                <a:cs typeface="Calibri"/>
+                <a:sym typeface="Calibri"/>
+              </a:rPr>
+              <a:t>METODOLOGICO</a:t>
+            </a:r>
+          </a:p>
+          <a:p>
+            <a:pPr marL="0" marR="0" lvl="0" indent="0" algn="ctr" rtl="0">
+              <a:lnSpc>
+                <a:spcPct val="100000"/>
+              </a:lnSpc>
+              <a:spcBef>
+                <a:spcPts val="0"/>
+              </a:spcBef>
+              <a:spcAft>
+                <a:spcPts val="0"/>
+              </a:spcAft>
+              <a:buClr>
+                <a:schemeClr val="lt1"/>
+              </a:buClr>
+              <a:buSzPts val="4000"/>
+              <a:buFont typeface="Calibri"/>
+              <a:buNone/>
+            </a:pPr>
+            <a:endParaRPr sz="5000" b="1" i="0" u="none" strike="noStrike" cap="none" dirty="0">
+              <a:solidFill>
+                <a:schemeClr val="lt1"/>
+              </a:solidFill>
+              <a:latin typeface="Calibri"/>
+              <a:ea typeface="Calibri"/>
+              <a:cs typeface="Calibri"/>
+              <a:sym typeface="Calibri"/>
+            </a:endParaRPr>
+          </a:p>
+        </p:txBody>
+      </p:sp>
+    </p:spTree>
+    <p:extLst>
+      <p:ext uri="{BB962C8B-B14F-4D97-AF65-F5344CB8AC3E}">
+        <p14:creationId xmlns:p14="http://schemas.microsoft.com/office/powerpoint/2010/main" val="4093264025"/>
+      </p:ext>
+    </p:extLst>
+  </p:cSld>
+  <p:clrMapOvr>
+    <a:masterClrMapping/>
+  </p:clrMapOvr>
+</p:sld>
+</file>
+
+<file path=ppt/slides/slide20.xml><?xml version="1.0" encoding="utf-8"?>
+<p:sld xmlns:a="http://schemas.openxmlformats.org/drawingml/2006/main" xmlns:r="http://schemas.openxmlformats.org/officeDocument/2006/relationships" xmlns:p="http://schemas.openxmlformats.org/presentationml/2006/main">
+  <p:cSld>
+    <p:spTree>
+      <p:nvGrpSpPr>
+        <p:cNvPr id="1" name=""/>
+        <p:cNvGrpSpPr/>
+        <p:nvPr/>
+      </p:nvGrpSpPr>
+      <p:grpSpPr>
+        <a:xfrm>
+          <a:off x="0" y="0"/>
+          <a:ext cx="0" cy="0"/>
+          <a:chOff x="0" y="0"/>
+          <a:chExt cx="0" cy="0"/>
+        </a:xfrm>
+      </p:grpSpPr>
+      <p:sp>
+        <p:nvSpPr>
+          <p:cNvPr id="8" name="CuadroTexto 7"/>
+          <p:cNvSpPr txBox="1"/>
+          <p:nvPr/>
+        </p:nvSpPr>
+        <p:spPr>
+          <a:xfrm>
+            <a:off x="5888097" y="767217"/>
+            <a:ext cx="2780268" cy="461665"/>
+          </a:xfrm>
+          <a:prstGeom prst="rect">
+            <a:avLst/>
+          </a:prstGeom>
+          <a:noFill/>
+        </p:spPr>
+        <p:txBody>
+          <a:bodyPr wrap="square" rtlCol="0">
+            <a:spAutoFit/>
+          </a:bodyPr>
+          <a:lstStyle/>
+          <a:p>
+            <a:pPr algn="r"/>
+            <a:r>
+              <a:rPr lang="es-ES" sz="2400" b="1" dirty="0">
+                <a:solidFill>
+                  <a:schemeClr val="bg1"/>
+                </a:solidFill>
+                <a:latin typeface="Work sans"/>
+                <a:cs typeface="Work sans"/>
+              </a:rPr>
+              <a:t>Título</a:t>
+            </a:r>
+          </a:p>
+        </p:txBody>
+      </p:sp>
+      <p:sp>
+        <p:nvSpPr>
+          <p:cNvPr id="9" name="CuadroTexto 8"/>
+          <p:cNvSpPr txBox="1"/>
+          <p:nvPr/>
+        </p:nvSpPr>
+        <p:spPr>
+          <a:xfrm>
+            <a:off x="6331374" y="1598585"/>
+            <a:ext cx="2336991" cy="584776"/>
+          </a:xfrm>
+          <a:prstGeom prst="rect">
+            <a:avLst/>
+          </a:prstGeom>
+          <a:noFill/>
+        </p:spPr>
+        <p:txBody>
+          <a:bodyPr wrap="square" rtlCol="0">
+            <a:spAutoFit/>
+          </a:bodyPr>
+          <a:lstStyle/>
+          <a:p>
+            <a:pPr algn="r"/>
+            <a:r>
+              <a:rPr lang="es-ES" sz="1600" dirty="0">
+                <a:solidFill>
+                  <a:schemeClr val="bg1"/>
+                </a:solidFill>
+                <a:latin typeface="Work sans"/>
+                <a:cs typeface="Work sans"/>
+              </a:rPr>
+              <a:t>Espacio para frase concreta.</a:t>
+            </a:r>
+          </a:p>
+        </p:txBody>
+      </p:sp>
+      <p:pic>
+        <p:nvPicPr>
+          <p:cNvPr id="11" name="Imagen 10"/>
+          <p:cNvPicPr>
+            <a:picLocks noChangeAspect="1"/>
+          </p:cNvPicPr>
+          <p:nvPr/>
+        </p:nvPicPr>
+        <p:blipFill>
+          <a:blip r:embed="rId3"/>
+          <a:stretch>
+            <a:fillRect/>
+          </a:stretch>
+        </p:blipFill>
+        <p:spPr>
+          <a:xfrm flipV="1">
+            <a:off x="0" y="1481"/>
+            <a:ext cx="9144000" cy="996567"/>
+          </a:xfrm>
+          <a:prstGeom prst="rect">
+            <a:avLst/>
+          </a:prstGeom>
+        </p:spPr>
+      </p:pic>
+      <p:pic>
+        <p:nvPicPr>
+          <p:cNvPr id="16" name="Imagen 15" descr="naranja.png"/>
+          <p:cNvPicPr>
+            <a:picLocks noChangeAspect="1"/>
+          </p:cNvPicPr>
+          <p:nvPr/>
+        </p:nvPicPr>
+        <p:blipFill rotWithShape="1">
+          <a:blip r:embed="rId4">
+            <a:extLst>
+              <a:ext uri="{28A0092B-C50C-407E-A947-70E740481C1C}">
+                <a14:useLocalDpi xmlns:a14="http://schemas.microsoft.com/office/drawing/2010/main" val="0"/>
+              </a:ext>
+            </a:extLst>
+          </a:blip>
+          <a:srcRect l="21032" t="19996" r="22452" b="17818"/>
+          <a:stretch/>
+        </p:blipFill>
+        <p:spPr>
+          <a:xfrm>
+            <a:off x="8367676" y="4376283"/>
+            <a:ext cx="601377" cy="603694"/>
+          </a:xfrm>
+          <a:prstGeom prst="rect">
+            <a:avLst/>
+          </a:prstGeom>
+        </p:spPr>
+      </p:pic>
+      <p:sp>
+        <p:nvSpPr>
+          <p:cNvPr id="7" name="Google Shape;215;p28">
+            <a:extLst>
+              <a:ext uri="{FF2B5EF4-FFF2-40B4-BE49-F238E27FC236}">
+                <a16:creationId xmlns:a16="http://schemas.microsoft.com/office/drawing/2014/main" id="{12EFD058-20CE-44C4-83BF-EF1BD4F5341E}"/>
+              </a:ext>
+            </a:extLst>
+          </p:cNvPr>
+          <p:cNvSpPr txBox="1"/>
+          <p:nvPr/>
+        </p:nvSpPr>
+        <p:spPr>
+          <a:xfrm>
+            <a:off x="475635" y="224630"/>
+            <a:ext cx="2591262" cy="707886"/>
+          </a:xfrm>
+          <a:prstGeom prst="rect">
+            <a:avLst/>
+          </a:prstGeom>
+          <a:noFill/>
+          <a:ln>
+            <a:noFill/>
+          </a:ln>
+        </p:spPr>
+        <p:txBody>
+          <a:bodyPr spcFirstLastPara="1" wrap="square" lIns="91425" tIns="45700" rIns="91425" bIns="45700" anchor="t" anchorCtr="0">
+            <a:noAutofit/>
+          </a:bodyPr>
+          <a:lstStyle/>
+          <a:p>
+            <a:pPr marL="0" marR="0" lvl="0" indent="0" algn="l" rtl="0">
+              <a:lnSpc>
+                <a:spcPct val="100000"/>
+              </a:lnSpc>
+              <a:spcBef>
+                <a:spcPts val="0"/>
+              </a:spcBef>
+              <a:spcAft>
+                <a:spcPts val="0"/>
+              </a:spcAft>
+              <a:buClr>
+                <a:srgbClr val="E8E6E8"/>
+              </a:buClr>
+              <a:buSzPts val="2000"/>
+              <a:buFont typeface="Calibri"/>
+              <a:buNone/>
+            </a:pPr>
+            <a:r>
+              <a:rPr lang="es-ES" sz="2000" b="1" i="0" u="none" strike="noStrike" cap="none" dirty="0">
+                <a:solidFill>
+                  <a:srgbClr val="E8E6E8"/>
+                </a:solidFill>
+                <a:latin typeface="Calibri"/>
+                <a:ea typeface="Calibri"/>
+                <a:cs typeface="Calibri"/>
+                <a:sym typeface="Calibri"/>
+              </a:rPr>
+              <a:t>INDICADOR</a:t>
+            </a:r>
+            <a:endParaRPr dirty="0"/>
+          </a:p>
+          <a:p>
+            <a:pPr marL="0" marR="0" lvl="0" indent="0" algn="l" rtl="0">
+              <a:lnSpc>
+                <a:spcPct val="100000"/>
+              </a:lnSpc>
+              <a:spcBef>
+                <a:spcPts val="0"/>
+              </a:spcBef>
+              <a:spcAft>
+                <a:spcPts val="0"/>
+              </a:spcAft>
+              <a:buClr>
+                <a:srgbClr val="E8E6E8"/>
+              </a:buClr>
+              <a:buSzPts val="2000"/>
+              <a:buFont typeface="Calibri"/>
+              <a:buNone/>
+            </a:pPr>
+            <a:r>
+              <a:rPr lang="es-ES" sz="2000" b="1" i="0" u="none" strike="noStrike" cap="none" dirty="0">
+                <a:solidFill>
+                  <a:srgbClr val="E8E6E8"/>
+                </a:solidFill>
+                <a:latin typeface="Calibri"/>
+                <a:ea typeface="Calibri"/>
+                <a:cs typeface="Calibri"/>
+                <a:sym typeface="Calibri"/>
+              </a:rPr>
+              <a:t>Componente técnico</a:t>
+            </a:r>
+            <a:endParaRPr dirty="0"/>
+          </a:p>
+        </p:txBody>
+      </p:sp>
+      <p:sp>
+        <p:nvSpPr>
+          <p:cNvPr id="13" name="Google Shape;264;p33">
+            <a:extLst>
+              <a:ext uri="{FF2B5EF4-FFF2-40B4-BE49-F238E27FC236}">
+                <a16:creationId xmlns:a16="http://schemas.microsoft.com/office/drawing/2014/main" id="{5E58F2E9-05A5-49D1-9071-BE0EA4EF4993}"/>
+              </a:ext>
+            </a:extLst>
+          </p:cNvPr>
+          <p:cNvSpPr txBox="1"/>
+          <p:nvPr/>
+        </p:nvSpPr>
+        <p:spPr>
+          <a:xfrm>
+            <a:off x="998287" y="1558083"/>
+            <a:ext cx="3489734" cy="400110"/>
+          </a:xfrm>
+          <a:prstGeom prst="rect">
+            <a:avLst/>
+          </a:prstGeom>
+          <a:noFill/>
+          <a:ln>
+            <a:noFill/>
+          </a:ln>
+        </p:spPr>
+        <p:txBody>
+          <a:bodyPr spcFirstLastPara="1" wrap="square" lIns="91425" tIns="45700" rIns="91425" bIns="45700" anchor="t" anchorCtr="0">
+            <a:noAutofit/>
+          </a:bodyPr>
+          <a:lstStyle/>
+          <a:p>
+            <a:pPr marL="0" marR="0" lvl="0" indent="0" algn="l" rtl="0">
+              <a:lnSpc>
+                <a:spcPct val="100000"/>
+              </a:lnSpc>
+              <a:spcBef>
+                <a:spcPts val="0"/>
+              </a:spcBef>
+              <a:spcAft>
+                <a:spcPts val="0"/>
+              </a:spcAft>
+              <a:buClr>
+                <a:schemeClr val="dk1"/>
+              </a:buClr>
+              <a:buSzPts val="2000"/>
+              <a:buFont typeface="Calibri"/>
+              <a:buNone/>
+            </a:pPr>
+            <a:r>
+              <a:rPr lang="es-ES" sz="2000" b="1" i="0" u="none" strike="noStrike" cap="none">
+                <a:solidFill>
+                  <a:schemeClr val="dk1"/>
+                </a:solidFill>
+                <a:latin typeface="Calibri"/>
+                <a:ea typeface="Calibri"/>
+                <a:cs typeface="Calibri"/>
+                <a:sym typeface="Calibri"/>
+              </a:rPr>
+              <a:t>Requerimientos no funcionales </a:t>
+            </a:r>
+            <a:endParaRPr/>
+          </a:p>
+        </p:txBody>
+      </p:sp>
+      <p:sp>
+        <p:nvSpPr>
+          <p:cNvPr id="15" name="Google Shape;266;p33">
+            <a:extLst>
+              <a:ext uri="{FF2B5EF4-FFF2-40B4-BE49-F238E27FC236}">
+                <a16:creationId xmlns:a16="http://schemas.microsoft.com/office/drawing/2014/main" id="{98FCAC93-08DC-493E-8B39-60B97DABFDB6}"/>
+              </a:ext>
+            </a:extLst>
+          </p:cNvPr>
+          <p:cNvSpPr txBox="1"/>
+          <p:nvPr/>
+        </p:nvSpPr>
+        <p:spPr>
+          <a:xfrm>
+            <a:off x="1624206" y="2183361"/>
+            <a:ext cx="5727630" cy="1821706"/>
+          </a:xfrm>
+          <a:prstGeom prst="rect">
+            <a:avLst/>
+          </a:prstGeom>
+          <a:noFill/>
+          <a:ln>
+            <a:noFill/>
+          </a:ln>
+        </p:spPr>
+        <p:txBody>
+          <a:bodyPr spcFirstLastPara="1" wrap="square" lIns="91425" tIns="45700" rIns="91425" bIns="45700" anchor="t" anchorCtr="0">
+            <a:noAutofit/>
+          </a:bodyPr>
+          <a:lstStyle/>
+          <a:p>
+            <a:pPr marL="0" marR="0" lvl="0" indent="0" algn="just" rtl="0">
+              <a:lnSpc>
+                <a:spcPct val="100000"/>
+              </a:lnSpc>
+              <a:spcBef>
+                <a:spcPts val="0"/>
+              </a:spcBef>
+              <a:spcAft>
+                <a:spcPts val="0"/>
+              </a:spcAft>
+              <a:buClr>
+                <a:srgbClr val="5E5C5D"/>
+              </a:buClr>
+              <a:buSzPts val="2000"/>
+              <a:buFont typeface="Calibri"/>
+              <a:buNone/>
+            </a:pPr>
+            <a:r>
+              <a:rPr lang="es-ES" sz="2000" b="0" i="0" u="none" strike="noStrike" cap="none" dirty="0">
+                <a:solidFill>
+                  <a:srgbClr val="5E5C5D"/>
+                </a:solidFill>
+                <a:latin typeface="Calibri"/>
+                <a:ea typeface="Calibri"/>
+                <a:cs typeface="Calibri"/>
+                <a:sym typeface="Calibri"/>
+              </a:rPr>
+              <a:t>Los requerimientos no  funcionales de la pagina S.O.S DOCUMENTAL, son aquellos que complementan y dan seguridad a lo que esta requiriendo el cliente, como lo es , la copia de seguridad, las bases de datos, la encriptación etc.</a:t>
+            </a:r>
+            <a:endParaRPr dirty="0"/>
+          </a:p>
+        </p:txBody>
+      </p:sp>
+    </p:spTree>
+    <p:extLst>
+      <p:ext uri="{BB962C8B-B14F-4D97-AF65-F5344CB8AC3E}">
+        <p14:creationId xmlns:p14="http://schemas.microsoft.com/office/powerpoint/2010/main" val="1098876013"/>
+      </p:ext>
+    </p:extLst>
+  </p:cSld>
+  <p:clrMapOvr>
+    <a:masterClrMapping/>
+  </p:clrMapOvr>
+</p:sld>
+</file>
+
+<file path=ppt/slides/slide21.xml><?xml version="1.0" encoding="utf-8"?>
+<p:sld xmlns:a="http://schemas.openxmlformats.org/drawingml/2006/main" xmlns:r="http://schemas.openxmlformats.org/officeDocument/2006/relationships" xmlns:p="http://schemas.openxmlformats.org/presentationml/2006/main">
+  <p:cSld>
+    <p:spTree>
+      <p:nvGrpSpPr>
+        <p:cNvPr id="1" name=""/>
+        <p:cNvGrpSpPr/>
+        <p:nvPr/>
+      </p:nvGrpSpPr>
+      <p:grpSpPr>
+        <a:xfrm>
+          <a:off x="0" y="0"/>
+          <a:ext cx="0" cy="0"/>
+          <a:chOff x="0" y="0"/>
+          <a:chExt cx="0" cy="0"/>
+        </a:xfrm>
+      </p:grpSpPr>
+      <p:sp>
+        <p:nvSpPr>
+          <p:cNvPr id="8" name="CuadroTexto 7"/>
+          <p:cNvSpPr txBox="1"/>
+          <p:nvPr/>
+        </p:nvSpPr>
+        <p:spPr>
+          <a:xfrm>
+            <a:off x="5888097" y="767217"/>
+            <a:ext cx="2780268" cy="461665"/>
+          </a:xfrm>
+          <a:prstGeom prst="rect">
+            <a:avLst/>
+          </a:prstGeom>
+          <a:noFill/>
+        </p:spPr>
+        <p:txBody>
+          <a:bodyPr wrap="square" rtlCol="0">
+            <a:spAutoFit/>
+          </a:bodyPr>
+          <a:lstStyle/>
+          <a:p>
+            <a:pPr algn="r"/>
+            <a:r>
+              <a:rPr lang="es-ES" sz="2400" b="1" dirty="0">
+                <a:solidFill>
+                  <a:schemeClr val="bg1"/>
+                </a:solidFill>
+                <a:latin typeface="Work sans"/>
+                <a:cs typeface="Work sans"/>
+              </a:rPr>
+              <a:t>Título</a:t>
+            </a:r>
+          </a:p>
+        </p:txBody>
+      </p:sp>
+      <p:sp>
+        <p:nvSpPr>
+          <p:cNvPr id="9" name="CuadroTexto 8"/>
+          <p:cNvSpPr txBox="1"/>
+          <p:nvPr/>
+        </p:nvSpPr>
+        <p:spPr>
+          <a:xfrm>
+            <a:off x="6331374" y="1598585"/>
+            <a:ext cx="2336991" cy="584776"/>
+          </a:xfrm>
+          <a:prstGeom prst="rect">
+            <a:avLst/>
+          </a:prstGeom>
+          <a:noFill/>
+        </p:spPr>
+        <p:txBody>
+          <a:bodyPr wrap="square" rtlCol="0">
+            <a:spAutoFit/>
+          </a:bodyPr>
+          <a:lstStyle/>
+          <a:p>
+            <a:pPr algn="r"/>
+            <a:r>
+              <a:rPr lang="es-ES" sz="1600" dirty="0">
+                <a:solidFill>
+                  <a:schemeClr val="bg1"/>
+                </a:solidFill>
+                <a:latin typeface="Work sans"/>
+                <a:cs typeface="Work sans"/>
+              </a:rPr>
+              <a:t>Espacio para frase concreta.</a:t>
+            </a:r>
+          </a:p>
+        </p:txBody>
+      </p:sp>
+      <p:pic>
+        <p:nvPicPr>
+          <p:cNvPr id="11" name="Imagen 10"/>
+          <p:cNvPicPr>
+            <a:picLocks noChangeAspect="1"/>
+          </p:cNvPicPr>
+          <p:nvPr/>
+        </p:nvPicPr>
+        <p:blipFill>
+          <a:blip r:embed="rId3"/>
+          <a:stretch>
+            <a:fillRect/>
+          </a:stretch>
+        </p:blipFill>
+        <p:spPr>
+          <a:xfrm flipV="1">
+            <a:off x="0" y="1481"/>
+            <a:ext cx="9144000" cy="996567"/>
+          </a:xfrm>
+          <a:prstGeom prst="rect">
+            <a:avLst/>
+          </a:prstGeom>
+        </p:spPr>
+      </p:pic>
+      <p:pic>
+        <p:nvPicPr>
+          <p:cNvPr id="16" name="Imagen 15" descr="naranja.png"/>
+          <p:cNvPicPr>
+            <a:picLocks noChangeAspect="1"/>
+          </p:cNvPicPr>
+          <p:nvPr/>
+        </p:nvPicPr>
+        <p:blipFill rotWithShape="1">
+          <a:blip r:embed="rId4">
+            <a:extLst>
+              <a:ext uri="{28A0092B-C50C-407E-A947-70E740481C1C}">
+                <a14:useLocalDpi xmlns:a14="http://schemas.microsoft.com/office/drawing/2010/main" val="0"/>
+              </a:ext>
+            </a:extLst>
+          </a:blip>
+          <a:srcRect l="21032" t="19996" r="22452" b="17818"/>
+          <a:stretch/>
+        </p:blipFill>
+        <p:spPr>
+          <a:xfrm>
+            <a:off x="8367676" y="4376283"/>
+            <a:ext cx="601377" cy="603694"/>
+          </a:xfrm>
+          <a:prstGeom prst="rect">
+            <a:avLst/>
+          </a:prstGeom>
+        </p:spPr>
+      </p:pic>
+      <p:sp>
+        <p:nvSpPr>
+          <p:cNvPr id="7" name="Google Shape;215;p28">
+            <a:extLst>
+              <a:ext uri="{FF2B5EF4-FFF2-40B4-BE49-F238E27FC236}">
+                <a16:creationId xmlns:a16="http://schemas.microsoft.com/office/drawing/2014/main" id="{12EFD058-20CE-44C4-83BF-EF1BD4F5341E}"/>
+              </a:ext>
+            </a:extLst>
+          </p:cNvPr>
+          <p:cNvSpPr txBox="1"/>
+          <p:nvPr/>
+        </p:nvSpPr>
+        <p:spPr>
+          <a:xfrm>
+            <a:off x="475635" y="224630"/>
+            <a:ext cx="2591262" cy="707886"/>
+          </a:xfrm>
+          <a:prstGeom prst="rect">
+            <a:avLst/>
+          </a:prstGeom>
+          <a:noFill/>
+          <a:ln>
+            <a:noFill/>
+          </a:ln>
+        </p:spPr>
+        <p:txBody>
+          <a:bodyPr spcFirstLastPara="1" wrap="square" lIns="91425" tIns="45700" rIns="91425" bIns="45700" anchor="t" anchorCtr="0">
+            <a:noAutofit/>
+          </a:bodyPr>
+          <a:lstStyle/>
+          <a:p>
+            <a:pPr marL="0" marR="0" lvl="0" indent="0" algn="l" rtl="0">
+              <a:lnSpc>
+                <a:spcPct val="100000"/>
+              </a:lnSpc>
+              <a:spcBef>
+                <a:spcPts val="0"/>
+              </a:spcBef>
+              <a:spcAft>
+                <a:spcPts val="0"/>
+              </a:spcAft>
+              <a:buClr>
+                <a:srgbClr val="E8E6E8"/>
+              </a:buClr>
+              <a:buSzPts val="2000"/>
+              <a:buFont typeface="Calibri"/>
+              <a:buNone/>
+            </a:pPr>
+            <a:r>
+              <a:rPr lang="es-ES" sz="2000" b="1" i="0" u="none" strike="noStrike" cap="none" dirty="0">
+                <a:solidFill>
+                  <a:srgbClr val="E8E6E8"/>
+                </a:solidFill>
+                <a:latin typeface="Calibri"/>
+                <a:ea typeface="Calibri"/>
+                <a:cs typeface="Calibri"/>
+                <a:sym typeface="Calibri"/>
+              </a:rPr>
+              <a:t>INDICADOR</a:t>
+            </a:r>
+            <a:endParaRPr dirty="0"/>
+          </a:p>
+          <a:p>
+            <a:pPr marL="0" marR="0" lvl="0" indent="0" algn="l" rtl="0">
+              <a:lnSpc>
+                <a:spcPct val="100000"/>
+              </a:lnSpc>
+              <a:spcBef>
+                <a:spcPts val="0"/>
+              </a:spcBef>
+              <a:spcAft>
+                <a:spcPts val="0"/>
+              </a:spcAft>
+              <a:buClr>
+                <a:srgbClr val="E8E6E8"/>
+              </a:buClr>
+              <a:buSzPts val="2000"/>
+              <a:buFont typeface="Calibri"/>
+              <a:buNone/>
+            </a:pPr>
+            <a:r>
+              <a:rPr lang="es-ES" sz="2000" b="1" i="0" u="none" strike="noStrike" cap="none" dirty="0">
+                <a:solidFill>
+                  <a:srgbClr val="E8E6E8"/>
+                </a:solidFill>
+                <a:latin typeface="Calibri"/>
+                <a:ea typeface="Calibri"/>
+                <a:cs typeface="Calibri"/>
+                <a:sym typeface="Calibri"/>
+              </a:rPr>
+              <a:t>Componente técnico</a:t>
+            </a:r>
+            <a:endParaRPr dirty="0"/>
+          </a:p>
+        </p:txBody>
+      </p:sp>
+      <p:sp>
+        <p:nvSpPr>
+          <p:cNvPr id="13" name="Google Shape;264;p33">
+            <a:extLst>
+              <a:ext uri="{FF2B5EF4-FFF2-40B4-BE49-F238E27FC236}">
+                <a16:creationId xmlns:a16="http://schemas.microsoft.com/office/drawing/2014/main" id="{5E58F2E9-05A5-49D1-9071-BE0EA4EF4993}"/>
+              </a:ext>
+            </a:extLst>
+          </p:cNvPr>
+          <p:cNvSpPr txBox="1"/>
+          <p:nvPr/>
+        </p:nvSpPr>
+        <p:spPr>
+          <a:xfrm>
+            <a:off x="998287" y="1558083"/>
+            <a:ext cx="3489734" cy="400110"/>
+          </a:xfrm>
+          <a:prstGeom prst="rect">
+            <a:avLst/>
+          </a:prstGeom>
+          <a:noFill/>
+          <a:ln>
+            <a:noFill/>
+          </a:ln>
+        </p:spPr>
+        <p:txBody>
+          <a:bodyPr spcFirstLastPara="1" wrap="square" lIns="91425" tIns="45700" rIns="91425" bIns="45700" anchor="t" anchorCtr="0">
+            <a:noAutofit/>
+          </a:bodyPr>
+          <a:lstStyle/>
+          <a:p>
+            <a:pPr marL="0" marR="0" lvl="0" indent="0" algn="l" rtl="0">
+              <a:lnSpc>
+                <a:spcPct val="100000"/>
+              </a:lnSpc>
+              <a:spcBef>
+                <a:spcPts val="0"/>
+              </a:spcBef>
+              <a:spcAft>
+                <a:spcPts val="0"/>
+              </a:spcAft>
+              <a:buClr>
+                <a:schemeClr val="dk1"/>
+              </a:buClr>
+              <a:buSzPts val="2000"/>
+              <a:buFont typeface="Calibri"/>
+              <a:buNone/>
+            </a:pPr>
+            <a:r>
+              <a:rPr lang="es-ES" sz="2000" b="1" i="0" u="none" strike="noStrike" cap="none" dirty="0">
+                <a:solidFill>
+                  <a:schemeClr val="dk1"/>
+                </a:solidFill>
+                <a:latin typeface="Calibri"/>
+                <a:ea typeface="Calibri"/>
+                <a:cs typeface="Calibri"/>
+                <a:sym typeface="Calibri"/>
+              </a:rPr>
+              <a:t>Requerimientos no funcionales </a:t>
+            </a:r>
+            <a:endParaRPr dirty="0"/>
+          </a:p>
+        </p:txBody>
+      </p:sp>
+      <p:pic>
+        <p:nvPicPr>
+          <p:cNvPr id="10" name="Imagen 9">
+            <a:hlinkClick r:id="rId5" action="ppaction://hlinkfile"/>
+            <a:extLst>
+              <a:ext uri="{FF2B5EF4-FFF2-40B4-BE49-F238E27FC236}">
+                <a16:creationId xmlns:a16="http://schemas.microsoft.com/office/drawing/2014/main" id="{C5BBB30D-ACC5-4D56-A124-7963ED809D40}"/>
+              </a:ext>
+            </a:extLst>
+          </p:cNvPr>
+          <p:cNvPicPr>
+            <a:picLocks noChangeAspect="1"/>
+          </p:cNvPicPr>
+          <p:nvPr/>
+        </p:nvPicPr>
+        <p:blipFill>
+          <a:blip r:embed="rId6"/>
+          <a:stretch>
+            <a:fillRect/>
+          </a:stretch>
+        </p:blipFill>
+        <p:spPr>
+          <a:xfrm>
+            <a:off x="1776412" y="2183361"/>
+            <a:ext cx="5591175" cy="2476500"/>
+          </a:xfrm>
+          <a:prstGeom prst="rect">
+            <a:avLst/>
+          </a:prstGeom>
+        </p:spPr>
+      </p:pic>
+    </p:spTree>
+    <p:extLst>
+      <p:ext uri="{BB962C8B-B14F-4D97-AF65-F5344CB8AC3E}">
+        <p14:creationId xmlns:p14="http://schemas.microsoft.com/office/powerpoint/2010/main" val="4130797885"/>
+      </p:ext>
+    </p:extLst>
+  </p:cSld>
+  <p:clrMapOvr>
+    <a:masterClrMapping/>
+  </p:clrMapOvr>
+</p:sld>
+</file>
+
+<file path=ppt/slides/slide22.xml><?xml version="1.0" encoding="utf-8"?>
+<p:sld xmlns:a="http://schemas.openxmlformats.org/drawingml/2006/main" xmlns:r="http://schemas.openxmlformats.org/officeDocument/2006/relationships" xmlns:p="http://schemas.openxmlformats.org/presentationml/2006/main">
+  <p:cSld>
+    <p:spTree>
+      <p:nvGrpSpPr>
+        <p:cNvPr id="1" name=""/>
+        <p:cNvGrpSpPr/>
+        <p:nvPr/>
+      </p:nvGrpSpPr>
+      <p:grpSpPr>
+        <a:xfrm>
+          <a:off x="0" y="0"/>
+          <a:ext cx="0" cy="0"/>
+          <a:chOff x="0" y="0"/>
+          <a:chExt cx="0" cy="0"/>
+        </a:xfrm>
+      </p:grpSpPr>
+      <p:sp>
+        <p:nvSpPr>
+          <p:cNvPr id="6" name="Google Shape;287;p36">
+            <a:extLst>
+              <a:ext uri="{FF2B5EF4-FFF2-40B4-BE49-F238E27FC236}">
+                <a16:creationId xmlns:a16="http://schemas.microsoft.com/office/drawing/2014/main" id="{815A3D77-9DFE-4BF7-BFFC-32EAC5F5B4F2}"/>
+              </a:ext>
+            </a:extLst>
+          </p:cNvPr>
+          <p:cNvSpPr txBox="1"/>
+          <p:nvPr/>
+        </p:nvSpPr>
+        <p:spPr>
+          <a:xfrm>
+            <a:off x="5417167" y="1924199"/>
+            <a:ext cx="3049500" cy="1295100"/>
+          </a:xfrm>
+          <a:prstGeom prst="rect">
+            <a:avLst/>
+          </a:prstGeom>
+          <a:noFill/>
+          <a:ln>
+            <a:noFill/>
+          </a:ln>
+        </p:spPr>
+        <p:txBody>
+          <a:bodyPr spcFirstLastPara="1" wrap="square" lIns="91425" tIns="45700" rIns="91425" bIns="45700" anchor="t" anchorCtr="0">
+            <a:noAutofit/>
+          </a:bodyPr>
+          <a:lstStyle/>
+          <a:p>
+            <a:pPr marL="0" marR="0" lvl="0" indent="0" algn="ctr" rtl="0">
+              <a:lnSpc>
+                <a:spcPct val="100000"/>
+              </a:lnSpc>
+              <a:spcBef>
+                <a:spcPts val="0"/>
+              </a:spcBef>
+              <a:spcAft>
+                <a:spcPts val="0"/>
+              </a:spcAft>
+              <a:buClr>
+                <a:schemeClr val="dk1"/>
+              </a:buClr>
+              <a:buSzPts val="2400"/>
+              <a:buFont typeface="Arial"/>
+              <a:buNone/>
+            </a:pPr>
+            <a:r>
+              <a:rPr lang="es-ES" sz="2400" b="1" spc="50" dirty="0">
+                <a:ln w="0"/>
+                <a:effectLst>
+                  <a:innerShdw blurRad="63500" dist="50800" dir="13500000">
+                    <a:srgbClr val="000000">
+                      <a:alpha val="50000"/>
+                    </a:srgbClr>
+                  </a:innerShdw>
+                </a:effectLst>
+              </a:rPr>
+              <a:t>Diagrama </a:t>
+            </a:r>
+          </a:p>
+          <a:p>
+            <a:pPr marL="0" marR="0" lvl="0" indent="0" algn="ctr" rtl="0">
+              <a:lnSpc>
+                <a:spcPct val="100000"/>
+              </a:lnSpc>
+              <a:spcBef>
+                <a:spcPts val="0"/>
+              </a:spcBef>
+              <a:spcAft>
+                <a:spcPts val="0"/>
+              </a:spcAft>
+              <a:buClr>
+                <a:schemeClr val="dk1"/>
+              </a:buClr>
+              <a:buSzPts val="2400"/>
+              <a:buFont typeface="Arial"/>
+              <a:buNone/>
+            </a:pPr>
+            <a:r>
+              <a:rPr lang="es-ES" sz="2400" b="1" i="0" u="none" strike="noStrike" spc="50" dirty="0">
+                <a:ln w="0"/>
+                <a:effectLst>
+                  <a:innerShdw blurRad="63500" dist="50800" dir="13500000">
+                    <a:srgbClr val="000000">
+                      <a:alpha val="50000"/>
+                    </a:srgbClr>
+                  </a:innerShdw>
+                </a:effectLst>
+                <a:sym typeface="Arial"/>
+              </a:rPr>
+              <a:t>Casos de Uso</a:t>
+            </a:r>
+            <a:endParaRPr sz="2400" b="1" i="0" u="none" strike="noStrike" spc="50" dirty="0">
+              <a:ln w="0"/>
+              <a:effectLst>
+                <a:innerShdw blurRad="63500" dist="50800" dir="13500000">
+                  <a:srgbClr val="000000">
+                    <a:alpha val="50000"/>
+                  </a:srgbClr>
+                </a:innerShdw>
+              </a:effectLst>
+              <a:sym typeface="Arial"/>
+            </a:endParaRPr>
+          </a:p>
+          <a:p>
+            <a:pPr marL="0" marR="0" lvl="0" indent="0" algn="l" rtl="0">
+              <a:lnSpc>
+                <a:spcPct val="100000"/>
+              </a:lnSpc>
+              <a:spcBef>
+                <a:spcPts val="0"/>
+              </a:spcBef>
+              <a:spcAft>
+                <a:spcPts val="0"/>
+              </a:spcAft>
+              <a:buClr>
+                <a:srgbClr val="000000"/>
+              </a:buClr>
+              <a:buSzPts val="2400"/>
+              <a:buFont typeface="Arial"/>
+              <a:buNone/>
+            </a:pPr>
+            <a:endParaRPr sz="2400" b="1" i="0" u="none" strike="noStrike" cap="none" dirty="0">
+              <a:solidFill>
+                <a:schemeClr val="lt1"/>
+              </a:solidFill>
+              <a:latin typeface="Calibri"/>
+              <a:ea typeface="Calibri"/>
+              <a:cs typeface="Calibri"/>
+              <a:sym typeface="Calibri"/>
+            </a:endParaRPr>
+          </a:p>
+        </p:txBody>
+      </p:sp>
+      <p:pic>
+        <p:nvPicPr>
+          <p:cNvPr id="2" name="Imagen 1">
+            <a:extLst>
+              <a:ext uri="{FF2B5EF4-FFF2-40B4-BE49-F238E27FC236}">
+                <a16:creationId xmlns:a16="http://schemas.microsoft.com/office/drawing/2014/main" id="{8BAA24E6-07C1-4698-9F25-491ACCF48745}"/>
+              </a:ext>
+            </a:extLst>
+          </p:cNvPr>
+          <p:cNvPicPr>
+            <a:picLocks noChangeAspect="1"/>
+          </p:cNvPicPr>
+          <p:nvPr/>
+        </p:nvPicPr>
+        <p:blipFill>
+          <a:blip r:embed="rId2"/>
+          <a:stretch>
+            <a:fillRect/>
+          </a:stretch>
+        </p:blipFill>
+        <p:spPr>
+          <a:xfrm>
+            <a:off x="681834" y="76960"/>
+            <a:ext cx="4735333" cy="4989579"/>
+          </a:xfrm>
+          <a:prstGeom prst="rect">
+            <a:avLst/>
+          </a:prstGeom>
+        </p:spPr>
+      </p:pic>
+    </p:spTree>
+    <p:extLst>
+      <p:ext uri="{BB962C8B-B14F-4D97-AF65-F5344CB8AC3E}">
+        <p14:creationId xmlns:p14="http://schemas.microsoft.com/office/powerpoint/2010/main" val="4068996071"/>
+      </p:ext>
+    </p:extLst>
+  </p:cSld>
+  <p:clrMapOvr>
+    <a:masterClrMapping/>
+  </p:clrMapOvr>
+</p:sld>
+</file>
+
+<file path=ppt/slides/slide23.xml><?xml version="1.0" encoding="utf-8"?>
+<p:sld xmlns:a="http://schemas.openxmlformats.org/drawingml/2006/main" xmlns:r="http://schemas.openxmlformats.org/officeDocument/2006/relationships" xmlns:p="http://schemas.openxmlformats.org/presentationml/2006/main">
+  <p:cSld>
+    <p:spTree>
+      <p:nvGrpSpPr>
+        <p:cNvPr id="1" name=""/>
+        <p:cNvGrpSpPr/>
+        <p:nvPr/>
+      </p:nvGrpSpPr>
+      <p:grpSpPr>
+        <a:xfrm>
+          <a:off x="0" y="0"/>
+          <a:ext cx="0" cy="0"/>
+          <a:chOff x="0" y="0"/>
+          <a:chExt cx="0" cy="0"/>
+        </a:xfrm>
+      </p:grpSpPr>
+      <p:sp>
+        <p:nvSpPr>
+          <p:cNvPr id="10" name="Google Shape;308;p39">
+            <a:extLst>
+              <a:ext uri="{FF2B5EF4-FFF2-40B4-BE49-F238E27FC236}">
+                <a16:creationId xmlns:a16="http://schemas.microsoft.com/office/drawing/2014/main" id="{340C2E22-AF29-47C7-8A77-4FD0C981196E}"/>
+              </a:ext>
+            </a:extLst>
+          </p:cNvPr>
+          <p:cNvSpPr txBox="1"/>
+          <p:nvPr/>
+        </p:nvSpPr>
+        <p:spPr>
+          <a:xfrm>
+            <a:off x="0" y="1110627"/>
+            <a:ext cx="3034046" cy="1295072"/>
+          </a:xfrm>
+          <a:prstGeom prst="rect">
+            <a:avLst/>
+          </a:prstGeom>
+          <a:noFill/>
+          <a:ln>
+            <a:noFill/>
+          </a:ln>
+        </p:spPr>
+        <p:txBody>
+          <a:bodyPr spcFirstLastPara="1" wrap="square" lIns="91425" tIns="45700" rIns="91425" bIns="45700" anchor="t" anchorCtr="0">
+            <a:noAutofit/>
+          </a:bodyPr>
+          <a:lstStyle/>
+          <a:p>
+            <a:pPr marL="0" marR="0" lvl="0" indent="0" algn="ctr" rtl="0">
+              <a:lnSpc>
+                <a:spcPct val="100000"/>
+              </a:lnSpc>
+              <a:spcBef>
+                <a:spcPts val="0"/>
+              </a:spcBef>
+              <a:spcAft>
+                <a:spcPts val="0"/>
+              </a:spcAft>
+              <a:buClr>
+                <a:schemeClr val="dk1"/>
+              </a:buClr>
+              <a:buSzPts val="2400"/>
+              <a:buFont typeface="Arial"/>
+              <a:buNone/>
+            </a:pPr>
+            <a:r>
+              <a:rPr lang="es-ES" sz="2400" b="1" i="0" u="none" strike="noStrike" spc="50" dirty="0">
+                <a:ln w="0"/>
+                <a:effectLst>
+                  <a:innerShdw blurRad="63500" dist="50800" dir="13500000">
+                    <a:srgbClr val="000000">
+                      <a:alpha val="50000"/>
+                    </a:srgbClr>
+                  </a:innerShdw>
+                </a:effectLst>
+                <a:sym typeface="Arial"/>
+              </a:rPr>
+              <a:t>MODELO ENTIDAD </a:t>
+            </a:r>
+            <a:r>
+              <a:rPr lang="es-ES" sz="2400" b="1" spc="50" dirty="0">
+                <a:ln w="0"/>
+                <a:effectLst>
+                  <a:innerShdw blurRad="63500" dist="50800" dir="13500000">
+                    <a:srgbClr val="000000">
+                      <a:alpha val="50000"/>
+                    </a:srgbClr>
+                  </a:innerShdw>
+                </a:effectLst>
+              </a:rPr>
+              <a:t>RELACIÓN</a:t>
+            </a:r>
+            <a:endParaRPr sz="2400" b="1" i="0" u="none" strike="noStrike" spc="50" dirty="0">
+              <a:ln w="0"/>
+              <a:effectLst>
+                <a:innerShdw blurRad="63500" dist="50800" dir="13500000">
+                  <a:srgbClr val="000000">
+                    <a:alpha val="50000"/>
+                  </a:srgbClr>
+                </a:innerShdw>
+              </a:effectLst>
+              <a:sym typeface="Arial"/>
+            </a:endParaRPr>
+          </a:p>
+          <a:p>
+            <a:pPr marL="0" marR="0" lvl="0" indent="0" algn="l" rtl="0">
+              <a:lnSpc>
+                <a:spcPct val="100000"/>
+              </a:lnSpc>
+              <a:spcBef>
+                <a:spcPts val="0"/>
+              </a:spcBef>
+              <a:spcAft>
+                <a:spcPts val="0"/>
+              </a:spcAft>
+              <a:buClr>
+                <a:srgbClr val="000000"/>
+              </a:buClr>
+              <a:buSzPts val="2400"/>
+              <a:buFont typeface="Arial"/>
+              <a:buNone/>
+            </a:pPr>
+            <a:endParaRPr sz="2400" b="1" i="0" u="none" strike="noStrike" cap="none" dirty="0">
+              <a:solidFill>
+                <a:schemeClr val="lt1"/>
+              </a:solidFill>
+              <a:latin typeface="Calibri"/>
+              <a:ea typeface="Calibri"/>
+              <a:cs typeface="Calibri"/>
+              <a:sym typeface="Calibri"/>
+            </a:endParaRPr>
+          </a:p>
+        </p:txBody>
+      </p:sp>
+    </p:spTree>
+    <p:extLst>
+      <p:ext uri="{BB962C8B-B14F-4D97-AF65-F5344CB8AC3E}">
+        <p14:creationId xmlns:p14="http://schemas.microsoft.com/office/powerpoint/2010/main" val="2232540416"/>
+      </p:ext>
+    </p:extLst>
+  </p:cSld>
+  <p:clrMapOvr>
+    <a:masterClrMapping/>
+  </p:clrMapOvr>
+</p:sld>
+</file>
+
+<file path=ppt/slides/slide24.xml><?xml version="1.0" encoding="utf-8"?>
+<p:sld xmlns:a="http://schemas.openxmlformats.org/drawingml/2006/main" xmlns:r="http://schemas.openxmlformats.org/officeDocument/2006/relationships" xmlns:p="http://schemas.openxmlformats.org/presentationml/2006/main">
+  <p:cSld>
+    <p:spTree>
+      <p:nvGrpSpPr>
+        <p:cNvPr id="1" name=""/>
+        <p:cNvGrpSpPr/>
+        <p:nvPr/>
+      </p:nvGrpSpPr>
+      <p:grpSpPr>
+        <a:xfrm>
+          <a:off x="0" y="0"/>
+          <a:ext cx="0" cy="0"/>
+          <a:chOff x="0" y="0"/>
+          <a:chExt cx="0" cy="0"/>
+        </a:xfrm>
+      </p:grpSpPr>
+      <p:pic>
+        <p:nvPicPr>
+          <p:cNvPr id="5" name="Imagen 4">
+            <a:extLst>
+              <a:ext uri="{FF2B5EF4-FFF2-40B4-BE49-F238E27FC236}">
+                <a16:creationId xmlns:a16="http://schemas.microsoft.com/office/drawing/2014/main" id="{6585D5BA-F494-41D1-A253-08B97D21BEED}"/>
+              </a:ext>
+            </a:extLst>
+          </p:cNvPr>
+          <p:cNvPicPr>
+            <a:picLocks noChangeAspect="1"/>
+          </p:cNvPicPr>
+          <p:nvPr/>
+        </p:nvPicPr>
+        <p:blipFill rotWithShape="1">
+          <a:blip r:embed="rId3">
+            <a:extLst>
+              <a:ext uri="{28A0092B-C50C-407E-A947-70E740481C1C}">
+                <a14:useLocalDpi xmlns:a14="http://schemas.microsoft.com/office/drawing/2010/main" val="0"/>
+              </a:ext>
+            </a:extLst>
+          </a:blip>
+          <a:srcRect r="25802"/>
+          <a:stretch/>
+        </p:blipFill>
+        <p:spPr>
+          <a:xfrm>
+            <a:off x="0" y="241687"/>
+            <a:ext cx="3955537" cy="725723"/>
+          </a:xfrm>
+          <a:prstGeom prst="rect">
+            <a:avLst/>
+          </a:prstGeom>
+        </p:spPr>
+      </p:pic>
+      <p:sp>
+        <p:nvSpPr>
+          <p:cNvPr id="7" name="Google Shape;331;p42">
+            <a:extLst>
+              <a:ext uri="{FF2B5EF4-FFF2-40B4-BE49-F238E27FC236}">
+                <a16:creationId xmlns:a16="http://schemas.microsoft.com/office/drawing/2014/main" id="{6E0CB4A0-0CBE-43C4-9C94-7BCF81756F14}"/>
+              </a:ext>
+            </a:extLst>
+          </p:cNvPr>
+          <p:cNvSpPr txBox="1"/>
+          <p:nvPr/>
+        </p:nvSpPr>
+        <p:spPr>
+          <a:xfrm>
+            <a:off x="4871068" y="283641"/>
+            <a:ext cx="2591262" cy="707886"/>
+          </a:xfrm>
+          <a:prstGeom prst="rect">
+            <a:avLst/>
+          </a:prstGeom>
+          <a:noFill/>
+          <a:ln>
+            <a:noFill/>
+          </a:ln>
+        </p:spPr>
+        <p:txBody>
+          <a:bodyPr spcFirstLastPara="1" wrap="square" lIns="91425" tIns="45700" rIns="91425" bIns="45700" anchor="t" anchorCtr="0">
+            <a:noAutofit/>
+          </a:bodyPr>
+          <a:lstStyle/>
+          <a:p>
+            <a:pPr marL="0" marR="0" lvl="0" indent="0" algn="l" rtl="0">
+              <a:lnSpc>
+                <a:spcPct val="100000"/>
+              </a:lnSpc>
+              <a:spcBef>
+                <a:spcPts val="0"/>
+              </a:spcBef>
+              <a:spcAft>
+                <a:spcPts val="0"/>
+              </a:spcAft>
+              <a:buClr>
+                <a:srgbClr val="E8E6E8"/>
+              </a:buClr>
+              <a:buSzPts val="2000"/>
+              <a:buFont typeface="Calibri"/>
+              <a:buNone/>
+            </a:pPr>
+            <a:r>
+              <a:rPr lang="es-ES" sz="2000" b="1" i="0" u="none" strike="noStrike" cap="none" dirty="0">
+                <a:latin typeface="Calibri"/>
+                <a:ea typeface="Calibri"/>
+                <a:cs typeface="Calibri"/>
+                <a:sym typeface="Calibri"/>
+              </a:rPr>
+              <a:t>DICCIONARIO DE DATOS</a:t>
+            </a:r>
+            <a:endParaRPr dirty="0"/>
+          </a:p>
+        </p:txBody>
+      </p:sp>
+      <p:pic>
+        <p:nvPicPr>
+          <p:cNvPr id="8" name="Imagen 7">
+            <a:hlinkClick r:id="rId4" action="ppaction://hlinkfile"/>
+            <a:extLst>
+              <a:ext uri="{FF2B5EF4-FFF2-40B4-BE49-F238E27FC236}">
+                <a16:creationId xmlns:a16="http://schemas.microsoft.com/office/drawing/2014/main" id="{C2F35798-0F3E-4D34-B7B5-88AB34E630E7}"/>
+              </a:ext>
+            </a:extLst>
+          </p:cNvPr>
+          <p:cNvPicPr>
+            <a:picLocks noChangeAspect="1"/>
+          </p:cNvPicPr>
+          <p:nvPr/>
+        </p:nvPicPr>
+        <p:blipFill>
+          <a:blip r:embed="rId5"/>
+          <a:stretch>
+            <a:fillRect/>
+          </a:stretch>
+        </p:blipFill>
+        <p:spPr>
+          <a:xfrm>
+            <a:off x="198966" y="1386032"/>
+            <a:ext cx="8746067" cy="2707618"/>
+          </a:xfrm>
+          <a:prstGeom prst="rect">
+            <a:avLst/>
+          </a:prstGeom>
+        </p:spPr>
+      </p:pic>
+    </p:spTree>
+    <p:extLst>
+      <p:ext uri="{BB962C8B-B14F-4D97-AF65-F5344CB8AC3E}">
+        <p14:creationId xmlns:p14="http://schemas.microsoft.com/office/powerpoint/2010/main" val="1124346307"/>
+      </p:ext>
+    </p:extLst>
+  </p:cSld>
+  <p:clrMapOvr>
+    <a:masterClrMapping/>
+  </p:clrMapOvr>
+</p:sld>
+</file>
+
+<file path=ppt/slides/slide25.xml><?xml version="1.0" encoding="utf-8"?>
+<p:sld xmlns:a="http://schemas.openxmlformats.org/drawingml/2006/main" xmlns:r="http://schemas.openxmlformats.org/officeDocument/2006/relationships" xmlns:p="http://schemas.openxmlformats.org/presentationml/2006/main">
+  <p:cSld>
+    <p:spTree>
+      <p:nvGrpSpPr>
+        <p:cNvPr id="1" name=""/>
+        <p:cNvGrpSpPr/>
+        <p:nvPr/>
+      </p:nvGrpSpPr>
+      <p:grpSpPr>
+        <a:xfrm>
+          <a:off x="0" y="0"/>
+          <a:ext cx="0" cy="0"/>
+          <a:chOff x="0" y="0"/>
+          <a:chExt cx="0" cy="0"/>
+        </a:xfrm>
+      </p:grpSpPr>
+      <p:sp>
+        <p:nvSpPr>
+          <p:cNvPr id="3" name="Google Shape;280;p35">
+            <a:extLst>
+              <a:ext uri="{FF2B5EF4-FFF2-40B4-BE49-F238E27FC236}">
+                <a16:creationId xmlns:a16="http://schemas.microsoft.com/office/drawing/2014/main" id="{B10A3FD3-2FEC-4203-86DD-7A25FF5820EE}"/>
+              </a:ext>
+            </a:extLst>
+          </p:cNvPr>
+          <p:cNvSpPr txBox="1"/>
+          <p:nvPr/>
+        </p:nvSpPr>
+        <p:spPr>
+          <a:xfrm>
+            <a:off x="954674" y="144887"/>
+            <a:ext cx="3617325" cy="707886"/>
+          </a:xfrm>
+          <a:prstGeom prst="rect">
+            <a:avLst/>
+          </a:prstGeom>
+          <a:noFill/>
+          <a:ln>
+            <a:noFill/>
+          </a:ln>
+        </p:spPr>
+        <p:txBody>
+          <a:bodyPr spcFirstLastPara="1" wrap="square" lIns="91425" tIns="45700" rIns="91425" bIns="45700" anchor="t" anchorCtr="0">
+            <a:noAutofit/>
+          </a:bodyPr>
+          <a:lstStyle/>
+          <a:p>
+            <a:pPr marL="0" marR="0" lvl="0" indent="0" algn="l" rtl="0">
+              <a:lnSpc>
+                <a:spcPct val="100000"/>
+              </a:lnSpc>
+              <a:spcBef>
+                <a:spcPts val="0"/>
+              </a:spcBef>
+              <a:spcAft>
+                <a:spcPts val="0"/>
+              </a:spcAft>
+              <a:buClr>
+                <a:srgbClr val="E8E6E8"/>
+              </a:buClr>
+              <a:buSzPts val="2000"/>
+              <a:buFont typeface="Calibri"/>
+              <a:buNone/>
+            </a:pPr>
+            <a:r>
+              <a:rPr lang="es-ES" sz="2200" b="1" i="0" u="none" strike="noStrike" cap="none" dirty="0">
+                <a:latin typeface="Calibri"/>
+                <a:ea typeface="Calibri"/>
+                <a:cs typeface="Calibri"/>
+                <a:sym typeface="Calibri"/>
+              </a:rPr>
+              <a:t>CASO DE USO EXTENDIDO </a:t>
+            </a:r>
+            <a:endParaRPr sz="2200" dirty="0"/>
+          </a:p>
+        </p:txBody>
+      </p:sp>
+      <p:pic>
+        <p:nvPicPr>
+          <p:cNvPr id="4" name="Imagen 3">
+            <a:hlinkClick r:id="rId2" action="ppaction://hlinkfile"/>
+            <a:extLst>
+              <a:ext uri="{FF2B5EF4-FFF2-40B4-BE49-F238E27FC236}">
+                <a16:creationId xmlns:a16="http://schemas.microsoft.com/office/drawing/2014/main" id="{230DB575-92C5-4109-A87B-363E568BA4D2}"/>
+              </a:ext>
+            </a:extLst>
+          </p:cNvPr>
+          <p:cNvPicPr>
+            <a:picLocks noChangeAspect="1"/>
+          </p:cNvPicPr>
+          <p:nvPr/>
+        </p:nvPicPr>
+        <p:blipFill>
+          <a:blip r:embed="rId3"/>
+          <a:stretch>
+            <a:fillRect/>
+          </a:stretch>
+        </p:blipFill>
+        <p:spPr>
+          <a:xfrm>
+            <a:off x="255399" y="498830"/>
+            <a:ext cx="3290538" cy="4416060"/>
+          </a:xfrm>
+          <a:prstGeom prst="rect">
+            <a:avLst/>
+          </a:prstGeom>
+        </p:spPr>
+      </p:pic>
+      <p:pic>
+        <p:nvPicPr>
+          <p:cNvPr id="5" name="Imagen 4">
+            <a:hlinkClick r:id="rId2" action="ppaction://hlinkfile"/>
+            <a:extLst>
+              <a:ext uri="{FF2B5EF4-FFF2-40B4-BE49-F238E27FC236}">
+                <a16:creationId xmlns:a16="http://schemas.microsoft.com/office/drawing/2014/main" id="{779DB4D2-863D-4BC7-BE4F-0E205C05A743}"/>
+              </a:ext>
+            </a:extLst>
+          </p:cNvPr>
+          <p:cNvPicPr>
+            <a:picLocks noChangeAspect="1"/>
+          </p:cNvPicPr>
+          <p:nvPr/>
+        </p:nvPicPr>
+        <p:blipFill>
+          <a:blip r:embed="rId4"/>
+          <a:stretch>
+            <a:fillRect/>
+          </a:stretch>
+        </p:blipFill>
+        <p:spPr>
+          <a:xfrm>
+            <a:off x="3665707" y="764974"/>
+            <a:ext cx="4046308" cy="3883772"/>
+          </a:xfrm>
+          <a:prstGeom prst="rect">
+            <a:avLst/>
+          </a:prstGeom>
+        </p:spPr>
+      </p:pic>
+    </p:spTree>
+    <p:extLst>
+      <p:ext uri="{BB962C8B-B14F-4D97-AF65-F5344CB8AC3E}">
+        <p14:creationId xmlns:p14="http://schemas.microsoft.com/office/powerpoint/2010/main" val="117294563"/>
+      </p:ext>
+    </p:extLst>
+  </p:cSld>
+  <p:clrMapOvr>
+    <a:masterClrMapping/>
+  </p:clrMapOvr>
+</p:sld>
+</file>
+
+<file path=ppt/slides/slide26.xml><?xml version="1.0" encoding="utf-8"?>
+<p:sld xmlns:a="http://schemas.openxmlformats.org/drawingml/2006/main" xmlns:r="http://schemas.openxmlformats.org/officeDocument/2006/relationships" xmlns:p="http://schemas.openxmlformats.org/presentationml/2006/main">
+  <p:cSld>
+    <p:spTree>
+      <p:nvGrpSpPr>
+        <p:cNvPr id="1" name=""/>
+        <p:cNvGrpSpPr/>
+        <p:nvPr/>
+      </p:nvGrpSpPr>
+      <p:grpSpPr>
+        <a:xfrm>
+          <a:off x="0" y="0"/>
+          <a:ext cx="0" cy="0"/>
+          <a:chOff x="0" y="0"/>
+          <a:chExt cx="0" cy="0"/>
+        </a:xfrm>
+      </p:grpSpPr>
+      <p:pic>
+        <p:nvPicPr>
+          <p:cNvPr id="5" name="Imagen 4">
+            <a:extLst>
+              <a:ext uri="{FF2B5EF4-FFF2-40B4-BE49-F238E27FC236}">
+                <a16:creationId xmlns:a16="http://schemas.microsoft.com/office/drawing/2014/main" id="{6585D5BA-F494-41D1-A253-08B97D21BEED}"/>
+              </a:ext>
+            </a:extLst>
+          </p:cNvPr>
+          <p:cNvPicPr>
+            <a:picLocks noChangeAspect="1"/>
+          </p:cNvPicPr>
+          <p:nvPr/>
+        </p:nvPicPr>
+        <p:blipFill rotWithShape="1">
+          <a:blip r:embed="rId3">
+            <a:extLst>
+              <a:ext uri="{28A0092B-C50C-407E-A947-70E740481C1C}">
+                <a14:useLocalDpi xmlns:a14="http://schemas.microsoft.com/office/drawing/2010/main" val="0"/>
+              </a:ext>
+            </a:extLst>
+          </a:blip>
+          <a:srcRect r="25802"/>
+          <a:stretch/>
+        </p:blipFill>
+        <p:spPr>
+          <a:xfrm>
+            <a:off x="0" y="241687"/>
+            <a:ext cx="3955537" cy="725723"/>
+          </a:xfrm>
+          <a:prstGeom prst="rect">
+            <a:avLst/>
+          </a:prstGeom>
+        </p:spPr>
+      </p:pic>
+      <p:pic>
+        <p:nvPicPr>
+          <p:cNvPr id="8" name="Imagen 7">
+            <a:hlinkClick r:id="rId4" action="ppaction://hlinkfile"/>
+            <a:extLst>
+              <a:ext uri="{FF2B5EF4-FFF2-40B4-BE49-F238E27FC236}">
+                <a16:creationId xmlns:a16="http://schemas.microsoft.com/office/drawing/2014/main" id="{C2F35798-0F3E-4D34-B7B5-88AB34E630E7}"/>
+              </a:ext>
+            </a:extLst>
+          </p:cNvPr>
+          <p:cNvPicPr>
+            <a:picLocks noChangeAspect="1"/>
+          </p:cNvPicPr>
+          <p:nvPr/>
+        </p:nvPicPr>
+        <p:blipFill>
+          <a:blip r:embed="rId5"/>
+          <a:stretch>
+            <a:fillRect/>
+          </a:stretch>
+        </p:blipFill>
+        <p:spPr>
+          <a:xfrm>
+            <a:off x="198966" y="1386032"/>
+            <a:ext cx="8746067" cy="2707618"/>
+          </a:xfrm>
+          <a:prstGeom prst="rect">
+            <a:avLst/>
+          </a:prstGeom>
+        </p:spPr>
+      </p:pic>
+      <p:sp>
+        <p:nvSpPr>
+          <p:cNvPr id="6" name="Google Shape;294;p37">
+            <a:extLst>
+              <a:ext uri="{FF2B5EF4-FFF2-40B4-BE49-F238E27FC236}">
+                <a16:creationId xmlns:a16="http://schemas.microsoft.com/office/drawing/2014/main" id="{52793ED8-2214-4256-A6F0-E62C1D6AFDF2}"/>
+              </a:ext>
+            </a:extLst>
+          </p:cNvPr>
+          <p:cNvSpPr txBox="1"/>
+          <p:nvPr/>
+        </p:nvSpPr>
+        <p:spPr>
+          <a:xfrm>
+            <a:off x="4421364" y="259524"/>
+            <a:ext cx="2897478" cy="707886"/>
+          </a:xfrm>
+          <a:prstGeom prst="rect">
+            <a:avLst/>
+          </a:prstGeom>
+          <a:noFill/>
+          <a:ln>
+            <a:noFill/>
+          </a:ln>
+        </p:spPr>
+        <p:txBody>
+          <a:bodyPr spcFirstLastPara="1" wrap="square" lIns="91425" tIns="45700" rIns="91425" bIns="45700" anchor="t" anchorCtr="0">
+            <a:noAutofit/>
+          </a:bodyPr>
+          <a:lstStyle/>
+          <a:p>
+            <a:pPr marL="0" marR="0" lvl="0" indent="0" algn="l" rtl="0">
+              <a:lnSpc>
+                <a:spcPct val="100000"/>
+              </a:lnSpc>
+              <a:spcBef>
+                <a:spcPts val="0"/>
+              </a:spcBef>
+              <a:spcAft>
+                <a:spcPts val="0"/>
+              </a:spcAft>
+              <a:buClr>
+                <a:srgbClr val="E8E6E8"/>
+              </a:buClr>
+              <a:buSzPts val="2000"/>
+              <a:buFont typeface="Calibri"/>
+              <a:buNone/>
+            </a:pPr>
+            <a:r>
+              <a:rPr lang="es-ES" sz="2000" b="1" i="0" u="none" strike="noStrike" cap="none" dirty="0">
+                <a:latin typeface="Calibri"/>
+                <a:ea typeface="Calibri"/>
+                <a:cs typeface="Calibri"/>
+                <a:sym typeface="Calibri"/>
+              </a:rPr>
+              <a:t>DIAGRAMAS UML</a:t>
+            </a:r>
+            <a:endParaRPr dirty="0"/>
+          </a:p>
+          <a:p>
+            <a:pPr marL="0" marR="0" lvl="0" indent="0" algn="l" rtl="0">
+              <a:lnSpc>
+                <a:spcPct val="100000"/>
+              </a:lnSpc>
+              <a:spcBef>
+                <a:spcPts val="0"/>
+              </a:spcBef>
+              <a:spcAft>
+                <a:spcPts val="0"/>
+              </a:spcAft>
+              <a:buClr>
+                <a:srgbClr val="E8E6E8"/>
+              </a:buClr>
+              <a:buSzPts val="2000"/>
+              <a:buFont typeface="Calibri"/>
+              <a:buNone/>
+            </a:pPr>
+            <a:r>
+              <a:rPr lang="es-ES" sz="2000" b="1" i="0" u="none" strike="noStrike" cap="none" dirty="0">
+                <a:latin typeface="Calibri"/>
+                <a:ea typeface="Calibri"/>
+                <a:cs typeface="Calibri"/>
+                <a:sym typeface="Calibri"/>
+              </a:rPr>
+              <a:t>DIAGRAMA DE ESTADO</a:t>
+            </a:r>
+            <a:endParaRPr dirty="0"/>
+          </a:p>
+        </p:txBody>
+      </p:sp>
+    </p:spTree>
+    <p:extLst>
+      <p:ext uri="{BB962C8B-B14F-4D97-AF65-F5344CB8AC3E}">
+        <p14:creationId xmlns:p14="http://schemas.microsoft.com/office/powerpoint/2010/main" val="3387494893"/>
+      </p:ext>
+    </p:extLst>
+  </p:cSld>
+  <p:clrMapOvr>
+    <a:masterClrMapping/>
+  </p:clrMapOvr>
+</p:sld>
+</file>
+
+<file path=ppt/slides/slide27.xml><?xml version="1.0" encoding="utf-8"?>
+<p:sld xmlns:a="http://schemas.openxmlformats.org/drawingml/2006/main" xmlns:r="http://schemas.openxmlformats.org/officeDocument/2006/relationships" xmlns:p="http://schemas.openxmlformats.org/presentationml/2006/main">
+  <p:cSld>
+    <p:spTree>
+      <p:nvGrpSpPr>
+        <p:cNvPr id="1" name=""/>
+        <p:cNvGrpSpPr/>
+        <p:nvPr/>
+      </p:nvGrpSpPr>
+      <p:grpSpPr>
+        <a:xfrm>
+          <a:off x="0" y="0"/>
+          <a:ext cx="0" cy="0"/>
+          <a:chOff x="0" y="0"/>
+          <a:chExt cx="0" cy="0"/>
+        </a:xfrm>
+      </p:grpSpPr>
+      <p:pic>
+        <p:nvPicPr>
+          <p:cNvPr id="5" name="Imagen 4">
+            <a:extLst>
+              <a:ext uri="{FF2B5EF4-FFF2-40B4-BE49-F238E27FC236}">
+                <a16:creationId xmlns:a16="http://schemas.microsoft.com/office/drawing/2014/main" id="{6585D5BA-F494-41D1-A253-08B97D21BEED}"/>
+              </a:ext>
+            </a:extLst>
+          </p:cNvPr>
+          <p:cNvPicPr>
+            <a:picLocks noChangeAspect="1"/>
+          </p:cNvPicPr>
+          <p:nvPr/>
+        </p:nvPicPr>
+        <p:blipFill rotWithShape="1">
+          <a:blip r:embed="rId3">
+            <a:extLst>
+              <a:ext uri="{28A0092B-C50C-407E-A947-70E740481C1C}">
+                <a14:useLocalDpi xmlns:a14="http://schemas.microsoft.com/office/drawing/2010/main" val="0"/>
+              </a:ext>
+            </a:extLst>
+          </a:blip>
+          <a:srcRect r="25802"/>
+          <a:stretch/>
+        </p:blipFill>
+        <p:spPr>
+          <a:xfrm>
+            <a:off x="0" y="241687"/>
+            <a:ext cx="3955537" cy="725723"/>
+          </a:xfrm>
+          <a:prstGeom prst="rect">
+            <a:avLst/>
+          </a:prstGeom>
+        </p:spPr>
+      </p:pic>
+      <p:pic>
+        <p:nvPicPr>
+          <p:cNvPr id="2" name="Imagen 1">
+            <a:extLst>
+              <a:ext uri="{FF2B5EF4-FFF2-40B4-BE49-F238E27FC236}">
+                <a16:creationId xmlns:a16="http://schemas.microsoft.com/office/drawing/2014/main" id="{1835B138-BAA5-418C-BC65-26CB89E03BEE}"/>
+              </a:ext>
+            </a:extLst>
+          </p:cNvPr>
+          <p:cNvPicPr>
+            <a:picLocks noChangeAspect="1"/>
+          </p:cNvPicPr>
+          <p:nvPr/>
+        </p:nvPicPr>
+        <p:blipFill>
+          <a:blip r:embed="rId4"/>
+          <a:stretch>
+            <a:fillRect/>
+          </a:stretch>
+        </p:blipFill>
+        <p:spPr>
+          <a:xfrm>
+            <a:off x="323799" y="1141948"/>
+            <a:ext cx="8496402" cy="3759865"/>
+          </a:xfrm>
+          <a:prstGeom prst="rect">
+            <a:avLst/>
+          </a:prstGeom>
+        </p:spPr>
+      </p:pic>
+      <p:sp>
+        <p:nvSpPr>
+          <p:cNvPr id="7" name="Google Shape;294;p37">
+            <a:extLst>
+              <a:ext uri="{FF2B5EF4-FFF2-40B4-BE49-F238E27FC236}">
+                <a16:creationId xmlns:a16="http://schemas.microsoft.com/office/drawing/2014/main" id="{F883A732-51FF-4C0B-8415-B1D75774CB13}"/>
+              </a:ext>
+            </a:extLst>
+          </p:cNvPr>
+          <p:cNvSpPr txBox="1"/>
+          <p:nvPr/>
+        </p:nvSpPr>
+        <p:spPr>
+          <a:xfrm>
+            <a:off x="4572000" y="274915"/>
+            <a:ext cx="2897478" cy="707886"/>
+          </a:xfrm>
+          <a:prstGeom prst="rect">
+            <a:avLst/>
+          </a:prstGeom>
+          <a:noFill/>
+          <a:ln>
+            <a:noFill/>
+          </a:ln>
+        </p:spPr>
+        <p:txBody>
+          <a:bodyPr spcFirstLastPara="1" wrap="square" lIns="91425" tIns="45700" rIns="91425" bIns="45700" anchor="t" anchorCtr="0">
+            <a:noAutofit/>
+          </a:bodyPr>
+          <a:lstStyle/>
+          <a:p>
+            <a:pPr marL="0" marR="0" lvl="0" indent="0" algn="l" rtl="0">
+              <a:lnSpc>
+                <a:spcPct val="100000"/>
+              </a:lnSpc>
+              <a:spcBef>
+                <a:spcPts val="0"/>
+              </a:spcBef>
+              <a:spcAft>
+                <a:spcPts val="0"/>
+              </a:spcAft>
+              <a:buClr>
+                <a:srgbClr val="E8E6E8"/>
+              </a:buClr>
+              <a:buSzPts val="2000"/>
+              <a:buFont typeface="Calibri"/>
+              <a:buNone/>
+            </a:pPr>
+            <a:r>
+              <a:rPr lang="es-ES" sz="2000" b="1" i="0" u="none" strike="noStrike" cap="none" dirty="0">
+                <a:latin typeface="Calibri"/>
+                <a:ea typeface="Calibri"/>
+                <a:cs typeface="Calibri"/>
+                <a:sym typeface="Calibri"/>
+              </a:rPr>
+              <a:t>DIAGRAMAS UML</a:t>
+            </a:r>
+            <a:endParaRPr dirty="0"/>
+          </a:p>
+          <a:p>
+            <a:pPr marL="0" marR="0" lvl="0" indent="0" algn="l" rtl="0">
+              <a:lnSpc>
+                <a:spcPct val="100000"/>
+              </a:lnSpc>
+              <a:spcBef>
+                <a:spcPts val="0"/>
+              </a:spcBef>
+              <a:spcAft>
+                <a:spcPts val="0"/>
+              </a:spcAft>
+              <a:buClr>
+                <a:srgbClr val="E8E6E8"/>
+              </a:buClr>
+              <a:buSzPts val="2000"/>
+              <a:buFont typeface="Calibri"/>
+              <a:buNone/>
+            </a:pPr>
+            <a:r>
+              <a:rPr lang="es-ES" sz="2000" b="1" i="0" u="none" strike="noStrike" cap="none" dirty="0">
+                <a:latin typeface="Calibri"/>
+                <a:ea typeface="Calibri"/>
+                <a:cs typeface="Calibri"/>
+                <a:sym typeface="Calibri"/>
+              </a:rPr>
+              <a:t>DIAGRAMA DE ESTADO</a:t>
+            </a:r>
+            <a:endParaRPr dirty="0"/>
+          </a:p>
+        </p:txBody>
+      </p:sp>
+    </p:spTree>
+    <p:extLst>
+      <p:ext uri="{BB962C8B-B14F-4D97-AF65-F5344CB8AC3E}">
+        <p14:creationId xmlns:p14="http://schemas.microsoft.com/office/powerpoint/2010/main" val="3458882099"/>
+      </p:ext>
+    </p:extLst>
+  </p:cSld>
+  <p:clrMapOvr>
+    <a:masterClrMapping/>
+  </p:clrMapOvr>
+</p:sld>
+</file>
+
+<file path=ppt/slides/slide28.xml><?xml version="1.0" encoding="utf-8"?>
+<p:sld xmlns:a="http://schemas.openxmlformats.org/drawingml/2006/main" xmlns:r="http://schemas.openxmlformats.org/officeDocument/2006/relationships" xmlns:p="http://schemas.openxmlformats.org/presentationml/2006/main">
+  <p:cSld>
+    <p:spTree>
+      <p:nvGrpSpPr>
+        <p:cNvPr id="1" name=""/>
+        <p:cNvGrpSpPr/>
+        <p:nvPr/>
+      </p:nvGrpSpPr>
+      <p:grpSpPr>
+        <a:xfrm>
+          <a:off x="0" y="0"/>
+          <a:ext cx="0" cy="0"/>
+          <a:chOff x="0" y="0"/>
+          <a:chExt cx="0" cy="0"/>
+        </a:xfrm>
+      </p:grpSpPr>
+      <p:sp>
+        <p:nvSpPr>
+          <p:cNvPr id="6" name="Google Shape;324;p41">
+            <a:extLst>
+              <a:ext uri="{FF2B5EF4-FFF2-40B4-BE49-F238E27FC236}">
+                <a16:creationId xmlns:a16="http://schemas.microsoft.com/office/drawing/2014/main" id="{FF68E902-3C2D-4144-9CFA-2625883966AF}"/>
+              </a:ext>
+            </a:extLst>
+          </p:cNvPr>
+          <p:cNvSpPr txBox="1"/>
+          <p:nvPr/>
+        </p:nvSpPr>
+        <p:spPr>
+          <a:xfrm>
+            <a:off x="954675" y="144887"/>
+            <a:ext cx="2591262" cy="707886"/>
+          </a:xfrm>
+          <a:prstGeom prst="rect">
+            <a:avLst/>
+          </a:prstGeom>
+          <a:noFill/>
+          <a:ln>
+            <a:noFill/>
+          </a:ln>
+        </p:spPr>
+        <p:txBody>
+          <a:bodyPr spcFirstLastPara="1" wrap="square" lIns="91425" tIns="45700" rIns="91425" bIns="45700" anchor="t" anchorCtr="0">
+            <a:noAutofit/>
+          </a:bodyPr>
+          <a:lstStyle/>
+          <a:p>
+            <a:pPr marL="0" marR="0" lvl="0" indent="0" algn="l" rtl="0">
+              <a:lnSpc>
+                <a:spcPct val="100000"/>
+              </a:lnSpc>
+              <a:spcBef>
+                <a:spcPts val="0"/>
+              </a:spcBef>
+              <a:spcAft>
+                <a:spcPts val="0"/>
+              </a:spcAft>
+              <a:buClr>
+                <a:srgbClr val="E8E6E8"/>
+              </a:buClr>
+              <a:buSzPts val="2000"/>
+              <a:buFont typeface="Calibri"/>
+              <a:buNone/>
+            </a:pPr>
+            <a:r>
+              <a:rPr lang="es-ES" sz="2000" b="1" i="0" u="none" strike="noStrike" cap="none" dirty="0">
+                <a:latin typeface="Calibri"/>
+                <a:ea typeface="Calibri"/>
+                <a:cs typeface="Calibri"/>
+                <a:sym typeface="Calibri"/>
+              </a:rPr>
+              <a:t>DIAGRAMAS UML</a:t>
+            </a:r>
+            <a:endParaRPr dirty="0"/>
+          </a:p>
+          <a:p>
+            <a:pPr marL="0" marR="0" lvl="0" indent="0" algn="l" rtl="0">
+              <a:lnSpc>
+                <a:spcPct val="100000"/>
+              </a:lnSpc>
+              <a:spcBef>
+                <a:spcPts val="0"/>
+              </a:spcBef>
+              <a:spcAft>
+                <a:spcPts val="0"/>
+              </a:spcAft>
+              <a:buClr>
+                <a:srgbClr val="E8E6E8"/>
+              </a:buClr>
+              <a:buSzPts val="2000"/>
+              <a:buFont typeface="Calibri"/>
+              <a:buNone/>
+            </a:pPr>
+            <a:r>
+              <a:rPr lang="es-ES" sz="2000" b="1" i="0" u="none" strike="noStrike" cap="none" dirty="0">
+                <a:latin typeface="Calibri"/>
+                <a:ea typeface="Calibri"/>
+                <a:cs typeface="Calibri"/>
+                <a:sym typeface="Calibri"/>
+              </a:rPr>
+              <a:t>DIAGRAMA DE CLASES</a:t>
+            </a:r>
+            <a:endParaRPr dirty="0"/>
+          </a:p>
+        </p:txBody>
+      </p:sp>
+      <p:pic>
+        <p:nvPicPr>
+          <p:cNvPr id="2" name="Imagen 1">
+            <a:extLst>
+              <a:ext uri="{FF2B5EF4-FFF2-40B4-BE49-F238E27FC236}">
+                <a16:creationId xmlns:a16="http://schemas.microsoft.com/office/drawing/2014/main" id="{155F550E-AA8A-45BC-B141-886EE28DDD8D}"/>
+              </a:ext>
+            </a:extLst>
+          </p:cNvPr>
+          <p:cNvPicPr>
+            <a:picLocks noChangeAspect="1"/>
+          </p:cNvPicPr>
+          <p:nvPr/>
+        </p:nvPicPr>
+        <p:blipFill>
+          <a:blip r:embed="rId2"/>
+          <a:stretch>
+            <a:fillRect/>
+          </a:stretch>
+        </p:blipFill>
+        <p:spPr>
+          <a:xfrm>
+            <a:off x="155276" y="852773"/>
+            <a:ext cx="7539486" cy="4145840"/>
+          </a:xfrm>
+          <a:prstGeom prst="rect">
+            <a:avLst/>
+          </a:prstGeom>
+        </p:spPr>
+      </p:pic>
+    </p:spTree>
+    <p:extLst>
+      <p:ext uri="{BB962C8B-B14F-4D97-AF65-F5344CB8AC3E}">
+        <p14:creationId xmlns:p14="http://schemas.microsoft.com/office/powerpoint/2010/main" val="874215305"/>
+      </p:ext>
+    </p:extLst>
+  </p:cSld>
+  <p:clrMapOvr>
+    <a:masterClrMapping/>
+  </p:clrMapOvr>
+</p:sld>
+</file>
+
+<file path=ppt/slides/slide29.xml><?xml version="1.0" encoding="utf-8"?>
+<p:sld xmlns:a="http://schemas.openxmlformats.org/drawingml/2006/main" xmlns:r="http://schemas.openxmlformats.org/officeDocument/2006/relationships" xmlns:p="http://schemas.openxmlformats.org/presentationml/2006/main">
+  <p:cSld>
+    <p:spTree>
+      <p:nvGrpSpPr>
+        <p:cNvPr id="1" name=""/>
+        <p:cNvGrpSpPr/>
+        <p:nvPr/>
+      </p:nvGrpSpPr>
+      <p:grpSpPr>
+        <a:xfrm>
+          <a:off x="0" y="0"/>
+          <a:ext cx="0" cy="0"/>
+          <a:chOff x="0" y="0"/>
+          <a:chExt cx="0" cy="0"/>
+        </a:xfrm>
+      </p:grpSpPr>
+      <p:sp>
+        <p:nvSpPr>
+          <p:cNvPr id="8" name="CuadroTexto 7"/>
+          <p:cNvSpPr txBox="1"/>
+          <p:nvPr/>
+        </p:nvSpPr>
+        <p:spPr>
+          <a:xfrm>
+            <a:off x="5888097" y="767217"/>
+            <a:ext cx="2780268" cy="461665"/>
+          </a:xfrm>
+          <a:prstGeom prst="rect">
+            <a:avLst/>
+          </a:prstGeom>
+          <a:noFill/>
+        </p:spPr>
+        <p:txBody>
+          <a:bodyPr wrap="square" rtlCol="0">
+            <a:spAutoFit/>
+          </a:bodyPr>
+          <a:lstStyle/>
+          <a:p>
+            <a:pPr algn="r"/>
+            <a:r>
+              <a:rPr lang="es-ES" sz="2400" b="1" dirty="0">
+                <a:solidFill>
+                  <a:schemeClr val="bg1"/>
+                </a:solidFill>
+                <a:latin typeface="Work sans"/>
+                <a:cs typeface="Work sans"/>
+              </a:rPr>
+              <a:t>Título</a:t>
+            </a:r>
+          </a:p>
+        </p:txBody>
+      </p:sp>
+      <p:sp>
+        <p:nvSpPr>
+          <p:cNvPr id="9" name="CuadroTexto 8"/>
+          <p:cNvSpPr txBox="1"/>
+          <p:nvPr/>
+        </p:nvSpPr>
+        <p:spPr>
+          <a:xfrm>
+            <a:off x="6331374" y="1598585"/>
+            <a:ext cx="2336991" cy="584776"/>
+          </a:xfrm>
+          <a:prstGeom prst="rect">
+            <a:avLst/>
+          </a:prstGeom>
+          <a:noFill/>
+        </p:spPr>
+        <p:txBody>
+          <a:bodyPr wrap="square" rtlCol="0">
+            <a:spAutoFit/>
+          </a:bodyPr>
+          <a:lstStyle/>
+          <a:p>
+            <a:pPr algn="r"/>
+            <a:r>
+              <a:rPr lang="es-ES" sz="1600" dirty="0">
+                <a:solidFill>
+                  <a:schemeClr val="bg1"/>
+                </a:solidFill>
+                <a:latin typeface="Work sans"/>
+                <a:cs typeface="Work sans"/>
+              </a:rPr>
+              <a:t>Espacio para frase concreta.</a:t>
+            </a:r>
+          </a:p>
+        </p:txBody>
+      </p:sp>
+      <p:pic>
+        <p:nvPicPr>
+          <p:cNvPr id="11" name="Imagen 10"/>
+          <p:cNvPicPr>
+            <a:picLocks noChangeAspect="1"/>
+          </p:cNvPicPr>
+          <p:nvPr/>
+        </p:nvPicPr>
+        <p:blipFill>
+          <a:blip r:embed="rId3"/>
+          <a:stretch>
+            <a:fillRect/>
+          </a:stretch>
+        </p:blipFill>
+        <p:spPr>
+          <a:xfrm flipV="1">
+            <a:off x="0" y="1481"/>
+            <a:ext cx="9144000" cy="996567"/>
+          </a:xfrm>
+          <a:prstGeom prst="rect">
+            <a:avLst/>
+          </a:prstGeom>
+        </p:spPr>
+      </p:pic>
+      <p:pic>
+        <p:nvPicPr>
+          <p:cNvPr id="16" name="Imagen 15" descr="naranja.png"/>
+          <p:cNvPicPr>
+            <a:picLocks noChangeAspect="1"/>
+          </p:cNvPicPr>
+          <p:nvPr/>
+        </p:nvPicPr>
+        <p:blipFill rotWithShape="1">
+          <a:blip r:embed="rId4">
+            <a:extLst>
+              <a:ext uri="{28A0092B-C50C-407E-A947-70E740481C1C}">
+                <a14:useLocalDpi xmlns:a14="http://schemas.microsoft.com/office/drawing/2010/main" val="0"/>
+              </a:ext>
+            </a:extLst>
+          </a:blip>
+          <a:srcRect l="21032" t="19996" r="22452" b="17818"/>
+          <a:stretch/>
+        </p:blipFill>
+        <p:spPr>
+          <a:xfrm>
+            <a:off x="8367676" y="4376283"/>
+            <a:ext cx="601377" cy="603694"/>
+          </a:xfrm>
+          <a:prstGeom prst="rect">
+            <a:avLst/>
+          </a:prstGeom>
+        </p:spPr>
+      </p:pic>
+      <p:sp>
+        <p:nvSpPr>
+          <p:cNvPr id="12" name="Google Shape;339;p43">
+            <a:extLst>
+              <a:ext uri="{FF2B5EF4-FFF2-40B4-BE49-F238E27FC236}">
+                <a16:creationId xmlns:a16="http://schemas.microsoft.com/office/drawing/2014/main" id="{B8A0C3BA-D6B0-4099-85CC-BDCAD65B7AFF}"/>
+              </a:ext>
+            </a:extLst>
+          </p:cNvPr>
+          <p:cNvSpPr txBox="1"/>
+          <p:nvPr/>
+        </p:nvSpPr>
+        <p:spPr>
+          <a:xfrm>
+            <a:off x="656095" y="98234"/>
+            <a:ext cx="2591262" cy="707886"/>
+          </a:xfrm>
+          <a:prstGeom prst="rect">
+            <a:avLst/>
+          </a:prstGeom>
+          <a:noFill/>
+          <a:ln>
+            <a:noFill/>
+          </a:ln>
+        </p:spPr>
+        <p:txBody>
+          <a:bodyPr spcFirstLastPara="1" wrap="square" lIns="91425" tIns="45700" rIns="91425" bIns="45700" anchor="t" anchorCtr="0">
+            <a:noAutofit/>
+          </a:bodyPr>
+          <a:lstStyle/>
+          <a:p>
+            <a:pPr marL="0" marR="0" lvl="0" indent="0" algn="l" rtl="0">
+              <a:lnSpc>
+                <a:spcPct val="100000"/>
+              </a:lnSpc>
+              <a:spcBef>
+                <a:spcPts val="0"/>
+              </a:spcBef>
+              <a:spcAft>
+                <a:spcPts val="0"/>
+              </a:spcAft>
+              <a:buClr>
+                <a:srgbClr val="E8E6E8"/>
+              </a:buClr>
+              <a:buSzPts val="2000"/>
+              <a:buFont typeface="Calibri"/>
+              <a:buNone/>
+            </a:pPr>
+            <a:r>
+              <a:rPr lang="es-ES" sz="2000" b="1" i="0" u="none" strike="noStrike" cap="none" dirty="0">
+                <a:solidFill>
+                  <a:srgbClr val="E8E6E8"/>
+                </a:solidFill>
+                <a:latin typeface="Calibri"/>
+                <a:ea typeface="Calibri"/>
+                <a:cs typeface="Calibri"/>
+                <a:sym typeface="Calibri"/>
+              </a:rPr>
+              <a:t>MOCKUPS </a:t>
+            </a:r>
+            <a:endParaRPr sz="2000" b="1" i="0" u="none" strike="noStrike" cap="none" dirty="0">
+              <a:solidFill>
+                <a:srgbClr val="E8E6E8"/>
+              </a:solidFill>
+              <a:latin typeface="Calibri"/>
+              <a:ea typeface="Calibri"/>
+              <a:cs typeface="Calibri"/>
+              <a:sym typeface="Calibri"/>
+            </a:endParaRPr>
+          </a:p>
+        </p:txBody>
+      </p:sp>
+      <p:pic>
+        <p:nvPicPr>
+          <p:cNvPr id="14" name="Imagen 13">
+            <a:hlinkClick r:id="rId5" action="ppaction://hlinkfile"/>
+            <a:extLst>
+              <a:ext uri="{FF2B5EF4-FFF2-40B4-BE49-F238E27FC236}">
+                <a16:creationId xmlns:a16="http://schemas.microsoft.com/office/drawing/2014/main" id="{0AFAD4C6-8C9E-43A0-AB18-9F464847F92B}"/>
+              </a:ext>
+            </a:extLst>
+          </p:cNvPr>
+          <p:cNvPicPr>
+            <a:picLocks noChangeAspect="1"/>
+          </p:cNvPicPr>
+          <p:nvPr/>
+        </p:nvPicPr>
+        <p:blipFill rotWithShape="1">
+          <a:blip r:embed="rId6"/>
+          <a:srcRect l="41574" t="12699" r="7204" b="33797"/>
+          <a:stretch/>
+        </p:blipFill>
+        <p:spPr>
+          <a:xfrm>
+            <a:off x="475635" y="1598585"/>
+            <a:ext cx="3463037" cy="2260880"/>
+          </a:xfrm>
+          <a:prstGeom prst="rect">
+            <a:avLst/>
+          </a:prstGeom>
+          <a:ln w="38100" cap="sq">
+            <a:solidFill>
+              <a:srgbClr val="000000"/>
+            </a:solidFill>
+            <a:prstDash val="solid"/>
+            <a:miter lim="800000"/>
+          </a:ln>
+          <a:effectLst>
+            <a:outerShdw blurRad="50800" dist="38100" dir="2700000" algn="tl" rotWithShape="0">
+              <a:srgbClr val="000000">
+                <a:alpha val="43000"/>
+              </a:srgbClr>
+            </a:outerShdw>
+          </a:effectLst>
+        </p:spPr>
+      </p:pic>
+      <p:pic>
+        <p:nvPicPr>
+          <p:cNvPr id="15" name="Imagen 14">
+            <a:hlinkClick r:id="rId7" action="ppaction://hlinkfile"/>
+            <a:extLst>
+              <a:ext uri="{FF2B5EF4-FFF2-40B4-BE49-F238E27FC236}">
+                <a16:creationId xmlns:a16="http://schemas.microsoft.com/office/drawing/2014/main" id="{FCC30790-AF94-43D9-A43C-6DE5E8309197}"/>
+              </a:ext>
+            </a:extLst>
+          </p:cNvPr>
+          <p:cNvPicPr>
+            <a:picLocks noChangeAspect="1"/>
+          </p:cNvPicPr>
+          <p:nvPr/>
+        </p:nvPicPr>
+        <p:blipFill rotWithShape="1">
+          <a:blip r:embed="rId8"/>
+          <a:srcRect l="41577" t="16802" r="8484" b="9352"/>
+          <a:stretch/>
+        </p:blipFill>
+        <p:spPr>
+          <a:xfrm>
+            <a:off x="4201117" y="1122595"/>
+            <a:ext cx="4109776" cy="3798277"/>
+          </a:xfrm>
+          <a:prstGeom prst="rect">
+            <a:avLst/>
+          </a:prstGeom>
+          <a:ln w="38100" cap="sq">
+            <a:solidFill>
+              <a:srgbClr val="000000"/>
+            </a:solidFill>
+            <a:prstDash val="solid"/>
+            <a:miter lim="800000"/>
+          </a:ln>
+          <a:effectLst>
+            <a:outerShdw blurRad="50800" dist="38100" dir="2700000" algn="tl" rotWithShape="0">
+              <a:srgbClr val="000000">
+                <a:alpha val="43000"/>
+              </a:srgbClr>
+            </a:outerShdw>
+          </a:effectLst>
+        </p:spPr>
+      </p:pic>
+    </p:spTree>
+    <p:extLst>
+      <p:ext uri="{BB962C8B-B14F-4D97-AF65-F5344CB8AC3E}">
+        <p14:creationId xmlns:p14="http://schemas.microsoft.com/office/powerpoint/2010/main" val="141033212"/>
+      </p:ext>
+    </p:extLst>
+  </p:cSld>
+  <p:clrMapOvr>
+    <a:masterClrMapping/>
+  </p:clrMapOvr>
+</p:sld>
+</file>
+
+<file path=ppt/slides/slide3.xml><?xml version="1.0" encoding="utf-8"?>
+<p:sld xmlns:a="http://schemas.openxmlformats.org/drawingml/2006/main" xmlns:r="http://schemas.openxmlformats.org/officeDocument/2006/relationships" xmlns:p="http://schemas.openxmlformats.org/presentationml/2006/main">
+  <p:cSld>
+    <p:spTree>
+      <p:nvGrpSpPr>
+        <p:cNvPr id="1" name=""/>
+        <p:cNvGrpSpPr/>
+        <p:nvPr/>
+      </p:nvGrpSpPr>
+      <p:grpSpPr>
+        <a:xfrm>
+          <a:off x="0" y="0"/>
+          <a:ext cx="0" cy="0"/>
+          <a:chOff x="0" y="0"/>
+          <a:chExt cx="0" cy="0"/>
+        </a:xfrm>
+      </p:grpSpPr>
+      <p:sp>
+        <p:nvSpPr>
+          <p:cNvPr id="2" name="CuadroTexto 1">
+            <a:extLst>
+              <a:ext uri="{FF2B5EF4-FFF2-40B4-BE49-F238E27FC236}">
+                <a16:creationId xmlns:a16="http://schemas.microsoft.com/office/drawing/2014/main" id="{2E50C185-1F39-4E4A-82AB-6D0810993C26}"/>
+              </a:ext>
+            </a:extLst>
+          </p:cNvPr>
+          <p:cNvSpPr txBox="1"/>
+          <p:nvPr/>
+        </p:nvSpPr>
+        <p:spPr>
+          <a:xfrm>
+            <a:off x="374547" y="1046225"/>
+            <a:ext cx="3194529" cy="954107"/>
+          </a:xfrm>
+          <a:prstGeom prst="rect">
+            <a:avLst/>
+          </a:prstGeom>
+          <a:noFill/>
+        </p:spPr>
+        <p:txBody>
+          <a:bodyPr wrap="none" rtlCol="0">
+            <a:spAutoFit/>
+          </a:bodyPr>
+          <a:lstStyle/>
+          <a:p>
+            <a:r>
+              <a:rPr lang="es-ES" sz="2800" b="1" dirty="0">
+                <a:solidFill>
+                  <a:schemeClr val="dk1"/>
+                </a:solidFill>
+                <a:ea typeface="Calibri"/>
+                <a:cs typeface="Calibri"/>
+                <a:sym typeface="Calibri"/>
+              </a:rPr>
+              <a:t>OBJETIVO GENERAL </a:t>
+            </a:r>
+          </a:p>
+          <a:p>
+            <a:endParaRPr lang="es-ES" sz="2800" dirty="0">
+              <a:solidFill>
+                <a:srgbClr val="274FB2"/>
+              </a:solidFill>
+              <a:latin typeface="Work Sans" panose="00000500000000000000" pitchFamily="2" charset="0"/>
+            </a:endParaRPr>
+          </a:p>
+        </p:txBody>
+      </p:sp>
+      <p:sp>
+        <p:nvSpPr>
+          <p:cNvPr id="3" name="CuadroTexto 2">
+            <a:extLst>
+              <a:ext uri="{FF2B5EF4-FFF2-40B4-BE49-F238E27FC236}">
+                <a16:creationId xmlns:a16="http://schemas.microsoft.com/office/drawing/2014/main" id="{AF00D8B4-DEFB-4EDA-BF16-6AA85ED0F0B4}"/>
+              </a:ext>
+            </a:extLst>
+          </p:cNvPr>
+          <p:cNvSpPr txBox="1"/>
+          <p:nvPr/>
+        </p:nvSpPr>
+        <p:spPr>
+          <a:xfrm>
+            <a:off x="202018" y="2000332"/>
+            <a:ext cx="6940654" cy="1846659"/>
+          </a:xfrm>
+          <a:prstGeom prst="rect">
+            <a:avLst/>
+          </a:prstGeom>
+          <a:noFill/>
+        </p:spPr>
+        <p:txBody>
+          <a:bodyPr wrap="square" rtlCol="0">
+            <a:spAutoFit/>
+          </a:bodyPr>
+          <a:lstStyle/>
+          <a:p>
+            <a:pPr lvl="0" algn="just">
+              <a:buClr>
+                <a:srgbClr val="595959"/>
+              </a:buClr>
+              <a:buSzPts val="2000"/>
+            </a:pPr>
+            <a:r>
+              <a:rPr lang="es-ES" sz="1900" b="1" dirty="0">
+                <a:solidFill>
+                  <a:srgbClr val="595959"/>
+                </a:solidFill>
+                <a:latin typeface="+mj-lt"/>
+                <a:ea typeface="Calibri"/>
+                <a:cs typeface="Calibri"/>
+                <a:sym typeface="Calibri"/>
+              </a:rPr>
+              <a:t>S.O.S DOCUMENTAL desea diseñar un website que optimice el uso de la documentación para  así disminuir el uso del papel, brindando a la empresa SANIGGI S.A.S una herramienta de trabajo que le permita llevar de forma ordenada el paso a paso en la implementación de un gestor documental, A partir del conocimiento previo de sus archivos.</a:t>
+            </a:r>
+            <a:endParaRPr lang="es-ES" sz="1900" dirty="0">
+              <a:latin typeface="+mj-lt"/>
+            </a:endParaRPr>
+          </a:p>
+        </p:txBody>
+      </p:sp>
+    </p:spTree>
+    <p:extLst>
+      <p:ext uri="{BB962C8B-B14F-4D97-AF65-F5344CB8AC3E}">
+        <p14:creationId xmlns:p14="http://schemas.microsoft.com/office/powerpoint/2010/main" val="3946238994"/>
+      </p:ext>
+    </p:extLst>
+  </p:cSld>
+  <p:clrMapOvr>
+    <a:masterClrMapping/>
+  </p:clrMapOvr>
+</p:sld>
+</file>
+
+<file path=ppt/slides/slide30.xml><?xml version="1.0" encoding="utf-8"?>
+<p:sld xmlns:a="http://schemas.openxmlformats.org/drawingml/2006/main" xmlns:r="http://schemas.openxmlformats.org/officeDocument/2006/relationships" xmlns:p="http://schemas.openxmlformats.org/presentationml/2006/main">
+  <p:cSld>
+    <p:spTree>
+      <p:nvGrpSpPr>
+        <p:cNvPr id="1" name=""/>
+        <p:cNvGrpSpPr/>
+        <p:nvPr/>
+      </p:nvGrpSpPr>
+      <p:grpSpPr>
+        <a:xfrm>
+          <a:off x="0" y="0"/>
+          <a:ext cx="0" cy="0"/>
+          <a:chOff x="0" y="0"/>
+          <a:chExt cx="0" cy="0"/>
+        </a:xfrm>
+      </p:grpSpPr>
+      <p:sp>
+        <p:nvSpPr>
+          <p:cNvPr id="8" name="CuadroTexto 7"/>
+          <p:cNvSpPr txBox="1"/>
+          <p:nvPr/>
+        </p:nvSpPr>
+        <p:spPr>
+          <a:xfrm>
+            <a:off x="5888097" y="767217"/>
+            <a:ext cx="2780268" cy="461665"/>
+          </a:xfrm>
+          <a:prstGeom prst="rect">
+            <a:avLst/>
+          </a:prstGeom>
+          <a:noFill/>
+        </p:spPr>
+        <p:txBody>
+          <a:bodyPr wrap="square" rtlCol="0">
+            <a:spAutoFit/>
+          </a:bodyPr>
+          <a:lstStyle/>
+          <a:p>
+            <a:pPr algn="r"/>
+            <a:r>
+              <a:rPr lang="es-ES" sz="2400" b="1" dirty="0">
+                <a:solidFill>
+                  <a:schemeClr val="bg1"/>
+                </a:solidFill>
+                <a:latin typeface="Work sans"/>
+                <a:cs typeface="Work sans"/>
+              </a:rPr>
+              <a:t>Título</a:t>
+            </a:r>
+          </a:p>
+        </p:txBody>
+      </p:sp>
+      <p:sp>
+        <p:nvSpPr>
+          <p:cNvPr id="9" name="CuadroTexto 8"/>
+          <p:cNvSpPr txBox="1"/>
+          <p:nvPr/>
+        </p:nvSpPr>
+        <p:spPr>
+          <a:xfrm>
+            <a:off x="6331374" y="1598585"/>
+            <a:ext cx="2336991" cy="584776"/>
+          </a:xfrm>
+          <a:prstGeom prst="rect">
+            <a:avLst/>
+          </a:prstGeom>
+          <a:noFill/>
+        </p:spPr>
+        <p:txBody>
+          <a:bodyPr wrap="square" rtlCol="0">
+            <a:spAutoFit/>
+          </a:bodyPr>
+          <a:lstStyle/>
+          <a:p>
+            <a:pPr algn="r"/>
+            <a:r>
+              <a:rPr lang="es-ES" sz="1600" dirty="0">
+                <a:solidFill>
+                  <a:schemeClr val="bg1"/>
+                </a:solidFill>
+                <a:latin typeface="Work sans"/>
+                <a:cs typeface="Work sans"/>
+              </a:rPr>
+              <a:t>Espacio para frase concreta.</a:t>
+            </a:r>
+          </a:p>
+        </p:txBody>
+      </p:sp>
+      <p:pic>
+        <p:nvPicPr>
+          <p:cNvPr id="11" name="Imagen 10"/>
+          <p:cNvPicPr>
+            <a:picLocks noChangeAspect="1"/>
+          </p:cNvPicPr>
+          <p:nvPr/>
+        </p:nvPicPr>
+        <p:blipFill>
+          <a:blip r:embed="rId3"/>
+          <a:stretch>
+            <a:fillRect/>
+          </a:stretch>
+        </p:blipFill>
+        <p:spPr>
+          <a:xfrm flipV="1">
+            <a:off x="0" y="1481"/>
+            <a:ext cx="9144000" cy="996567"/>
+          </a:xfrm>
+          <a:prstGeom prst="rect">
+            <a:avLst/>
+          </a:prstGeom>
+        </p:spPr>
+      </p:pic>
+      <p:pic>
+        <p:nvPicPr>
+          <p:cNvPr id="16" name="Imagen 15" descr="naranja.png"/>
+          <p:cNvPicPr>
+            <a:picLocks noChangeAspect="1"/>
+          </p:cNvPicPr>
+          <p:nvPr/>
+        </p:nvPicPr>
+        <p:blipFill rotWithShape="1">
+          <a:blip r:embed="rId4">
+            <a:extLst>
+              <a:ext uri="{28A0092B-C50C-407E-A947-70E740481C1C}">
+                <a14:useLocalDpi xmlns:a14="http://schemas.microsoft.com/office/drawing/2010/main" val="0"/>
+              </a:ext>
+            </a:extLst>
+          </a:blip>
+          <a:srcRect l="21032" t="19996" r="22452" b="17818"/>
+          <a:stretch/>
+        </p:blipFill>
+        <p:spPr>
+          <a:xfrm>
+            <a:off x="8367676" y="4376283"/>
+            <a:ext cx="601377" cy="603694"/>
+          </a:xfrm>
+          <a:prstGeom prst="rect">
+            <a:avLst/>
+          </a:prstGeom>
+        </p:spPr>
+      </p:pic>
+      <p:sp>
+        <p:nvSpPr>
+          <p:cNvPr id="10" name="Google Shape;346;p44">
+            <a:extLst>
+              <a:ext uri="{FF2B5EF4-FFF2-40B4-BE49-F238E27FC236}">
+                <a16:creationId xmlns:a16="http://schemas.microsoft.com/office/drawing/2014/main" id="{AAFEFDA8-BFA1-47F7-9FEE-F99705E7A79A}"/>
+              </a:ext>
+            </a:extLst>
+          </p:cNvPr>
+          <p:cNvSpPr txBox="1"/>
+          <p:nvPr/>
+        </p:nvSpPr>
+        <p:spPr>
+          <a:xfrm>
+            <a:off x="0" y="292394"/>
+            <a:ext cx="3511844" cy="670615"/>
+          </a:xfrm>
+          <a:prstGeom prst="rect">
+            <a:avLst/>
+          </a:prstGeom>
+          <a:noFill/>
+          <a:ln>
+            <a:noFill/>
+          </a:ln>
+        </p:spPr>
+        <p:txBody>
+          <a:bodyPr spcFirstLastPara="1" wrap="square" lIns="91425" tIns="45700" rIns="91425" bIns="45700" anchor="t" anchorCtr="0">
+            <a:noAutofit/>
+          </a:bodyPr>
+          <a:lstStyle/>
+          <a:p>
+            <a:pPr marL="0" marR="0" lvl="0" indent="0" algn="ctr" rtl="0">
+              <a:lnSpc>
+                <a:spcPct val="100000"/>
+              </a:lnSpc>
+              <a:spcBef>
+                <a:spcPts val="0"/>
+              </a:spcBef>
+              <a:spcAft>
+                <a:spcPts val="0"/>
+              </a:spcAft>
+              <a:buClr>
+                <a:schemeClr val="dk1"/>
+              </a:buClr>
+              <a:buSzPts val="2400"/>
+              <a:buFont typeface="Arial"/>
+              <a:buNone/>
+            </a:pPr>
+            <a:r>
+              <a:rPr lang="es-ES" sz="2400" b="1" i="0" u="none" strike="noStrike" spc="50" dirty="0">
+                <a:ln w="0"/>
+                <a:solidFill>
+                  <a:schemeClr val="bg2"/>
+                </a:solidFill>
+                <a:effectLst>
+                  <a:innerShdw blurRad="63500" dist="50800" dir="13500000">
+                    <a:srgbClr val="000000">
+                      <a:alpha val="50000"/>
+                    </a:srgbClr>
+                  </a:innerShdw>
+                </a:effectLst>
+                <a:sym typeface="Arial"/>
+              </a:rPr>
+              <a:t>MODELO RELACIONAL</a:t>
+            </a:r>
+            <a:endParaRPr b="1" spc="50" dirty="0">
+              <a:ln w="0"/>
+              <a:solidFill>
+                <a:schemeClr val="bg2"/>
+              </a:solidFill>
+              <a:effectLst>
+                <a:innerShdw blurRad="63500" dist="50800" dir="13500000">
+                  <a:srgbClr val="000000">
+                    <a:alpha val="50000"/>
+                  </a:srgbClr>
+                </a:innerShdw>
+              </a:effectLst>
+            </a:endParaRPr>
+          </a:p>
+          <a:p>
+            <a:pPr marL="0" marR="0" lvl="0" indent="0" algn="ctr" rtl="0">
+              <a:lnSpc>
+                <a:spcPct val="100000"/>
+              </a:lnSpc>
+              <a:spcBef>
+                <a:spcPts val="0"/>
+              </a:spcBef>
+              <a:spcAft>
+                <a:spcPts val="0"/>
+              </a:spcAft>
+              <a:buClr>
+                <a:srgbClr val="000000"/>
+              </a:buClr>
+              <a:buSzPts val="2400"/>
+              <a:buFont typeface="Arial"/>
+              <a:buNone/>
+            </a:pPr>
+            <a:endParaRPr sz="2400" b="0" i="0" u="none" strike="noStrike" cap="none" dirty="0">
+              <a:solidFill>
+                <a:schemeClr val="dk1"/>
+              </a:solidFill>
+              <a:latin typeface="Arial"/>
+              <a:ea typeface="Arial"/>
+              <a:cs typeface="Arial"/>
+              <a:sym typeface="Arial"/>
+            </a:endParaRPr>
+          </a:p>
+          <a:p>
+            <a:pPr marL="0" marR="0" lvl="0" indent="0" algn="l" rtl="0">
+              <a:lnSpc>
+                <a:spcPct val="100000"/>
+              </a:lnSpc>
+              <a:spcBef>
+                <a:spcPts val="0"/>
+              </a:spcBef>
+              <a:spcAft>
+                <a:spcPts val="0"/>
+              </a:spcAft>
+              <a:buClr>
+                <a:srgbClr val="000000"/>
+              </a:buClr>
+              <a:buSzPts val="2400"/>
+              <a:buFont typeface="Arial"/>
+              <a:buNone/>
+            </a:pPr>
+            <a:endParaRPr sz="2400" b="1" i="0" u="none" strike="noStrike" cap="none" dirty="0">
+              <a:solidFill>
+                <a:schemeClr val="lt1"/>
+              </a:solidFill>
+              <a:latin typeface="Calibri"/>
+              <a:ea typeface="Calibri"/>
+              <a:cs typeface="Calibri"/>
+              <a:sym typeface="Calibri"/>
+            </a:endParaRPr>
+          </a:p>
+        </p:txBody>
+      </p:sp>
+      <p:pic>
+        <p:nvPicPr>
+          <p:cNvPr id="13" name="Imagen 12">
+            <a:hlinkClick r:id="rId5" action="ppaction://hlinkfile"/>
+            <a:extLst>
+              <a:ext uri="{FF2B5EF4-FFF2-40B4-BE49-F238E27FC236}">
+                <a16:creationId xmlns:a16="http://schemas.microsoft.com/office/drawing/2014/main" id="{BB28D076-DA50-4656-B630-83D9F790A950}"/>
+              </a:ext>
+            </a:extLst>
+          </p:cNvPr>
+          <p:cNvPicPr>
+            <a:picLocks noChangeAspect="1"/>
+          </p:cNvPicPr>
+          <p:nvPr/>
+        </p:nvPicPr>
+        <p:blipFill>
+          <a:blip r:embed="rId6">
+            <a:extLst>
+              <a:ext uri="{28A0092B-C50C-407E-A947-70E740481C1C}">
+                <a14:useLocalDpi xmlns:a14="http://schemas.microsoft.com/office/drawing/2010/main" val="0"/>
+              </a:ext>
+            </a:extLst>
+          </a:blip>
+          <a:stretch>
+            <a:fillRect/>
+          </a:stretch>
+        </p:blipFill>
+        <p:spPr>
+          <a:xfrm>
+            <a:off x="365140" y="998048"/>
+            <a:ext cx="7544154" cy="3981929"/>
+          </a:xfrm>
+          <a:prstGeom prst="rect">
+            <a:avLst/>
+          </a:prstGeom>
+        </p:spPr>
+      </p:pic>
+    </p:spTree>
+    <p:extLst>
+      <p:ext uri="{BB962C8B-B14F-4D97-AF65-F5344CB8AC3E}">
+        <p14:creationId xmlns:p14="http://schemas.microsoft.com/office/powerpoint/2010/main" val="3712916036"/>
+      </p:ext>
+    </p:extLst>
+  </p:cSld>
+  <p:clrMapOvr>
+    <a:masterClrMapping/>
+  </p:clrMapOvr>
+</p:sld>
+</file>
+
+<file path=ppt/slides/slide31.xml><?xml version="1.0" encoding="utf-8"?>
+<p:sld xmlns:a="http://schemas.openxmlformats.org/drawingml/2006/main" xmlns:r="http://schemas.openxmlformats.org/officeDocument/2006/relationships" xmlns:p="http://schemas.openxmlformats.org/presentationml/2006/main">
+  <p:cSld>
+    <p:spTree>
+      <p:nvGrpSpPr>
+        <p:cNvPr id="1" name=""/>
+        <p:cNvGrpSpPr/>
+        <p:nvPr/>
+      </p:nvGrpSpPr>
+      <p:grpSpPr>
+        <a:xfrm>
+          <a:off x="0" y="0"/>
+          <a:ext cx="0" cy="0"/>
+          <a:chOff x="0" y="0"/>
+          <a:chExt cx="0" cy="0"/>
+        </a:xfrm>
+      </p:grpSpPr>
+      <p:sp>
+        <p:nvSpPr>
+          <p:cNvPr id="8" name="CuadroTexto 7"/>
+          <p:cNvSpPr txBox="1"/>
+          <p:nvPr/>
+        </p:nvSpPr>
+        <p:spPr>
+          <a:xfrm>
+            <a:off x="5888097" y="767217"/>
+            <a:ext cx="2780268" cy="461665"/>
+          </a:xfrm>
+          <a:prstGeom prst="rect">
+            <a:avLst/>
+          </a:prstGeom>
+          <a:noFill/>
+        </p:spPr>
+        <p:txBody>
+          <a:bodyPr wrap="square" rtlCol="0">
+            <a:spAutoFit/>
+          </a:bodyPr>
+          <a:lstStyle/>
+          <a:p>
+            <a:pPr algn="r"/>
+            <a:r>
+              <a:rPr lang="es-ES" sz="2400" b="1" dirty="0">
+                <a:solidFill>
+                  <a:schemeClr val="bg1"/>
+                </a:solidFill>
+                <a:latin typeface="Work sans"/>
+                <a:cs typeface="Work sans"/>
+              </a:rPr>
+              <a:t>Título</a:t>
+            </a:r>
+          </a:p>
+        </p:txBody>
+      </p:sp>
+      <p:sp>
+        <p:nvSpPr>
+          <p:cNvPr id="9" name="CuadroTexto 8"/>
+          <p:cNvSpPr txBox="1"/>
+          <p:nvPr/>
+        </p:nvSpPr>
+        <p:spPr>
+          <a:xfrm>
+            <a:off x="6331374" y="1598585"/>
+            <a:ext cx="2336991" cy="584776"/>
+          </a:xfrm>
+          <a:prstGeom prst="rect">
+            <a:avLst/>
+          </a:prstGeom>
+          <a:noFill/>
+        </p:spPr>
+        <p:txBody>
+          <a:bodyPr wrap="square" rtlCol="0">
+            <a:spAutoFit/>
+          </a:bodyPr>
+          <a:lstStyle/>
+          <a:p>
+            <a:pPr algn="r"/>
+            <a:r>
+              <a:rPr lang="es-ES" sz="1600" dirty="0">
+                <a:solidFill>
+                  <a:schemeClr val="bg1"/>
+                </a:solidFill>
+                <a:latin typeface="Work sans"/>
+                <a:cs typeface="Work sans"/>
+              </a:rPr>
+              <a:t>Espacio para frase concreta.</a:t>
+            </a:r>
+          </a:p>
+        </p:txBody>
+      </p:sp>
+      <p:pic>
+        <p:nvPicPr>
+          <p:cNvPr id="11" name="Imagen 10"/>
+          <p:cNvPicPr>
+            <a:picLocks noChangeAspect="1"/>
+          </p:cNvPicPr>
+          <p:nvPr/>
+        </p:nvPicPr>
+        <p:blipFill>
+          <a:blip r:embed="rId3"/>
+          <a:stretch>
+            <a:fillRect/>
+          </a:stretch>
+        </p:blipFill>
+        <p:spPr>
+          <a:xfrm flipV="1">
+            <a:off x="0" y="1481"/>
+            <a:ext cx="9144000" cy="996567"/>
+          </a:xfrm>
+          <a:prstGeom prst="rect">
+            <a:avLst/>
+          </a:prstGeom>
+        </p:spPr>
+      </p:pic>
+      <p:pic>
+        <p:nvPicPr>
+          <p:cNvPr id="16" name="Imagen 15" descr="naranja.png"/>
+          <p:cNvPicPr>
+            <a:picLocks noChangeAspect="1"/>
+          </p:cNvPicPr>
+          <p:nvPr/>
+        </p:nvPicPr>
+        <p:blipFill rotWithShape="1">
+          <a:blip r:embed="rId4">
+            <a:extLst>
+              <a:ext uri="{28A0092B-C50C-407E-A947-70E740481C1C}">
+                <a14:useLocalDpi xmlns:a14="http://schemas.microsoft.com/office/drawing/2010/main" val="0"/>
+              </a:ext>
+            </a:extLst>
+          </a:blip>
+          <a:srcRect l="21032" t="19996" r="22452" b="17818"/>
+          <a:stretch/>
+        </p:blipFill>
+        <p:spPr>
+          <a:xfrm>
+            <a:off x="8367676" y="4376283"/>
+            <a:ext cx="601377" cy="603694"/>
+          </a:xfrm>
+          <a:prstGeom prst="rect">
+            <a:avLst/>
+          </a:prstGeom>
+        </p:spPr>
+      </p:pic>
+      <p:sp>
+        <p:nvSpPr>
+          <p:cNvPr id="12" name="Google Shape;317;p40">
+            <a:extLst>
+              <a:ext uri="{FF2B5EF4-FFF2-40B4-BE49-F238E27FC236}">
+                <a16:creationId xmlns:a16="http://schemas.microsoft.com/office/drawing/2014/main" id="{79E39753-0002-4715-A5F6-98B3F6FF1C7D}"/>
+              </a:ext>
+            </a:extLst>
+          </p:cNvPr>
+          <p:cNvSpPr txBox="1"/>
+          <p:nvPr/>
+        </p:nvSpPr>
+        <p:spPr>
+          <a:xfrm>
+            <a:off x="954675" y="144887"/>
+            <a:ext cx="2591262" cy="707886"/>
+          </a:xfrm>
+          <a:prstGeom prst="rect">
+            <a:avLst/>
+          </a:prstGeom>
+          <a:noFill/>
+          <a:ln>
+            <a:noFill/>
+          </a:ln>
+        </p:spPr>
+        <p:txBody>
+          <a:bodyPr spcFirstLastPara="1" wrap="square" lIns="91425" tIns="45700" rIns="91425" bIns="45700" anchor="t" anchorCtr="0">
+            <a:noAutofit/>
+          </a:bodyPr>
+          <a:lstStyle/>
+          <a:p>
+            <a:pPr marL="0" marR="0" lvl="0" indent="0" algn="l" rtl="0">
+              <a:lnSpc>
+                <a:spcPct val="100000"/>
+              </a:lnSpc>
+              <a:spcBef>
+                <a:spcPts val="0"/>
+              </a:spcBef>
+              <a:spcAft>
+                <a:spcPts val="0"/>
+              </a:spcAft>
+              <a:buClr>
+                <a:srgbClr val="E8E6E8"/>
+              </a:buClr>
+              <a:buSzPts val="2000"/>
+              <a:buFont typeface="Calibri"/>
+              <a:buNone/>
+            </a:pPr>
+            <a:r>
+              <a:rPr lang="es-ES" sz="2000" b="1" i="0" u="none" strike="noStrike" cap="none" dirty="0">
+                <a:solidFill>
+                  <a:srgbClr val="E8E6E8"/>
+                </a:solidFill>
+                <a:latin typeface="Calibri"/>
+                <a:ea typeface="Calibri"/>
+                <a:cs typeface="Calibri"/>
+                <a:sym typeface="Calibri"/>
+              </a:rPr>
+              <a:t>DIAGRAMA DE DESPLIEGUE</a:t>
+            </a:r>
+            <a:endParaRPr dirty="0"/>
+          </a:p>
+          <a:p>
+            <a:pPr marL="0" marR="0" lvl="0" indent="0" algn="l" rtl="0">
+              <a:lnSpc>
+                <a:spcPct val="100000"/>
+              </a:lnSpc>
+              <a:spcBef>
+                <a:spcPts val="0"/>
+              </a:spcBef>
+              <a:spcAft>
+                <a:spcPts val="0"/>
+              </a:spcAft>
+              <a:buClr>
+                <a:srgbClr val="000000"/>
+              </a:buClr>
+              <a:buSzPts val="2000"/>
+              <a:buFont typeface="Arial"/>
+              <a:buNone/>
+            </a:pPr>
+            <a:endParaRPr sz="2000" b="1" i="0" u="none" strike="noStrike" cap="none" dirty="0">
+              <a:solidFill>
+                <a:srgbClr val="E8E6E8"/>
+              </a:solidFill>
+              <a:latin typeface="Calibri"/>
+              <a:ea typeface="Calibri"/>
+              <a:cs typeface="Calibri"/>
+              <a:sym typeface="Calibri"/>
+            </a:endParaRPr>
+          </a:p>
+        </p:txBody>
+      </p:sp>
+      <p:pic>
+        <p:nvPicPr>
+          <p:cNvPr id="14" name="Imagen 13">
+            <a:hlinkClick r:id="rId5" action="ppaction://hlinkfile"/>
+            <a:extLst>
+              <a:ext uri="{FF2B5EF4-FFF2-40B4-BE49-F238E27FC236}">
+                <a16:creationId xmlns:a16="http://schemas.microsoft.com/office/drawing/2014/main" id="{E40AF3EC-10C3-4C11-9108-432016B4DA3A}"/>
+              </a:ext>
+            </a:extLst>
+          </p:cNvPr>
+          <p:cNvPicPr>
+            <a:picLocks noChangeAspect="1"/>
+          </p:cNvPicPr>
+          <p:nvPr/>
+        </p:nvPicPr>
+        <p:blipFill>
+          <a:blip r:embed="rId6">
+            <a:extLst>
+              <a:ext uri="{28A0092B-C50C-407E-A947-70E740481C1C}">
+                <a14:useLocalDpi xmlns:a14="http://schemas.microsoft.com/office/drawing/2010/main" val="0"/>
+              </a:ext>
+            </a:extLst>
+          </a:blip>
+          <a:stretch>
+            <a:fillRect/>
+          </a:stretch>
+        </p:blipFill>
+        <p:spPr>
+          <a:xfrm>
+            <a:off x="1347609" y="1132616"/>
+            <a:ext cx="5245991" cy="3847361"/>
+          </a:xfrm>
+          <a:prstGeom prst="rect">
+            <a:avLst/>
+          </a:prstGeom>
+        </p:spPr>
+      </p:pic>
+    </p:spTree>
+    <p:extLst>
+      <p:ext uri="{BB962C8B-B14F-4D97-AF65-F5344CB8AC3E}">
+        <p14:creationId xmlns:p14="http://schemas.microsoft.com/office/powerpoint/2010/main" val="3180752229"/>
+      </p:ext>
+    </p:extLst>
+  </p:cSld>
+  <p:clrMapOvr>
+    <a:masterClrMapping/>
+  </p:clrMapOvr>
+</p:sld>
+</file>
+
+<file path=ppt/slides/slide32.xml><?xml version="1.0" encoding="utf-8"?>
+<p:sld xmlns:a="http://schemas.openxmlformats.org/drawingml/2006/main" xmlns:r="http://schemas.openxmlformats.org/officeDocument/2006/relationships" xmlns:p="http://schemas.openxmlformats.org/presentationml/2006/main">
+  <p:cSld>
+    <p:spTree>
+      <p:nvGrpSpPr>
+        <p:cNvPr id="1" name=""/>
+        <p:cNvGrpSpPr/>
+        <p:nvPr/>
+      </p:nvGrpSpPr>
+      <p:grpSpPr>
+        <a:xfrm>
+          <a:off x="0" y="0"/>
+          <a:ext cx="0" cy="0"/>
+          <a:chOff x="0" y="0"/>
+          <a:chExt cx="0" cy="0"/>
+        </a:xfrm>
+      </p:grpSpPr>
+    </p:spTree>
+    <p:extLst>
+      <p:ext uri="{BB962C8B-B14F-4D97-AF65-F5344CB8AC3E}">
+        <p14:creationId xmlns:p14="http://schemas.microsoft.com/office/powerpoint/2010/main" val="520003850"/>
+      </p:ext>
+    </p:extLst>
+  </p:cSld>
+  <p:clrMapOvr>
+    <a:masterClrMapping/>
+  </p:clrMapOvr>
+</p:sld>
+</file>
+
+<file path=ppt/slides/slide33.xml><?xml version="1.0" encoding="utf-8"?>
 <p:sld xmlns:a="http://schemas.openxmlformats.org/drawingml/2006/main" xmlns:r="http://schemas.openxmlformats.org/officeDocument/2006/relationships" xmlns:p="http://schemas.openxmlformats.org/presentationml/2006/main">
   <p:cSld>
     <p:bg>
@@ -4657,261 +12022,6 @@
     <p:extLst>
       <p:ext uri="{BB962C8B-B14F-4D97-AF65-F5344CB8AC3E}">
         <p14:creationId xmlns:p14="http://schemas.microsoft.com/office/powerpoint/2010/main" val="623742636"/>
-      </p:ext>
-    </p:extLst>
-  </p:cSld>
-  <p:clrMapOvr>
-    <a:masterClrMapping/>
-  </p:clrMapOvr>
-</p:sld>
-</file>
-
-<file path=ppt/slides/slide2.xml><?xml version="1.0" encoding="utf-8"?>
-<p:sld xmlns:a="http://schemas.openxmlformats.org/drawingml/2006/main" xmlns:r="http://schemas.openxmlformats.org/officeDocument/2006/relationships" xmlns:p="http://schemas.openxmlformats.org/presentationml/2006/main">
-  <p:cSld>
-    <p:spTree>
-      <p:nvGrpSpPr>
-        <p:cNvPr id="1" name=""/>
-        <p:cNvGrpSpPr/>
-        <p:nvPr/>
-      </p:nvGrpSpPr>
-      <p:grpSpPr>
-        <a:xfrm>
-          <a:off x="0" y="0"/>
-          <a:ext cx="0" cy="0"/>
-          <a:chOff x="0" y="0"/>
-          <a:chExt cx="0" cy="0"/>
-        </a:xfrm>
-      </p:grpSpPr>
-      <p:sp>
-        <p:nvSpPr>
-          <p:cNvPr id="10" name="Google Shape;39;p11">
-            <a:extLst>
-              <a:ext uri="{FF2B5EF4-FFF2-40B4-BE49-F238E27FC236}">
-                <a16:creationId xmlns:a16="http://schemas.microsoft.com/office/drawing/2014/main" id="{788D296D-35E7-4576-9BAB-4FE674A67446}"/>
-              </a:ext>
-            </a:extLst>
-          </p:cNvPr>
-          <p:cNvSpPr txBox="1"/>
-          <p:nvPr/>
-        </p:nvSpPr>
-        <p:spPr>
-          <a:xfrm>
-            <a:off x="1495972" y="1871330"/>
-            <a:ext cx="5767470" cy="1253589"/>
-          </a:xfrm>
-          <a:prstGeom prst="rect">
-            <a:avLst/>
-          </a:prstGeom>
-          <a:noFill/>
-          <a:ln w="28575">
-            <a:solidFill>
-              <a:srgbClr val="FFFF00"/>
-            </a:solidFill>
-          </a:ln>
-        </p:spPr>
-        <p:txBody>
-          <a:bodyPr spcFirstLastPara="1" wrap="square" lIns="91425" tIns="45700" rIns="91425" bIns="45700" anchor="t" anchorCtr="0">
-            <a:noAutofit/>
-          </a:bodyPr>
-          <a:lstStyle/>
-          <a:p>
-            <a:pPr marL="0" marR="0" lvl="0" indent="0" algn="ctr" rtl="0">
-              <a:lnSpc>
-                <a:spcPct val="100000"/>
-              </a:lnSpc>
-              <a:spcBef>
-                <a:spcPts val="0"/>
-              </a:spcBef>
-              <a:spcAft>
-                <a:spcPts val="0"/>
-              </a:spcAft>
-              <a:buClr>
-                <a:schemeClr val="lt1"/>
-              </a:buClr>
-              <a:buSzPts val="4000"/>
-              <a:buFont typeface="Calibri"/>
-              <a:buNone/>
-            </a:pPr>
-            <a:r>
-              <a:rPr lang="es-ES" sz="5000" b="1" i="0" u="none" strike="noStrike" cap="none" dirty="0">
-                <a:solidFill>
-                  <a:schemeClr val="lt1"/>
-                </a:solidFill>
-                <a:latin typeface="Calibri"/>
-                <a:ea typeface="Calibri"/>
-                <a:cs typeface="Calibri"/>
-                <a:sym typeface="Calibri"/>
-              </a:rPr>
-              <a:t>METODOLOGICO</a:t>
-            </a:r>
-          </a:p>
-          <a:p>
-            <a:pPr marL="0" marR="0" lvl="0" indent="0" algn="ctr" rtl="0">
-              <a:lnSpc>
-                <a:spcPct val="100000"/>
-              </a:lnSpc>
-              <a:spcBef>
-                <a:spcPts val="0"/>
-              </a:spcBef>
-              <a:spcAft>
-                <a:spcPts val="0"/>
-              </a:spcAft>
-              <a:buClr>
-                <a:schemeClr val="lt1"/>
-              </a:buClr>
-              <a:buSzPts val="4000"/>
-              <a:buFont typeface="Calibri"/>
-              <a:buNone/>
-            </a:pPr>
-            <a:endParaRPr sz="5000" b="1" i="0" u="none" strike="noStrike" cap="none" dirty="0">
-              <a:solidFill>
-                <a:schemeClr val="lt1"/>
-              </a:solidFill>
-              <a:latin typeface="Calibri"/>
-              <a:ea typeface="Calibri"/>
-              <a:cs typeface="Calibri"/>
-              <a:sym typeface="Calibri"/>
-            </a:endParaRPr>
-          </a:p>
-        </p:txBody>
-      </p:sp>
-    </p:spTree>
-    <p:extLst>
-      <p:ext uri="{BB962C8B-B14F-4D97-AF65-F5344CB8AC3E}">
-        <p14:creationId xmlns:p14="http://schemas.microsoft.com/office/powerpoint/2010/main" val="4093264025"/>
-      </p:ext>
-    </p:extLst>
-  </p:cSld>
-  <p:clrMapOvr>
-    <a:masterClrMapping/>
-  </p:clrMapOvr>
-</p:sld>
-</file>
-
-<file path=ppt/slides/slide3.xml><?xml version="1.0" encoding="utf-8"?>
-<p:sld xmlns:a="http://schemas.openxmlformats.org/drawingml/2006/main" xmlns:r="http://schemas.openxmlformats.org/officeDocument/2006/relationships" xmlns:p="http://schemas.openxmlformats.org/presentationml/2006/main">
-  <p:cSld>
-    <p:spTree>
-      <p:nvGrpSpPr>
-        <p:cNvPr id="1" name=""/>
-        <p:cNvGrpSpPr/>
-        <p:nvPr/>
-      </p:nvGrpSpPr>
-      <p:grpSpPr>
-        <a:xfrm>
-          <a:off x="0" y="0"/>
-          <a:ext cx="0" cy="0"/>
-          <a:chOff x="0" y="0"/>
-          <a:chExt cx="0" cy="0"/>
-        </a:xfrm>
-      </p:grpSpPr>
-      <p:sp>
-        <p:nvSpPr>
-          <p:cNvPr id="2" name="CuadroTexto 1">
-            <a:extLst>
-              <a:ext uri="{FF2B5EF4-FFF2-40B4-BE49-F238E27FC236}">
-                <a16:creationId xmlns:a16="http://schemas.microsoft.com/office/drawing/2014/main" id="{2E50C185-1F39-4E4A-82AB-6D0810993C26}"/>
-              </a:ext>
-            </a:extLst>
-          </p:cNvPr>
-          <p:cNvSpPr txBox="1"/>
-          <p:nvPr/>
-        </p:nvSpPr>
-        <p:spPr>
-          <a:xfrm>
-            <a:off x="374547" y="1046225"/>
-            <a:ext cx="3194529" cy="954107"/>
-          </a:xfrm>
-          <a:prstGeom prst="rect">
-            <a:avLst/>
-          </a:prstGeom>
-          <a:noFill/>
-        </p:spPr>
-        <p:txBody>
-          <a:bodyPr wrap="none" rtlCol="0">
-            <a:spAutoFit/>
-          </a:bodyPr>
-          <a:lstStyle/>
-          <a:p>
-            <a:r>
-              <a:rPr lang="es-ES" sz="2800" b="1" dirty="0">
-                <a:solidFill>
-                  <a:schemeClr val="dk1"/>
-                </a:solidFill>
-                <a:ea typeface="Calibri"/>
-                <a:cs typeface="Calibri"/>
-                <a:sym typeface="Calibri"/>
-              </a:rPr>
-              <a:t>OBJETIVO GENERAL </a:t>
-            </a:r>
-          </a:p>
-          <a:p>
-            <a:endParaRPr lang="es-ES" sz="2800" dirty="0">
-              <a:solidFill>
-                <a:srgbClr val="274FB2"/>
-              </a:solidFill>
-              <a:latin typeface="Work Sans" panose="00000500000000000000" pitchFamily="2" charset="0"/>
-            </a:endParaRPr>
-          </a:p>
-        </p:txBody>
-      </p:sp>
-      <p:sp>
-        <p:nvSpPr>
-          <p:cNvPr id="3" name="CuadroTexto 2">
-            <a:extLst>
-              <a:ext uri="{FF2B5EF4-FFF2-40B4-BE49-F238E27FC236}">
-                <a16:creationId xmlns:a16="http://schemas.microsoft.com/office/drawing/2014/main" id="{AF00D8B4-DEFB-4EDA-BF16-6AA85ED0F0B4}"/>
-              </a:ext>
-            </a:extLst>
-          </p:cNvPr>
-          <p:cNvSpPr txBox="1"/>
-          <p:nvPr/>
-        </p:nvSpPr>
-        <p:spPr>
-          <a:xfrm>
-            <a:off x="202018" y="2000332"/>
-            <a:ext cx="6940654" cy="1846659"/>
-          </a:xfrm>
-          <a:prstGeom prst="rect">
-            <a:avLst/>
-          </a:prstGeom>
-          <a:noFill/>
-        </p:spPr>
-        <p:txBody>
-          <a:bodyPr wrap="square" rtlCol="0">
-            <a:spAutoFit/>
-          </a:bodyPr>
-          <a:lstStyle/>
-          <a:p>
-            <a:pPr lvl="0" algn="just">
-              <a:buClr>
-                <a:srgbClr val="595959"/>
-              </a:buClr>
-              <a:buSzPts val="2000"/>
-            </a:pPr>
-            <a:r>
-              <a:rPr lang="es-ES" sz="1900" b="1" dirty="0">
-                <a:solidFill>
-                  <a:srgbClr val="595959"/>
-                </a:solidFill>
-                <a:latin typeface="+mj-lt"/>
-                <a:ea typeface="Calibri"/>
-                <a:cs typeface="Calibri"/>
-                <a:sym typeface="Calibri"/>
-              </a:rPr>
-              <a:t>S.O.S DOCUMENTAL desea diseñar un website que optimice el uso de la documentación para  así disminuir el uso del papel, brindando a la empresa SANIGGI S.A.S una herramienta de trabajo que le permita llevar de forma ordenada el paso a paso en la implementación de un gestor documental, A partir del conocimiento previo de sus archivos.</a:t>
-            </a:r>
-            <a:endParaRPr lang="es-ES" sz="1900" dirty="0">
-              <a:latin typeface="+mj-lt"/>
-            </a:endParaRPr>
-          </a:p>
-        </p:txBody>
-      </p:sp>
-    </p:spTree>
-    <p:extLst>
-      <p:ext uri="{BB962C8B-B14F-4D97-AF65-F5344CB8AC3E}">
-        <p14:creationId xmlns:p14="http://schemas.microsoft.com/office/powerpoint/2010/main" val="3946238994"/>
       </p:ext>
     </p:extLst>
   </p:cSld>
